--- a/Documentació/Disseny linies RENFE.pptx
+++ b/Documentació/Disseny linies RENFE.pptx
@@ -6,6 +6,9 @@
   </p:sldMasterIdLst>
   <p:sldIdLst>
     <p:sldId id="256" r:id="rId2"/>
+    <p:sldId id="257" r:id="rId3"/>
+    <p:sldId id="259" r:id="rId4"/>
+    <p:sldId id="260" r:id="rId5"/>
   </p:sldIdLst>
   <p:sldSz cx="12192000" cy="6858000"/>
   <p:notesSz cx="6858000" cy="9144000"/>
@@ -104,6 +107,11 @@
       </a:defRPr>
     </a:lvl9pPr>
   </p:defaultTextStyle>
+  <p:extLst>
+    <p:ext uri="{EFAFB233-063F-42B5-8137-9DF3F51BA10A}">
+      <p15:sldGuideLst xmlns:p15="http://schemas.microsoft.com/office/powerpoint/2012/main"/>
+    </p:ext>
+  </p:extLst>
 </p:presentation>
 </file>
 
@@ -254,7 +262,7 @@
           <a:p>
             <a:fld id="{3A1CB431-3844-4568-A591-C223097C649E}" type="datetimeFigureOut">
               <a:rPr lang="es-ES" smtClean="0"/>
-              <a:t>18/09/2021</a:t>
+              <a:t>16/11/2021</a:t>
             </a:fld>
             <a:endParaRPr lang="es-ES"/>
           </a:p>
@@ -452,7 +460,7 @@
           <a:p>
             <a:fld id="{3A1CB431-3844-4568-A591-C223097C649E}" type="datetimeFigureOut">
               <a:rPr lang="es-ES" smtClean="0"/>
-              <a:t>18/09/2021</a:t>
+              <a:t>16/11/2021</a:t>
             </a:fld>
             <a:endParaRPr lang="es-ES"/>
           </a:p>
@@ -660,7 +668,7 @@
           <a:p>
             <a:fld id="{3A1CB431-3844-4568-A591-C223097C649E}" type="datetimeFigureOut">
               <a:rPr lang="es-ES" smtClean="0"/>
-              <a:t>18/09/2021</a:t>
+              <a:t>16/11/2021</a:t>
             </a:fld>
             <a:endParaRPr lang="es-ES"/>
           </a:p>
@@ -858,7 +866,7 @@
           <a:p>
             <a:fld id="{3A1CB431-3844-4568-A591-C223097C649E}" type="datetimeFigureOut">
               <a:rPr lang="es-ES" smtClean="0"/>
-              <a:t>18/09/2021</a:t>
+              <a:t>16/11/2021</a:t>
             </a:fld>
             <a:endParaRPr lang="es-ES"/>
           </a:p>
@@ -1133,7 +1141,7 @@
           <a:p>
             <a:fld id="{3A1CB431-3844-4568-A591-C223097C649E}" type="datetimeFigureOut">
               <a:rPr lang="es-ES" smtClean="0"/>
-              <a:t>18/09/2021</a:t>
+              <a:t>16/11/2021</a:t>
             </a:fld>
             <a:endParaRPr lang="es-ES"/>
           </a:p>
@@ -1398,7 +1406,7 @@
           <a:p>
             <a:fld id="{3A1CB431-3844-4568-A591-C223097C649E}" type="datetimeFigureOut">
               <a:rPr lang="es-ES" smtClean="0"/>
-              <a:t>18/09/2021</a:t>
+              <a:t>16/11/2021</a:t>
             </a:fld>
             <a:endParaRPr lang="es-ES"/>
           </a:p>
@@ -1810,7 +1818,7 @@
           <a:p>
             <a:fld id="{3A1CB431-3844-4568-A591-C223097C649E}" type="datetimeFigureOut">
               <a:rPr lang="es-ES" smtClean="0"/>
-              <a:t>18/09/2021</a:t>
+              <a:t>16/11/2021</a:t>
             </a:fld>
             <a:endParaRPr lang="es-ES"/>
           </a:p>
@@ -1951,7 +1959,7 @@
           <a:p>
             <a:fld id="{3A1CB431-3844-4568-A591-C223097C649E}" type="datetimeFigureOut">
               <a:rPr lang="es-ES" smtClean="0"/>
-              <a:t>18/09/2021</a:t>
+              <a:t>16/11/2021</a:t>
             </a:fld>
             <a:endParaRPr lang="es-ES"/>
           </a:p>
@@ -2064,7 +2072,7 @@
           <a:p>
             <a:fld id="{3A1CB431-3844-4568-A591-C223097C649E}" type="datetimeFigureOut">
               <a:rPr lang="es-ES" smtClean="0"/>
-              <a:t>18/09/2021</a:t>
+              <a:t>16/11/2021</a:t>
             </a:fld>
             <a:endParaRPr lang="es-ES"/>
           </a:p>
@@ -2375,7 +2383,7 @@
           <a:p>
             <a:fld id="{3A1CB431-3844-4568-A591-C223097C649E}" type="datetimeFigureOut">
               <a:rPr lang="es-ES" smtClean="0"/>
-              <a:t>18/09/2021</a:t>
+              <a:t>16/11/2021</a:t>
             </a:fld>
             <a:endParaRPr lang="es-ES"/>
           </a:p>
@@ -2663,7 +2671,7 @@
           <a:p>
             <a:fld id="{3A1CB431-3844-4568-A591-C223097C649E}" type="datetimeFigureOut">
               <a:rPr lang="es-ES" smtClean="0"/>
-              <a:t>18/09/2021</a:t>
+              <a:t>16/11/2021</a:t>
             </a:fld>
             <a:endParaRPr lang="es-ES"/>
           </a:p>
@@ -2904,7 +2912,7 @@
           <a:p>
             <a:fld id="{3A1CB431-3844-4568-A591-C223097C649E}" type="datetimeFigureOut">
               <a:rPr lang="es-ES" smtClean="0"/>
-              <a:t>18/09/2021</a:t>
+              <a:t>16/11/2021</a:t>
             </a:fld>
             <a:endParaRPr lang="es-ES"/>
           </a:p>
@@ -3323,6 +3331,41 @@
       </p:grpSpPr>
       <p:sp>
         <p:nvSpPr>
+          <p:cNvPr id="206" name="CuadroTexto 205">
+            <a:extLst>
+              <a:ext uri="{FF2B5EF4-FFF2-40B4-BE49-F238E27FC236}">
+                <a16:creationId xmlns:a16="http://schemas.microsoft.com/office/drawing/2014/main" id="{9891B2F5-CE55-4EA7-B1B5-C98D9EA0C0CD}"/>
+              </a:ext>
+            </a:extLst>
+          </p:cNvPr>
+          <p:cNvSpPr txBox="1"/>
+          <p:nvPr/>
+        </p:nvSpPr>
+        <p:spPr>
+          <a:xfrm rot="18900000">
+            <a:off x="9558684" y="2410045"/>
+            <a:ext cx="1031187" cy="461665"/>
+          </a:xfrm>
+          <a:prstGeom prst="rect">
+            <a:avLst/>
+          </a:prstGeom>
+          <a:noFill/>
+        </p:spPr>
+        <p:txBody>
+          <a:bodyPr vert="horz" wrap="square" rtlCol="0">
+            <a:spAutoFit/>
+          </a:bodyPr>
+          <a:lstStyle/>
+          <a:p>
+            <a:r>
+              <a:rPr lang="es-ES" sz="1200"/>
+              <a:t>Cerdanyola del Vallès</a:t>
+            </a:r>
+          </a:p>
+        </p:txBody>
+      </p:sp>
+      <p:sp>
+        <p:nvSpPr>
           <p:cNvPr id="203" name="CuadroTexto 202">
             <a:extLst>
               <a:ext uri="{FF2B5EF4-FFF2-40B4-BE49-F238E27FC236}">
@@ -3350,7 +3393,7 @@
           <a:lstStyle/>
           <a:p>
             <a:r>
-              <a:rPr lang="es-ES" sz="1200" dirty="0"/>
+              <a:rPr lang="es-ES" sz="1200"/>
               <a:t>Sant Cugat del Vallès</a:t>
             </a:r>
           </a:p>
@@ -3507,7 +3550,7 @@
           <a:lstStyle/>
           <a:p>
             <a:pPr algn="ctr"/>
-            <a:endParaRPr lang="es-ES" sz="900" b="1" dirty="0"/>
+            <a:endParaRPr lang="es-ES" sz="900" b="1"/>
           </a:p>
         </p:txBody>
       </p:sp>
@@ -3656,7 +3699,7 @@
           <a:lstStyle/>
           <a:p>
             <a:pPr algn="ctr"/>
-            <a:endParaRPr lang="es-ES" sz="900" b="1" dirty="0"/>
+            <a:endParaRPr lang="es-ES" sz="900" b="1"/>
           </a:p>
         </p:txBody>
       </p:sp>
@@ -3863,7 +3906,7 @@
           <a:p>
             <a:pPr algn="ctr"/>
             <a:r>
-              <a:rPr lang="es-ES" sz="4800" b="1" dirty="0"/>
+              <a:rPr lang="es-ES" sz="4800" b="1"/>
               <a:t>R8</a:t>
             </a:r>
           </a:p>
@@ -3918,7 +3961,7 @@
           <a:p>
             <a:pPr algn="ctr"/>
             <a:r>
-              <a:rPr lang="es-ES" sz="4800" b="1" dirty="0"/>
+              <a:rPr lang="es-ES" sz="4800" b="1"/>
               <a:t>R7</a:t>
             </a:r>
           </a:p>
@@ -3973,7 +4016,7 @@
           <a:p>
             <a:pPr algn="ctr"/>
             <a:r>
-              <a:rPr lang="es-ES" sz="4800" b="1" dirty="0"/>
+              <a:rPr lang="es-ES" sz="4800" b="1"/>
               <a:t>R4</a:t>
             </a:r>
           </a:p>
@@ -4028,7 +4071,7 @@
           <a:p>
             <a:pPr algn="ctr"/>
             <a:r>
-              <a:rPr lang="es-ES" sz="3600" b="1" dirty="0">
+              <a:rPr lang="es-ES" sz="3600" b="1">
                 <a:solidFill>
                   <a:schemeClr val="tx1"/>
                 </a:solidFill>
@@ -4081,7 +4124,7 @@
           <a:p>
             <a:pPr algn="ctr"/>
             <a:r>
-              <a:rPr lang="es-ES" sz="1200" b="1" dirty="0">
+              <a:rPr lang="es-ES" sz="1200" b="1">
                 <a:solidFill>
                   <a:schemeClr val="bg1">
                     <a:lumMod val="95000"/>
@@ -4136,7 +4179,7 @@
           <a:p>
             <a:pPr algn="ctr"/>
             <a:r>
-              <a:rPr lang="es-ES" sz="1200" b="1" dirty="0">
+              <a:rPr lang="es-ES" sz="1200" b="1">
                 <a:solidFill>
                   <a:schemeClr val="bg1">
                     <a:lumMod val="95000"/>
@@ -4146,7 +4189,7 @@
               <a:t>Cerdanyola </a:t>
             </a:r>
             <a:r>
-              <a:rPr lang="es-ES" sz="1200" b="1" dirty="0" err="1">
+              <a:rPr lang="es-ES" sz="1200" b="1" err="1">
                 <a:solidFill>
                   <a:schemeClr val="bg1">
                     <a:lumMod val="95000"/>
@@ -4155,7 +4198,7 @@
               </a:rPr>
               <a:t>Universitat</a:t>
             </a:r>
-            <a:endParaRPr lang="es-ES" sz="1200" b="1" dirty="0">
+            <a:endParaRPr lang="es-ES" sz="1200" b="1">
               <a:solidFill>
                 <a:schemeClr val="bg1">
                   <a:lumMod val="95000"/>
@@ -4208,7 +4251,7 @@
           <a:p>
             <a:pPr algn="ctr"/>
             <a:r>
-              <a:rPr lang="es-ES" sz="1200" b="1" i="0" u="none" strike="noStrike" baseline="0" dirty="0">
+              <a:rPr lang="es-ES" sz="1200" b="1" i="0" u="none" strike="noStrike" baseline="0">
                 <a:solidFill>
                   <a:schemeClr val="bg1">
                     <a:lumMod val="95000"/>
@@ -4217,7 +4260,7 @@
               </a:rPr>
               <a:t>Montcada i Reixac - Sta. Maria</a:t>
             </a:r>
-            <a:endParaRPr lang="es-ES" sz="1200" b="1" dirty="0">
+            <a:endParaRPr lang="es-ES" sz="1200" b="1">
               <a:solidFill>
                 <a:schemeClr val="bg1">
                   <a:lumMod val="95000"/>
@@ -4952,7 +4995,7 @@
           <a:p>
             <a:pPr algn="ctr"/>
             <a:r>
-              <a:rPr lang="es-ES" sz="4800" b="1" dirty="0"/>
+              <a:rPr lang="es-ES" sz="4800" b="1"/>
               <a:t>S1</a:t>
             </a:r>
           </a:p>
@@ -5417,7 +5460,7 @@
           <a:p>
             <a:pPr algn="ctr"/>
             <a:r>
-              <a:rPr lang="es-ES" sz="1200" b="1" dirty="0">
+              <a:rPr lang="es-ES" sz="1200" b="1">
                 <a:solidFill>
                   <a:schemeClr val="bg1">
                     <a:lumMod val="95000"/>
@@ -5427,7 +5470,7 @@
               <a:t>Terrassa </a:t>
             </a:r>
             <a:r>
-              <a:rPr lang="es-ES" sz="1200" b="1" dirty="0" err="1">
+              <a:rPr lang="es-ES" sz="1200" b="1" err="1">
                 <a:solidFill>
                   <a:schemeClr val="bg1">
                     <a:lumMod val="95000"/>
@@ -5437,7 +5480,7 @@
               <a:t>Estació</a:t>
             </a:r>
             <a:r>
-              <a:rPr lang="es-ES" sz="1200" b="1" dirty="0">
+              <a:rPr lang="es-ES" sz="1200" b="1">
                 <a:solidFill>
                   <a:schemeClr val="bg1">
                     <a:lumMod val="95000"/>
@@ -5492,7 +5535,7 @@
           <a:p>
             <a:pPr algn="r"/>
             <a:r>
-              <a:rPr lang="es-ES" sz="900" b="1" dirty="0"/>
+              <a:rPr lang="es-ES" sz="900" b="1"/>
               <a:t>20:25</a:t>
             </a:r>
           </a:p>
@@ -5553,7 +5596,7 @@
           <a:lstStyle/>
           <a:p>
             <a:r>
-              <a:rPr lang="es-ES" sz="900" b="1" dirty="0"/>
+              <a:rPr lang="es-ES" sz="900" b="1"/>
               <a:t>15:50</a:t>
             </a:r>
           </a:p>
@@ -5660,7 +5703,7 @@
           <a:lstStyle/>
           <a:p>
             <a:pPr algn="ctr"/>
-            <a:endParaRPr lang="es-ES" sz="900" b="1" dirty="0"/>
+            <a:endParaRPr lang="es-ES" sz="900" b="1"/>
           </a:p>
         </p:txBody>
       </p:sp>
@@ -5693,7 +5736,7 @@
           <a:lstStyle/>
           <a:p>
             <a:r>
-              <a:rPr lang="es-ES" sz="1050" b="1" dirty="0"/>
+              <a:rPr lang="es-ES" sz="1050" b="1"/>
               <a:t>20:25</a:t>
             </a:r>
           </a:p>
@@ -5728,7 +5771,7 @@
           <a:lstStyle/>
           <a:p>
             <a:r>
-              <a:rPr lang="es-ES" sz="1050" b="1" dirty="0"/>
+              <a:rPr lang="es-ES" sz="1050" b="1"/>
               <a:t>20:25</a:t>
             </a:r>
           </a:p>
@@ -7818,41 +7861,6 @@
           </a:fontRef>
         </p:style>
       </p:cxnSp>
-      <p:sp>
-        <p:nvSpPr>
-          <p:cNvPr id="206" name="CuadroTexto 205">
-            <a:extLst>
-              <a:ext uri="{FF2B5EF4-FFF2-40B4-BE49-F238E27FC236}">
-                <a16:creationId xmlns:a16="http://schemas.microsoft.com/office/drawing/2014/main" id="{9891B2F5-CE55-4EA7-B1B5-C98D9EA0C0CD}"/>
-              </a:ext>
-            </a:extLst>
-          </p:cNvPr>
-          <p:cNvSpPr txBox="1"/>
-          <p:nvPr/>
-        </p:nvSpPr>
-        <p:spPr>
-          <a:xfrm rot="18900000">
-            <a:off x="9558684" y="2410045"/>
-            <a:ext cx="1031187" cy="461665"/>
-          </a:xfrm>
-          <a:prstGeom prst="rect">
-            <a:avLst/>
-          </a:prstGeom>
-          <a:noFill/>
-        </p:spPr>
-        <p:txBody>
-          <a:bodyPr vert="horz" wrap="square" rtlCol="0">
-            <a:spAutoFit/>
-          </a:bodyPr>
-          <a:lstStyle/>
-          <a:p>
-            <a:r>
-              <a:rPr lang="es-ES" sz="1200" dirty="0"/>
-              <a:t>Cerdanyola del Vallès</a:t>
-            </a:r>
-          </a:p>
-        </p:txBody>
-      </p:sp>
       <p:cxnSp>
         <p:nvCxnSpPr>
           <p:cNvPr id="209" name="Conector recto 208">
@@ -7912,6 +7920,3863 @@
     <p:extLst>
       <p:ext uri="{BB962C8B-B14F-4D97-AF65-F5344CB8AC3E}">
         <p14:creationId xmlns:p14="http://schemas.microsoft.com/office/powerpoint/2010/main" val="2132259252"/>
+      </p:ext>
+    </p:extLst>
+  </p:cSld>
+  <p:clrMapOvr>
+    <a:masterClrMapping/>
+  </p:clrMapOvr>
+</p:sld>
+</file>
+
+<file path=ppt/slides/slide2.xml><?xml version="1.0" encoding="utf-8"?>
+<p:sld xmlns:a="http://schemas.openxmlformats.org/drawingml/2006/main" xmlns:r="http://schemas.openxmlformats.org/officeDocument/2006/relationships" xmlns:p="http://schemas.openxmlformats.org/presentationml/2006/main">
+  <p:cSld>
+    <p:spTree>
+      <p:nvGrpSpPr>
+        <p:cNvPr id="1" name=""/>
+        <p:cNvGrpSpPr/>
+        <p:nvPr/>
+      </p:nvGrpSpPr>
+      <p:grpSpPr>
+        <a:xfrm>
+          <a:off x="0" y="0"/>
+          <a:ext cx="0" cy="0"/>
+          <a:chOff x="0" y="0"/>
+          <a:chExt cx="0" cy="0"/>
+        </a:xfrm>
+      </p:grpSpPr>
+      <p:pic>
+        <p:nvPicPr>
+          <p:cNvPr id="42" name="Imagen 41">
+            <a:extLst>
+              <a:ext uri="{FF2B5EF4-FFF2-40B4-BE49-F238E27FC236}">
+                <a16:creationId xmlns:a16="http://schemas.microsoft.com/office/drawing/2014/main" id="{BF9206E8-53B8-4390-BCE8-30DFE1C28C47}"/>
+              </a:ext>
+            </a:extLst>
+          </p:cNvPr>
+          <p:cNvPicPr>
+            <a:picLocks noChangeAspect="1"/>
+          </p:cNvPicPr>
+          <p:nvPr/>
+        </p:nvPicPr>
+        <p:blipFill>
+          <a:blip r:embed="rId2">
+            <a:alphaModFix amt="20000"/>
+          </a:blip>
+          <a:stretch>
+            <a:fillRect/>
+          </a:stretch>
+        </p:blipFill>
+        <p:spPr>
+          <a:xfrm>
+            <a:off x="2628900" y="723900"/>
+            <a:ext cx="6934200" cy="5410200"/>
+          </a:xfrm>
+          <a:prstGeom prst="rect">
+            <a:avLst/>
+          </a:prstGeom>
+        </p:spPr>
+      </p:pic>
+      <p:cxnSp>
+        <p:nvCxnSpPr>
+          <p:cNvPr id="55" name="Conector recto 54">
+            <a:extLst>
+              <a:ext uri="{FF2B5EF4-FFF2-40B4-BE49-F238E27FC236}">
+                <a16:creationId xmlns:a16="http://schemas.microsoft.com/office/drawing/2014/main" id="{8EF152B4-FB26-49E5-B0A1-F9EAD9ADC745}"/>
+              </a:ext>
+            </a:extLst>
+          </p:cNvPr>
+          <p:cNvCxnSpPr/>
+          <p:nvPr/>
+        </p:nvCxnSpPr>
+        <p:spPr>
+          <a:xfrm>
+            <a:off x="3624552" y="4320699"/>
+            <a:ext cx="801403" cy="0"/>
+          </a:xfrm>
+          <a:prstGeom prst="line">
+            <a:avLst/>
+          </a:prstGeom>
+          <a:ln w="19050">
+            <a:solidFill>
+              <a:srgbClr val="428479"/>
+            </a:solidFill>
+          </a:ln>
+        </p:spPr>
+        <p:style>
+          <a:lnRef idx="1">
+            <a:schemeClr val="accent1"/>
+          </a:lnRef>
+          <a:fillRef idx="0">
+            <a:schemeClr val="accent1"/>
+          </a:fillRef>
+          <a:effectRef idx="0">
+            <a:schemeClr val="accent1"/>
+          </a:effectRef>
+          <a:fontRef idx="minor">
+            <a:schemeClr val="tx1"/>
+          </a:fontRef>
+        </p:style>
+      </p:cxnSp>
+      <p:cxnSp>
+        <p:nvCxnSpPr>
+          <p:cNvPr id="59" name="Conector recto 58">
+            <a:extLst>
+              <a:ext uri="{FF2B5EF4-FFF2-40B4-BE49-F238E27FC236}">
+                <a16:creationId xmlns:a16="http://schemas.microsoft.com/office/drawing/2014/main" id="{5B8A0979-89E6-4CC2-8ADC-DBF4B4A41F13}"/>
+              </a:ext>
+            </a:extLst>
+          </p:cNvPr>
+          <p:cNvCxnSpPr/>
+          <p:nvPr/>
+        </p:nvCxnSpPr>
+        <p:spPr>
+          <a:xfrm>
+            <a:off x="7680329" y="4320699"/>
+            <a:ext cx="468000" cy="0"/>
+          </a:xfrm>
+          <a:prstGeom prst="line">
+            <a:avLst/>
+          </a:prstGeom>
+          <a:ln w="19050">
+            <a:solidFill>
+              <a:srgbClr val="428479"/>
+            </a:solidFill>
+          </a:ln>
+        </p:spPr>
+        <p:style>
+          <a:lnRef idx="1">
+            <a:schemeClr val="accent1"/>
+          </a:lnRef>
+          <a:fillRef idx="0">
+            <a:schemeClr val="accent1"/>
+          </a:fillRef>
+          <a:effectRef idx="0">
+            <a:schemeClr val="accent1"/>
+          </a:effectRef>
+          <a:fontRef idx="minor">
+            <a:schemeClr val="tx1"/>
+          </a:fontRef>
+        </p:style>
+      </p:cxnSp>
+      <p:cxnSp>
+        <p:nvCxnSpPr>
+          <p:cNvPr id="5" name="Conector recto 4">
+            <a:extLst>
+              <a:ext uri="{FF2B5EF4-FFF2-40B4-BE49-F238E27FC236}">
+                <a16:creationId xmlns:a16="http://schemas.microsoft.com/office/drawing/2014/main" id="{F2D939EB-6288-44DB-B576-9416723FAFFD}"/>
+              </a:ext>
+            </a:extLst>
+          </p:cNvPr>
+          <p:cNvCxnSpPr>
+            <a:cxnSpLocks/>
+            <a:stCxn id="4" idx="6"/>
+            <a:endCxn id="50" idx="3"/>
+          </p:cNvCxnSpPr>
+          <p:nvPr/>
+        </p:nvCxnSpPr>
+        <p:spPr>
+          <a:xfrm>
+            <a:off x="4567734" y="4311174"/>
+            <a:ext cx="3047612" cy="1272"/>
+          </a:xfrm>
+          <a:prstGeom prst="line">
+            <a:avLst/>
+          </a:prstGeom>
+          <a:ln w="38100">
+            <a:solidFill>
+              <a:srgbClr val="428479"/>
+            </a:solidFill>
+          </a:ln>
+        </p:spPr>
+        <p:style>
+          <a:lnRef idx="1">
+            <a:schemeClr val="accent1"/>
+          </a:lnRef>
+          <a:fillRef idx="0">
+            <a:schemeClr val="accent1"/>
+          </a:fillRef>
+          <a:effectRef idx="0">
+            <a:schemeClr val="accent1"/>
+          </a:effectRef>
+          <a:fontRef idx="minor">
+            <a:schemeClr val="tx1"/>
+          </a:fontRef>
+        </p:style>
+      </p:cxnSp>
+      <p:sp>
+        <p:nvSpPr>
+          <p:cNvPr id="8" name="CuadroTexto 7">
+            <a:extLst>
+              <a:ext uri="{FF2B5EF4-FFF2-40B4-BE49-F238E27FC236}">
+                <a16:creationId xmlns:a16="http://schemas.microsoft.com/office/drawing/2014/main" id="{ED39C2DF-DE2B-437E-8227-E2F7AC46D17B}"/>
+              </a:ext>
+            </a:extLst>
+          </p:cNvPr>
+          <p:cNvSpPr txBox="1"/>
+          <p:nvPr/>
+        </p:nvSpPr>
+        <p:spPr>
+          <a:xfrm rot="18900000">
+            <a:off x="8091091" y="3860072"/>
+            <a:ext cx="814699" cy="276999"/>
+          </a:xfrm>
+          <a:prstGeom prst="rect">
+            <a:avLst/>
+          </a:prstGeom>
+          <a:noFill/>
+        </p:spPr>
+        <p:txBody>
+          <a:bodyPr vert="horz" wrap="square" rtlCol="0">
+            <a:spAutoFit/>
+          </a:bodyPr>
+          <a:lstStyle/>
+          <a:p>
+            <a:r>
+              <a:rPr lang="es-ES" sz="1200"/>
+              <a:t>Can </a:t>
+            </a:r>
+            <a:r>
+              <a:rPr lang="es-ES" sz="1200" err="1"/>
+              <a:t>Rosés</a:t>
+            </a:r>
+            <a:endParaRPr lang="es-ES" sz="1200"/>
+          </a:p>
+        </p:txBody>
+      </p:sp>
+      <p:sp>
+        <p:nvSpPr>
+          <p:cNvPr id="12" name="CuadroTexto 11">
+            <a:extLst>
+              <a:ext uri="{FF2B5EF4-FFF2-40B4-BE49-F238E27FC236}">
+                <a16:creationId xmlns:a16="http://schemas.microsoft.com/office/drawing/2014/main" id="{7C4468ED-A4DC-4AF8-9658-38017BE944A7}"/>
+              </a:ext>
+            </a:extLst>
+          </p:cNvPr>
+          <p:cNvSpPr txBox="1"/>
+          <p:nvPr/>
+        </p:nvSpPr>
+        <p:spPr>
+          <a:xfrm rot="18900000">
+            <a:off x="3499983" y="4589696"/>
+            <a:ext cx="1169689" cy="276999"/>
+          </a:xfrm>
+          <a:prstGeom prst="rect">
+            <a:avLst/>
+          </a:prstGeom>
+          <a:noFill/>
+        </p:spPr>
+        <p:txBody>
+          <a:bodyPr vert="horz" wrap="square" rtlCol="0">
+            <a:spAutoFit/>
+          </a:bodyPr>
+          <a:lstStyle/>
+          <a:p>
+            <a:r>
+              <a:rPr lang="es-ES" sz="1200" err="1"/>
+              <a:t>Països</a:t>
+            </a:r>
+            <a:r>
+              <a:rPr lang="es-ES" sz="1200"/>
+              <a:t> </a:t>
+            </a:r>
+            <a:r>
+              <a:rPr lang="es-ES" sz="1200" err="1"/>
+              <a:t>Catalans</a:t>
+            </a:r>
+            <a:endParaRPr lang="es-ES" sz="1200"/>
+          </a:p>
+        </p:txBody>
+      </p:sp>
+      <p:cxnSp>
+        <p:nvCxnSpPr>
+          <p:cNvPr id="13" name="Conector recto 12">
+            <a:extLst>
+              <a:ext uri="{FF2B5EF4-FFF2-40B4-BE49-F238E27FC236}">
+                <a16:creationId xmlns:a16="http://schemas.microsoft.com/office/drawing/2014/main" id="{18EA2F74-30A9-46E7-8273-3DC30763DE4F}"/>
+              </a:ext>
+            </a:extLst>
+          </p:cNvPr>
+          <p:cNvCxnSpPr>
+            <a:cxnSpLocks/>
+            <a:endCxn id="46" idx="2"/>
+          </p:cNvCxnSpPr>
+          <p:nvPr/>
+        </p:nvCxnSpPr>
+        <p:spPr>
+          <a:xfrm flipV="1">
+            <a:off x="5076825" y="3936723"/>
+            <a:ext cx="1910222" cy="2976"/>
+          </a:xfrm>
+          <a:prstGeom prst="line">
+            <a:avLst/>
+          </a:prstGeom>
+          <a:ln w="38100">
+            <a:solidFill>
+              <a:schemeClr val="accent1"/>
+            </a:solidFill>
+          </a:ln>
+        </p:spPr>
+        <p:style>
+          <a:lnRef idx="1">
+            <a:schemeClr val="accent1"/>
+          </a:lnRef>
+          <a:fillRef idx="0">
+            <a:schemeClr val="accent1"/>
+          </a:fillRef>
+          <a:effectRef idx="0">
+            <a:schemeClr val="accent1"/>
+          </a:effectRef>
+          <a:fontRef idx="minor">
+            <a:schemeClr val="tx1"/>
+          </a:fontRef>
+        </p:style>
+      </p:cxnSp>
+      <p:cxnSp>
+        <p:nvCxnSpPr>
+          <p:cNvPr id="14" name="Conector recto 13">
+            <a:extLst>
+              <a:ext uri="{FF2B5EF4-FFF2-40B4-BE49-F238E27FC236}">
+                <a16:creationId xmlns:a16="http://schemas.microsoft.com/office/drawing/2014/main" id="{7D985ACF-4A1B-47B2-A59E-91A175778F6A}"/>
+              </a:ext>
+            </a:extLst>
+          </p:cNvPr>
+          <p:cNvCxnSpPr>
+            <a:cxnSpLocks/>
+            <a:stCxn id="4" idx="7"/>
+            <a:endCxn id="27" idx="2"/>
+          </p:cNvCxnSpPr>
+          <p:nvPr/>
+        </p:nvCxnSpPr>
+        <p:spPr>
+          <a:xfrm flipV="1">
+            <a:off x="4546646" y="3939835"/>
+            <a:ext cx="530179" cy="320427"/>
+          </a:xfrm>
+          <a:prstGeom prst="line">
+            <a:avLst/>
+          </a:prstGeom>
+          <a:ln w="38100">
+            <a:solidFill>
+              <a:schemeClr val="accent1"/>
+            </a:solidFill>
+          </a:ln>
+        </p:spPr>
+        <p:style>
+          <a:lnRef idx="1">
+            <a:schemeClr val="accent1"/>
+          </a:lnRef>
+          <a:fillRef idx="0">
+            <a:schemeClr val="accent1"/>
+          </a:fillRef>
+          <a:effectRef idx="0">
+            <a:schemeClr val="accent1"/>
+          </a:effectRef>
+          <a:fontRef idx="minor">
+            <a:schemeClr val="tx1"/>
+          </a:fontRef>
+        </p:style>
+      </p:cxnSp>
+      <p:sp>
+        <p:nvSpPr>
+          <p:cNvPr id="27" name="Elipse 26">
+            <a:extLst>
+              <a:ext uri="{FF2B5EF4-FFF2-40B4-BE49-F238E27FC236}">
+                <a16:creationId xmlns:a16="http://schemas.microsoft.com/office/drawing/2014/main" id="{E96BF921-A172-42C7-9D64-A5EAE60665A8}"/>
+              </a:ext>
+            </a:extLst>
+          </p:cNvPr>
+          <p:cNvSpPr/>
+          <p:nvPr/>
+        </p:nvSpPr>
+        <p:spPr>
+          <a:xfrm>
+            <a:off x="5076825" y="3885835"/>
+            <a:ext cx="108000" cy="108000"/>
+          </a:xfrm>
+          <a:prstGeom prst="ellipse">
+            <a:avLst/>
+          </a:prstGeom>
+          <a:solidFill>
+            <a:schemeClr val="accent5">
+              <a:lumMod val="60000"/>
+              <a:lumOff val="40000"/>
+            </a:schemeClr>
+          </a:solidFill>
+          <a:ln>
+            <a:solidFill>
+              <a:srgbClr val="0070C0"/>
+            </a:solidFill>
+          </a:ln>
+        </p:spPr>
+        <p:style>
+          <a:lnRef idx="2">
+            <a:schemeClr val="accent1">
+              <a:shade val="50000"/>
+            </a:schemeClr>
+          </a:lnRef>
+          <a:fillRef idx="1">
+            <a:schemeClr val="accent1"/>
+          </a:fillRef>
+          <a:effectRef idx="0">
+            <a:schemeClr val="accent1"/>
+          </a:effectRef>
+          <a:fontRef idx="minor">
+            <a:schemeClr val="lt1"/>
+          </a:fontRef>
+        </p:style>
+        <p:txBody>
+          <a:bodyPr rtlCol="0" anchor="ctr"/>
+          <a:lstStyle/>
+          <a:p>
+            <a:pPr algn="ctr"/>
+            <a:endParaRPr lang="es-ES"/>
+          </a:p>
+        </p:txBody>
+      </p:sp>
+      <p:sp>
+        <p:nvSpPr>
+          <p:cNvPr id="28" name="Elipse 27">
+            <a:extLst>
+              <a:ext uri="{FF2B5EF4-FFF2-40B4-BE49-F238E27FC236}">
+                <a16:creationId xmlns:a16="http://schemas.microsoft.com/office/drawing/2014/main" id="{D5F66B02-563E-4D17-8A77-7593C5DAA88C}"/>
+              </a:ext>
+            </a:extLst>
+          </p:cNvPr>
+          <p:cNvSpPr/>
+          <p:nvPr/>
+        </p:nvSpPr>
+        <p:spPr>
+          <a:xfrm>
+            <a:off x="7569154" y="4260262"/>
+            <a:ext cx="108000" cy="108000"/>
+          </a:xfrm>
+          <a:prstGeom prst="ellipse">
+            <a:avLst/>
+          </a:prstGeom>
+          <a:solidFill>
+            <a:schemeClr val="accent6">
+              <a:lumMod val="75000"/>
+            </a:schemeClr>
+          </a:solidFill>
+          <a:ln>
+            <a:solidFill>
+              <a:schemeClr val="accent6">
+                <a:lumMod val="60000"/>
+                <a:lumOff val="40000"/>
+              </a:schemeClr>
+            </a:solidFill>
+          </a:ln>
+        </p:spPr>
+        <p:style>
+          <a:lnRef idx="2">
+            <a:schemeClr val="accent1">
+              <a:shade val="50000"/>
+            </a:schemeClr>
+          </a:lnRef>
+          <a:fillRef idx="1">
+            <a:schemeClr val="accent1"/>
+          </a:fillRef>
+          <a:effectRef idx="0">
+            <a:schemeClr val="accent1"/>
+          </a:effectRef>
+          <a:fontRef idx="minor">
+            <a:schemeClr val="lt1"/>
+          </a:fontRef>
+        </p:style>
+        <p:txBody>
+          <a:bodyPr rtlCol="0" anchor="ctr"/>
+          <a:lstStyle/>
+          <a:p>
+            <a:pPr algn="ctr"/>
+            <a:endParaRPr lang="es-ES"/>
+          </a:p>
+        </p:txBody>
+      </p:sp>
+      <p:sp>
+        <p:nvSpPr>
+          <p:cNvPr id="37" name="CuadroTexto 36">
+            <a:extLst>
+              <a:ext uri="{FF2B5EF4-FFF2-40B4-BE49-F238E27FC236}">
+                <a16:creationId xmlns:a16="http://schemas.microsoft.com/office/drawing/2014/main" id="{94B162C1-1477-4FA2-AC42-7A36CD6A768A}"/>
+              </a:ext>
+            </a:extLst>
+          </p:cNvPr>
+          <p:cNvSpPr txBox="1"/>
+          <p:nvPr/>
+        </p:nvSpPr>
+        <p:spPr>
+          <a:xfrm rot="18900000">
+            <a:off x="3387815" y="3767493"/>
+            <a:ext cx="1112469" cy="276999"/>
+          </a:xfrm>
+          <a:prstGeom prst="rect">
+            <a:avLst/>
+          </a:prstGeom>
+          <a:noFill/>
+        </p:spPr>
+        <p:txBody>
+          <a:bodyPr vert="horz" wrap="square" rtlCol="0">
+            <a:spAutoFit/>
+          </a:bodyPr>
+          <a:lstStyle/>
+          <a:p>
+            <a:r>
+              <a:rPr lang="es-ES" sz="1200" err="1"/>
+              <a:t>Estació</a:t>
+            </a:r>
+            <a:r>
+              <a:rPr lang="es-ES" sz="1200"/>
+              <a:t> </a:t>
+            </a:r>
+            <a:r>
+              <a:rPr lang="es-ES" sz="1200" err="1"/>
+              <a:t>RubÍ+D</a:t>
+            </a:r>
+            <a:endParaRPr lang="es-ES" sz="1200"/>
+          </a:p>
+        </p:txBody>
+      </p:sp>
+      <p:sp>
+        <p:nvSpPr>
+          <p:cNvPr id="40" name="CuadroTexto 39">
+            <a:extLst>
+              <a:ext uri="{FF2B5EF4-FFF2-40B4-BE49-F238E27FC236}">
+                <a16:creationId xmlns:a16="http://schemas.microsoft.com/office/drawing/2014/main" id="{BC391A74-93B0-4394-A365-B0074DB473D3}"/>
+              </a:ext>
+            </a:extLst>
+          </p:cNvPr>
+          <p:cNvSpPr txBox="1"/>
+          <p:nvPr/>
+        </p:nvSpPr>
+        <p:spPr>
+          <a:xfrm>
+            <a:off x="6873646" y="352425"/>
+            <a:ext cx="2689454" cy="369332"/>
+          </a:xfrm>
+          <a:prstGeom prst="rect">
+            <a:avLst/>
+          </a:prstGeom>
+          <a:noFill/>
+        </p:spPr>
+        <p:txBody>
+          <a:bodyPr wrap="none" rtlCol="0">
+            <a:spAutoFit/>
+          </a:bodyPr>
+          <a:lstStyle/>
+          <a:p>
+            <a:r>
+              <a:rPr lang="es-ES"/>
+              <a:t>Transporte urbano de Rubí</a:t>
+            </a:r>
+          </a:p>
+        </p:txBody>
+      </p:sp>
+      <p:cxnSp>
+        <p:nvCxnSpPr>
+          <p:cNvPr id="45" name="Conector recto 44">
+            <a:extLst>
+              <a:ext uri="{FF2B5EF4-FFF2-40B4-BE49-F238E27FC236}">
+                <a16:creationId xmlns:a16="http://schemas.microsoft.com/office/drawing/2014/main" id="{1CC32BA5-3B8B-4E7D-BA1B-74CF334AEBB1}"/>
+              </a:ext>
+            </a:extLst>
+          </p:cNvPr>
+          <p:cNvCxnSpPr>
+            <a:cxnSpLocks/>
+            <a:stCxn id="28" idx="1"/>
+            <a:endCxn id="46" idx="6"/>
+          </p:cNvCxnSpPr>
+          <p:nvPr/>
+        </p:nvCxnSpPr>
+        <p:spPr>
+          <a:xfrm flipH="1" flipV="1">
+            <a:off x="7095047" y="3936723"/>
+            <a:ext cx="489923" cy="339355"/>
+          </a:xfrm>
+          <a:prstGeom prst="line">
+            <a:avLst/>
+          </a:prstGeom>
+          <a:ln w="38100">
+            <a:solidFill>
+              <a:schemeClr val="accent1"/>
+            </a:solidFill>
+          </a:ln>
+        </p:spPr>
+        <p:style>
+          <a:lnRef idx="1">
+            <a:schemeClr val="accent1"/>
+          </a:lnRef>
+          <a:fillRef idx="0">
+            <a:schemeClr val="accent1"/>
+          </a:fillRef>
+          <a:effectRef idx="0">
+            <a:schemeClr val="accent1"/>
+          </a:effectRef>
+          <a:fontRef idx="minor">
+            <a:schemeClr val="tx1"/>
+          </a:fontRef>
+        </p:style>
+      </p:cxnSp>
+      <p:sp>
+        <p:nvSpPr>
+          <p:cNvPr id="46" name="Elipse 45">
+            <a:extLst>
+              <a:ext uri="{FF2B5EF4-FFF2-40B4-BE49-F238E27FC236}">
+                <a16:creationId xmlns:a16="http://schemas.microsoft.com/office/drawing/2014/main" id="{E96BAD64-012C-4C71-8245-503DBEA2F866}"/>
+              </a:ext>
+            </a:extLst>
+          </p:cNvPr>
+          <p:cNvSpPr/>
+          <p:nvPr/>
+        </p:nvSpPr>
+        <p:spPr>
+          <a:xfrm>
+            <a:off x="6987047" y="3882723"/>
+            <a:ext cx="108000" cy="108000"/>
+          </a:xfrm>
+          <a:prstGeom prst="ellipse">
+            <a:avLst/>
+          </a:prstGeom>
+          <a:solidFill>
+            <a:schemeClr val="accent5">
+              <a:lumMod val="60000"/>
+              <a:lumOff val="40000"/>
+            </a:schemeClr>
+          </a:solidFill>
+          <a:ln>
+            <a:solidFill>
+              <a:srgbClr val="0070C0"/>
+            </a:solidFill>
+          </a:ln>
+        </p:spPr>
+        <p:style>
+          <a:lnRef idx="2">
+            <a:schemeClr val="accent1">
+              <a:shade val="50000"/>
+            </a:schemeClr>
+          </a:lnRef>
+          <a:fillRef idx="1">
+            <a:schemeClr val="accent1"/>
+          </a:fillRef>
+          <a:effectRef idx="0">
+            <a:schemeClr val="accent1"/>
+          </a:effectRef>
+          <a:fontRef idx="minor">
+            <a:schemeClr val="lt1"/>
+          </a:fontRef>
+        </p:style>
+        <p:txBody>
+          <a:bodyPr rtlCol="0" anchor="ctr"/>
+          <a:lstStyle/>
+          <a:p>
+            <a:pPr algn="ctr"/>
+            <a:endParaRPr lang="es-ES"/>
+          </a:p>
+        </p:txBody>
+      </p:sp>
+      <p:sp>
+        <p:nvSpPr>
+          <p:cNvPr id="50" name="CuadroTexto 49">
+            <a:extLst>
+              <a:ext uri="{FF2B5EF4-FFF2-40B4-BE49-F238E27FC236}">
+                <a16:creationId xmlns:a16="http://schemas.microsoft.com/office/drawing/2014/main" id="{7CBE6323-2EC6-4401-8E7A-CCCE8D9733C2}"/>
+              </a:ext>
+            </a:extLst>
+          </p:cNvPr>
+          <p:cNvSpPr txBox="1"/>
+          <p:nvPr/>
+        </p:nvSpPr>
+        <p:spPr>
+          <a:xfrm rot="18900000">
+            <a:off x="7050253" y="4408015"/>
+            <a:ext cx="662047" cy="276999"/>
+          </a:xfrm>
+          <a:prstGeom prst="rect">
+            <a:avLst/>
+          </a:prstGeom>
+          <a:noFill/>
+        </p:spPr>
+        <p:txBody>
+          <a:bodyPr vert="horz" wrap="square" rtlCol="0">
+            <a:spAutoFit/>
+          </a:bodyPr>
+          <a:lstStyle/>
+          <a:p>
+            <a:r>
+              <a:rPr lang="es-ES" sz="1200" err="1"/>
+              <a:t>Els</a:t>
+            </a:r>
+            <a:r>
+              <a:rPr lang="es-ES" sz="1200"/>
+              <a:t> </a:t>
+            </a:r>
+            <a:r>
+              <a:rPr lang="es-ES" sz="1200" err="1"/>
+              <a:t>Nius</a:t>
+            </a:r>
+            <a:endParaRPr lang="es-ES" sz="1200"/>
+          </a:p>
+        </p:txBody>
+      </p:sp>
+      <p:cxnSp>
+        <p:nvCxnSpPr>
+          <p:cNvPr id="54" name="Conector recto 53">
+            <a:extLst>
+              <a:ext uri="{FF2B5EF4-FFF2-40B4-BE49-F238E27FC236}">
+                <a16:creationId xmlns:a16="http://schemas.microsoft.com/office/drawing/2014/main" id="{9ABE7EDF-F0E8-44E4-8F11-2E4B68A91541}"/>
+              </a:ext>
+            </a:extLst>
+          </p:cNvPr>
+          <p:cNvCxnSpPr/>
+          <p:nvPr/>
+        </p:nvCxnSpPr>
+        <p:spPr>
+          <a:xfrm>
+            <a:off x="3624552" y="4301649"/>
+            <a:ext cx="801403" cy="0"/>
+          </a:xfrm>
+          <a:prstGeom prst="line">
+            <a:avLst/>
+          </a:prstGeom>
+          <a:ln w="19050">
+            <a:solidFill>
+              <a:schemeClr val="accent1"/>
+            </a:solidFill>
+          </a:ln>
+        </p:spPr>
+        <p:style>
+          <a:lnRef idx="1">
+            <a:schemeClr val="accent1"/>
+          </a:lnRef>
+          <a:fillRef idx="0">
+            <a:schemeClr val="accent1"/>
+          </a:fillRef>
+          <a:effectRef idx="0">
+            <a:schemeClr val="accent1"/>
+          </a:effectRef>
+          <a:fontRef idx="minor">
+            <a:schemeClr val="tx1"/>
+          </a:fontRef>
+        </p:style>
+      </p:cxnSp>
+      <p:sp>
+        <p:nvSpPr>
+          <p:cNvPr id="4" name="Elipse 3">
+            <a:extLst>
+              <a:ext uri="{FF2B5EF4-FFF2-40B4-BE49-F238E27FC236}">
+                <a16:creationId xmlns:a16="http://schemas.microsoft.com/office/drawing/2014/main" id="{9236991A-A978-42AF-830A-DE2C1D52F5E6}"/>
+              </a:ext>
+            </a:extLst>
+          </p:cNvPr>
+          <p:cNvSpPr/>
+          <p:nvPr/>
+        </p:nvSpPr>
+        <p:spPr>
+          <a:xfrm>
+            <a:off x="4423734" y="4239174"/>
+            <a:ext cx="144000" cy="144000"/>
+          </a:xfrm>
+          <a:prstGeom prst="ellipse">
+            <a:avLst/>
+          </a:prstGeom>
+          <a:solidFill>
+            <a:schemeClr val="accent4">
+              <a:lumMod val="60000"/>
+              <a:lumOff val="40000"/>
+            </a:schemeClr>
+          </a:solidFill>
+        </p:spPr>
+        <p:style>
+          <a:lnRef idx="2">
+            <a:schemeClr val="accent1">
+              <a:shade val="50000"/>
+            </a:schemeClr>
+          </a:lnRef>
+          <a:fillRef idx="1">
+            <a:schemeClr val="accent1"/>
+          </a:fillRef>
+          <a:effectRef idx="0">
+            <a:schemeClr val="accent1"/>
+          </a:effectRef>
+          <a:fontRef idx="minor">
+            <a:schemeClr val="lt1"/>
+          </a:fontRef>
+        </p:style>
+        <p:txBody>
+          <a:bodyPr rtlCol="0" anchor="ctr"/>
+          <a:lstStyle/>
+          <a:p>
+            <a:pPr algn="ctr"/>
+            <a:endParaRPr lang="es-ES"/>
+          </a:p>
+        </p:txBody>
+      </p:sp>
+      <p:sp>
+        <p:nvSpPr>
+          <p:cNvPr id="38" name="Elipse 37">
+            <a:extLst>
+              <a:ext uri="{FF2B5EF4-FFF2-40B4-BE49-F238E27FC236}">
+                <a16:creationId xmlns:a16="http://schemas.microsoft.com/office/drawing/2014/main" id="{A05398E5-AA1C-44C5-8F21-66E6D7B710B2}"/>
+              </a:ext>
+            </a:extLst>
+          </p:cNvPr>
+          <p:cNvSpPr/>
+          <p:nvPr/>
+        </p:nvSpPr>
+        <p:spPr>
+          <a:xfrm>
+            <a:off x="3479065" y="4239174"/>
+            <a:ext cx="144000" cy="144000"/>
+          </a:xfrm>
+          <a:prstGeom prst="ellipse">
+            <a:avLst/>
+          </a:prstGeom>
+          <a:solidFill>
+            <a:schemeClr val="accent4">
+              <a:lumMod val="60000"/>
+              <a:lumOff val="40000"/>
+            </a:schemeClr>
+          </a:solidFill>
+        </p:spPr>
+        <p:style>
+          <a:lnRef idx="2">
+            <a:schemeClr val="accent1">
+              <a:shade val="50000"/>
+            </a:schemeClr>
+          </a:lnRef>
+          <a:fillRef idx="1">
+            <a:schemeClr val="accent1"/>
+          </a:fillRef>
+          <a:effectRef idx="0">
+            <a:schemeClr val="accent1"/>
+          </a:effectRef>
+          <a:fontRef idx="minor">
+            <a:schemeClr val="lt1"/>
+          </a:fontRef>
+        </p:style>
+        <p:txBody>
+          <a:bodyPr rtlCol="0" anchor="ctr"/>
+          <a:lstStyle/>
+          <a:p>
+            <a:pPr algn="ctr"/>
+            <a:endParaRPr lang="es-ES"/>
+          </a:p>
+        </p:txBody>
+      </p:sp>
+      <p:cxnSp>
+        <p:nvCxnSpPr>
+          <p:cNvPr id="58" name="Conector recto 57">
+            <a:extLst>
+              <a:ext uri="{FF2B5EF4-FFF2-40B4-BE49-F238E27FC236}">
+                <a16:creationId xmlns:a16="http://schemas.microsoft.com/office/drawing/2014/main" id="{15525BA1-0F25-483A-9CEA-C13F90B36C09}"/>
+              </a:ext>
+            </a:extLst>
+          </p:cNvPr>
+          <p:cNvCxnSpPr/>
+          <p:nvPr/>
+        </p:nvCxnSpPr>
+        <p:spPr>
+          <a:xfrm>
+            <a:off x="7680329" y="4301649"/>
+            <a:ext cx="468000" cy="0"/>
+          </a:xfrm>
+          <a:prstGeom prst="line">
+            <a:avLst/>
+          </a:prstGeom>
+          <a:ln w="19050">
+            <a:solidFill>
+              <a:schemeClr val="accent1"/>
+            </a:solidFill>
+          </a:ln>
+        </p:spPr>
+        <p:style>
+          <a:lnRef idx="1">
+            <a:schemeClr val="accent1"/>
+          </a:lnRef>
+          <a:fillRef idx="0">
+            <a:schemeClr val="accent1"/>
+          </a:fillRef>
+          <a:effectRef idx="0">
+            <a:schemeClr val="accent1"/>
+          </a:effectRef>
+          <a:fontRef idx="minor">
+            <a:schemeClr val="tx1"/>
+          </a:fontRef>
+        </p:style>
+      </p:cxnSp>
+      <p:sp>
+        <p:nvSpPr>
+          <p:cNvPr id="10" name="Elipse 9">
+            <a:extLst>
+              <a:ext uri="{FF2B5EF4-FFF2-40B4-BE49-F238E27FC236}">
+                <a16:creationId xmlns:a16="http://schemas.microsoft.com/office/drawing/2014/main" id="{6CAA1851-E736-427E-891B-8B5F3C9E19B1}"/>
+              </a:ext>
+            </a:extLst>
+          </p:cNvPr>
+          <p:cNvSpPr/>
+          <p:nvPr/>
+        </p:nvSpPr>
+        <p:spPr>
+          <a:xfrm>
+            <a:off x="8151249" y="4239174"/>
+            <a:ext cx="144000" cy="144000"/>
+          </a:xfrm>
+          <a:prstGeom prst="ellipse">
+            <a:avLst/>
+          </a:prstGeom>
+          <a:solidFill>
+            <a:schemeClr val="accent4">
+              <a:lumMod val="60000"/>
+              <a:lumOff val="40000"/>
+            </a:schemeClr>
+          </a:solidFill>
+        </p:spPr>
+        <p:style>
+          <a:lnRef idx="2">
+            <a:schemeClr val="accent1">
+              <a:shade val="50000"/>
+            </a:schemeClr>
+          </a:lnRef>
+          <a:fillRef idx="1">
+            <a:schemeClr val="accent1"/>
+          </a:fillRef>
+          <a:effectRef idx="0">
+            <a:schemeClr val="accent1"/>
+          </a:effectRef>
+          <a:fontRef idx="minor">
+            <a:schemeClr val="lt1"/>
+          </a:fontRef>
+        </p:style>
+        <p:txBody>
+          <a:bodyPr rtlCol="0" anchor="ctr"/>
+          <a:lstStyle/>
+          <a:p>
+            <a:pPr algn="ctr"/>
+            <a:endParaRPr lang="es-ES"/>
+          </a:p>
+        </p:txBody>
+      </p:sp>
+      <p:sp>
+        <p:nvSpPr>
+          <p:cNvPr id="60" name="CuadroTexto 59">
+            <a:extLst>
+              <a:ext uri="{FF2B5EF4-FFF2-40B4-BE49-F238E27FC236}">
+                <a16:creationId xmlns:a16="http://schemas.microsoft.com/office/drawing/2014/main" id="{6736B717-9A28-4A9E-9088-695D130AF893}"/>
+              </a:ext>
+            </a:extLst>
+          </p:cNvPr>
+          <p:cNvSpPr txBox="1"/>
+          <p:nvPr/>
+        </p:nvSpPr>
+        <p:spPr>
+          <a:xfrm>
+            <a:off x="3427132" y="4319087"/>
+            <a:ext cx="495649" cy="253916"/>
+          </a:xfrm>
+          <a:prstGeom prst="rect">
+            <a:avLst/>
+          </a:prstGeom>
+          <a:noFill/>
+          <a:ln>
+            <a:noFill/>
+          </a:ln>
+        </p:spPr>
+        <p:txBody>
+          <a:bodyPr wrap="none" rtlCol="0">
+            <a:spAutoFit/>
+          </a:bodyPr>
+          <a:lstStyle/>
+          <a:p>
+            <a:r>
+              <a:rPr lang="es-ES" sz="1050">
+                <a:solidFill>
+                  <a:schemeClr val="accent5">
+                    <a:lumMod val="50000"/>
+                  </a:schemeClr>
+                </a:solidFill>
+              </a:rPr>
+              <a:t>09:35</a:t>
+            </a:r>
+          </a:p>
+        </p:txBody>
+      </p:sp>
+      <p:sp>
+        <p:nvSpPr>
+          <p:cNvPr id="61" name="CuadroTexto 60">
+            <a:extLst>
+              <a:ext uri="{FF2B5EF4-FFF2-40B4-BE49-F238E27FC236}">
+                <a16:creationId xmlns:a16="http://schemas.microsoft.com/office/drawing/2014/main" id="{5A2344A4-3180-405F-9C7D-5B8EBBA4E031}"/>
+              </a:ext>
+            </a:extLst>
+          </p:cNvPr>
+          <p:cNvSpPr txBox="1"/>
+          <p:nvPr/>
+        </p:nvSpPr>
+        <p:spPr>
+          <a:xfrm>
+            <a:off x="3188038" y="4041358"/>
+            <a:ext cx="495649" cy="253916"/>
+          </a:xfrm>
+          <a:prstGeom prst="rect">
+            <a:avLst/>
+          </a:prstGeom>
+          <a:noFill/>
+          <a:ln>
+            <a:noFill/>
+          </a:ln>
+        </p:spPr>
+        <p:txBody>
+          <a:bodyPr wrap="none" rtlCol="0">
+            <a:spAutoFit/>
+          </a:bodyPr>
+          <a:lstStyle/>
+          <a:p>
+            <a:r>
+              <a:rPr lang="es-ES" sz="1050">
+                <a:solidFill>
+                  <a:schemeClr val="accent6">
+                    <a:lumMod val="75000"/>
+                  </a:schemeClr>
+                </a:solidFill>
+              </a:rPr>
+              <a:t>09:42</a:t>
+            </a:r>
+          </a:p>
+        </p:txBody>
+      </p:sp>
+      <p:sp>
+        <p:nvSpPr>
+          <p:cNvPr id="68" name="Flecha: a la derecha 67">
+            <a:extLst>
+              <a:ext uri="{FF2B5EF4-FFF2-40B4-BE49-F238E27FC236}">
+                <a16:creationId xmlns:a16="http://schemas.microsoft.com/office/drawing/2014/main" id="{B4A64CB9-41B9-449A-88CA-44462C36F935}"/>
+              </a:ext>
+            </a:extLst>
+          </p:cNvPr>
+          <p:cNvSpPr/>
+          <p:nvPr/>
+        </p:nvSpPr>
+        <p:spPr>
+          <a:xfrm flipH="1">
+            <a:off x="5928877" y="3813414"/>
+            <a:ext cx="695362" cy="239700"/>
+          </a:xfrm>
+          <a:prstGeom prst="rightArrow">
+            <a:avLst>
+              <a:gd name="adj1" fmla="val 0"/>
+              <a:gd name="adj2" fmla="val 87181"/>
+            </a:avLst>
+          </a:prstGeom>
+          <a:solidFill>
+            <a:schemeClr val="accent5">
+              <a:lumMod val="60000"/>
+              <a:lumOff val="40000"/>
+            </a:schemeClr>
+          </a:solidFill>
+          <a:ln>
+            <a:solidFill>
+              <a:schemeClr val="accent1"/>
+            </a:solidFill>
+          </a:ln>
+        </p:spPr>
+        <p:style>
+          <a:lnRef idx="2">
+            <a:schemeClr val="accent1">
+              <a:shade val="50000"/>
+            </a:schemeClr>
+          </a:lnRef>
+          <a:fillRef idx="1">
+            <a:schemeClr val="accent1"/>
+          </a:fillRef>
+          <a:effectRef idx="0">
+            <a:schemeClr val="accent1"/>
+          </a:effectRef>
+          <a:fontRef idx="minor">
+            <a:schemeClr val="lt1"/>
+          </a:fontRef>
+        </p:style>
+        <p:txBody>
+          <a:bodyPr rtlCol="0" anchor="ctr"/>
+          <a:lstStyle/>
+          <a:p>
+            <a:pPr algn="ctr"/>
+            <a:endParaRPr lang="es-ES"/>
+          </a:p>
+        </p:txBody>
+      </p:sp>
+      <p:sp>
+        <p:nvSpPr>
+          <p:cNvPr id="69" name="CuadroTexto 68">
+            <a:extLst>
+              <a:ext uri="{FF2B5EF4-FFF2-40B4-BE49-F238E27FC236}">
+                <a16:creationId xmlns:a16="http://schemas.microsoft.com/office/drawing/2014/main" id="{31111B63-35E2-44D1-9E50-1486CD650C34}"/>
+              </a:ext>
+            </a:extLst>
+          </p:cNvPr>
+          <p:cNvSpPr txBox="1"/>
+          <p:nvPr/>
+        </p:nvSpPr>
+        <p:spPr>
+          <a:xfrm>
+            <a:off x="4370848" y="4318762"/>
+            <a:ext cx="495649" cy="253916"/>
+          </a:xfrm>
+          <a:prstGeom prst="rect">
+            <a:avLst/>
+          </a:prstGeom>
+          <a:noFill/>
+          <a:ln>
+            <a:noFill/>
+          </a:ln>
+        </p:spPr>
+        <p:txBody>
+          <a:bodyPr wrap="none" rtlCol="0">
+            <a:spAutoFit/>
+          </a:bodyPr>
+          <a:lstStyle/>
+          <a:p>
+            <a:r>
+              <a:rPr lang="es-ES" sz="1050">
+                <a:solidFill>
+                  <a:schemeClr val="accent5">
+                    <a:lumMod val="50000"/>
+                  </a:schemeClr>
+                </a:solidFill>
+              </a:rPr>
+              <a:t>09:46</a:t>
+            </a:r>
+          </a:p>
+        </p:txBody>
+      </p:sp>
+      <p:sp>
+        <p:nvSpPr>
+          <p:cNvPr id="70" name="CuadroTexto 69">
+            <a:extLst>
+              <a:ext uri="{FF2B5EF4-FFF2-40B4-BE49-F238E27FC236}">
+                <a16:creationId xmlns:a16="http://schemas.microsoft.com/office/drawing/2014/main" id="{397D7AC5-D443-4A68-A737-6696D53F827D}"/>
+              </a:ext>
+            </a:extLst>
+          </p:cNvPr>
+          <p:cNvSpPr txBox="1"/>
+          <p:nvPr/>
+        </p:nvSpPr>
+        <p:spPr>
+          <a:xfrm>
+            <a:off x="8102071" y="4318608"/>
+            <a:ext cx="495649" cy="253916"/>
+          </a:xfrm>
+          <a:prstGeom prst="rect">
+            <a:avLst/>
+          </a:prstGeom>
+          <a:noFill/>
+          <a:ln>
+            <a:noFill/>
+          </a:ln>
+        </p:spPr>
+        <p:txBody>
+          <a:bodyPr wrap="none" rtlCol="0">
+            <a:spAutoFit/>
+          </a:bodyPr>
+          <a:lstStyle/>
+          <a:p>
+            <a:r>
+              <a:rPr lang="es-ES" sz="1050">
+                <a:solidFill>
+                  <a:schemeClr val="accent5">
+                    <a:lumMod val="50000"/>
+                  </a:schemeClr>
+                </a:solidFill>
+              </a:rPr>
+              <a:t>10:05</a:t>
+            </a:r>
+          </a:p>
+        </p:txBody>
+      </p:sp>
+      <p:sp>
+        <p:nvSpPr>
+          <p:cNvPr id="71" name="CuadroTexto 70">
+            <a:extLst>
+              <a:ext uri="{FF2B5EF4-FFF2-40B4-BE49-F238E27FC236}">
+                <a16:creationId xmlns:a16="http://schemas.microsoft.com/office/drawing/2014/main" id="{D9AA3FE7-5DAA-4F11-B4B1-672F6047B2A2}"/>
+              </a:ext>
+            </a:extLst>
+          </p:cNvPr>
+          <p:cNvSpPr txBox="1"/>
+          <p:nvPr/>
+        </p:nvSpPr>
+        <p:spPr>
+          <a:xfrm>
+            <a:off x="4134646" y="4041442"/>
+            <a:ext cx="495649" cy="253916"/>
+          </a:xfrm>
+          <a:prstGeom prst="rect">
+            <a:avLst/>
+          </a:prstGeom>
+          <a:noFill/>
+          <a:ln>
+            <a:noFill/>
+          </a:ln>
+        </p:spPr>
+        <p:txBody>
+          <a:bodyPr wrap="none" rtlCol="0">
+            <a:spAutoFit/>
+          </a:bodyPr>
+          <a:lstStyle/>
+          <a:p>
+            <a:r>
+              <a:rPr lang="es-ES" sz="1050">
+                <a:solidFill>
+                  <a:schemeClr val="accent6">
+                    <a:lumMod val="75000"/>
+                  </a:schemeClr>
+                </a:solidFill>
+              </a:rPr>
+              <a:t>09:32</a:t>
+            </a:r>
+          </a:p>
+        </p:txBody>
+      </p:sp>
+      <p:sp>
+        <p:nvSpPr>
+          <p:cNvPr id="72" name="CuadroTexto 71">
+            <a:extLst>
+              <a:ext uri="{FF2B5EF4-FFF2-40B4-BE49-F238E27FC236}">
+                <a16:creationId xmlns:a16="http://schemas.microsoft.com/office/drawing/2014/main" id="{9FFC6240-D83B-459B-BFCC-F7CBD84ED934}"/>
+              </a:ext>
+            </a:extLst>
+          </p:cNvPr>
+          <p:cNvSpPr txBox="1"/>
+          <p:nvPr/>
+        </p:nvSpPr>
+        <p:spPr>
+          <a:xfrm>
+            <a:off x="7854841" y="4041442"/>
+            <a:ext cx="495649" cy="253916"/>
+          </a:xfrm>
+          <a:prstGeom prst="rect">
+            <a:avLst/>
+          </a:prstGeom>
+          <a:noFill/>
+          <a:ln>
+            <a:noFill/>
+          </a:ln>
+        </p:spPr>
+        <p:txBody>
+          <a:bodyPr wrap="none" rtlCol="0">
+            <a:spAutoFit/>
+          </a:bodyPr>
+          <a:lstStyle/>
+          <a:p>
+            <a:r>
+              <a:rPr lang="es-ES" sz="1050">
+                <a:solidFill>
+                  <a:schemeClr val="accent6">
+                    <a:lumMod val="75000"/>
+                  </a:schemeClr>
+                </a:solidFill>
+              </a:rPr>
+              <a:t>09:12</a:t>
+            </a:r>
+          </a:p>
+        </p:txBody>
+      </p:sp>
+      <p:sp>
+        <p:nvSpPr>
+          <p:cNvPr id="73" name="CuadroTexto 72">
+            <a:extLst>
+              <a:ext uri="{FF2B5EF4-FFF2-40B4-BE49-F238E27FC236}">
+                <a16:creationId xmlns:a16="http://schemas.microsoft.com/office/drawing/2014/main" id="{D1DEDA55-55B9-4B9A-8271-CEBE94FF7D70}"/>
+              </a:ext>
+            </a:extLst>
+          </p:cNvPr>
+          <p:cNvSpPr txBox="1"/>
+          <p:nvPr/>
+        </p:nvSpPr>
+        <p:spPr>
+          <a:xfrm>
+            <a:off x="2760382" y="3238500"/>
+            <a:ext cx="3646639" cy="307777"/>
+          </a:xfrm>
+          <a:prstGeom prst="rect">
+            <a:avLst/>
+          </a:prstGeom>
+          <a:noFill/>
+          <a:effectLst/>
+        </p:spPr>
+        <p:txBody>
+          <a:bodyPr wrap="none" rtlCol="0">
+            <a:spAutoFit/>
+          </a:bodyPr>
+          <a:lstStyle/>
+          <a:p>
+            <a:r>
+              <a:rPr lang="es-ES" sz="1400" err="1"/>
+              <a:t>Dilluns</a:t>
+            </a:r>
+            <a:r>
+              <a:rPr lang="es-ES" sz="1400"/>
+              <a:t>, 25/10/2021 – </a:t>
+            </a:r>
+            <a:r>
+              <a:rPr lang="es-ES" sz="1400" b="1"/>
+              <a:t>FEINER</a:t>
+            </a:r>
+            <a:r>
+              <a:rPr lang="es-ES" sz="1400">
+                <a:solidFill>
+                  <a:schemeClr val="bg1">
+                    <a:lumMod val="65000"/>
+                  </a:schemeClr>
+                </a:solidFill>
+              </a:rPr>
+              <a:t>/DISSABTE/FESTIU</a:t>
+            </a:r>
+          </a:p>
+        </p:txBody>
+      </p:sp>
+      <p:sp>
+        <p:nvSpPr>
+          <p:cNvPr id="74" name="CuadroTexto 73">
+            <a:extLst>
+              <a:ext uri="{FF2B5EF4-FFF2-40B4-BE49-F238E27FC236}">
+                <a16:creationId xmlns:a16="http://schemas.microsoft.com/office/drawing/2014/main" id="{8034D963-0B55-4D55-A5DE-15689AC051AC}"/>
+              </a:ext>
+            </a:extLst>
+          </p:cNvPr>
+          <p:cNvSpPr txBox="1"/>
+          <p:nvPr/>
+        </p:nvSpPr>
+        <p:spPr>
+          <a:xfrm>
+            <a:off x="3495712" y="4425767"/>
+            <a:ext cx="495649" cy="253916"/>
+          </a:xfrm>
+          <a:prstGeom prst="rect">
+            <a:avLst/>
+          </a:prstGeom>
+          <a:noFill/>
+          <a:ln>
+            <a:noFill/>
+          </a:ln>
+        </p:spPr>
+        <p:txBody>
+          <a:bodyPr wrap="none" rtlCol="0">
+            <a:spAutoFit/>
+          </a:bodyPr>
+          <a:lstStyle/>
+          <a:p>
+            <a:r>
+              <a:rPr lang="es-ES" sz="1050">
+                <a:solidFill>
+                  <a:schemeClr val="accent5">
+                    <a:lumMod val="75000"/>
+                  </a:schemeClr>
+                </a:solidFill>
+              </a:rPr>
+              <a:t>10:05</a:t>
+            </a:r>
+          </a:p>
+        </p:txBody>
+      </p:sp>
+      <p:sp>
+        <p:nvSpPr>
+          <p:cNvPr id="75" name="CuadroTexto 74">
+            <a:extLst>
+              <a:ext uri="{FF2B5EF4-FFF2-40B4-BE49-F238E27FC236}">
+                <a16:creationId xmlns:a16="http://schemas.microsoft.com/office/drawing/2014/main" id="{8D80D7F4-BF67-4990-9C38-A33B921294F2}"/>
+              </a:ext>
+            </a:extLst>
+          </p:cNvPr>
+          <p:cNvSpPr txBox="1"/>
+          <p:nvPr/>
+        </p:nvSpPr>
+        <p:spPr>
+          <a:xfrm>
+            <a:off x="4439428" y="4425442"/>
+            <a:ext cx="495649" cy="253916"/>
+          </a:xfrm>
+          <a:prstGeom prst="rect">
+            <a:avLst/>
+          </a:prstGeom>
+          <a:noFill/>
+          <a:ln>
+            <a:noFill/>
+          </a:ln>
+        </p:spPr>
+        <p:txBody>
+          <a:bodyPr wrap="none" rtlCol="0">
+            <a:spAutoFit/>
+          </a:bodyPr>
+          <a:lstStyle/>
+          <a:p>
+            <a:r>
+              <a:rPr lang="es-ES" sz="1050">
+                <a:solidFill>
+                  <a:schemeClr val="accent5">
+                    <a:lumMod val="75000"/>
+                  </a:schemeClr>
+                </a:solidFill>
+              </a:rPr>
+              <a:t>10:15</a:t>
+            </a:r>
+          </a:p>
+        </p:txBody>
+      </p:sp>
+      <p:sp>
+        <p:nvSpPr>
+          <p:cNvPr id="76" name="CuadroTexto 75">
+            <a:extLst>
+              <a:ext uri="{FF2B5EF4-FFF2-40B4-BE49-F238E27FC236}">
+                <a16:creationId xmlns:a16="http://schemas.microsoft.com/office/drawing/2014/main" id="{23D81E19-7900-46DD-A6C9-DDD234614158}"/>
+              </a:ext>
+            </a:extLst>
+          </p:cNvPr>
+          <p:cNvSpPr txBox="1"/>
+          <p:nvPr/>
+        </p:nvSpPr>
+        <p:spPr>
+          <a:xfrm>
+            <a:off x="8170651" y="4425288"/>
+            <a:ext cx="495649" cy="253916"/>
+          </a:xfrm>
+          <a:prstGeom prst="rect">
+            <a:avLst/>
+          </a:prstGeom>
+          <a:noFill/>
+          <a:ln>
+            <a:noFill/>
+          </a:ln>
+        </p:spPr>
+        <p:txBody>
+          <a:bodyPr wrap="none" rtlCol="0">
+            <a:spAutoFit/>
+          </a:bodyPr>
+          <a:lstStyle/>
+          <a:p>
+            <a:r>
+              <a:rPr lang="es-ES" sz="1050">
+                <a:solidFill>
+                  <a:schemeClr val="accent5">
+                    <a:lumMod val="75000"/>
+                  </a:schemeClr>
+                </a:solidFill>
+              </a:rPr>
+              <a:t>10:35</a:t>
+            </a:r>
+          </a:p>
+        </p:txBody>
+      </p:sp>
+      <p:sp>
+        <p:nvSpPr>
+          <p:cNvPr id="77" name="CuadroTexto 76">
+            <a:extLst>
+              <a:ext uri="{FF2B5EF4-FFF2-40B4-BE49-F238E27FC236}">
+                <a16:creationId xmlns:a16="http://schemas.microsoft.com/office/drawing/2014/main" id="{3DEC7277-7D19-44B3-ABE1-C391664F531C}"/>
+              </a:ext>
+            </a:extLst>
+          </p:cNvPr>
+          <p:cNvSpPr txBox="1"/>
+          <p:nvPr/>
+        </p:nvSpPr>
+        <p:spPr>
+          <a:xfrm>
+            <a:off x="3127078" y="3934678"/>
+            <a:ext cx="495649" cy="253916"/>
+          </a:xfrm>
+          <a:prstGeom prst="rect">
+            <a:avLst/>
+          </a:prstGeom>
+          <a:noFill/>
+          <a:ln>
+            <a:noFill/>
+          </a:ln>
+        </p:spPr>
+        <p:txBody>
+          <a:bodyPr wrap="none" rtlCol="0">
+            <a:spAutoFit/>
+          </a:bodyPr>
+          <a:lstStyle/>
+          <a:p>
+            <a:r>
+              <a:rPr lang="es-ES" sz="1050">
+                <a:solidFill>
+                  <a:schemeClr val="accent6">
+                    <a:lumMod val="60000"/>
+                    <a:lumOff val="40000"/>
+                  </a:schemeClr>
+                </a:solidFill>
+              </a:rPr>
+              <a:t>10:54</a:t>
+            </a:r>
+          </a:p>
+        </p:txBody>
+      </p:sp>
+      <p:sp>
+        <p:nvSpPr>
+          <p:cNvPr id="78" name="CuadroTexto 77">
+            <a:extLst>
+              <a:ext uri="{FF2B5EF4-FFF2-40B4-BE49-F238E27FC236}">
+                <a16:creationId xmlns:a16="http://schemas.microsoft.com/office/drawing/2014/main" id="{664DC629-F60E-49BB-A428-2E600581B667}"/>
+              </a:ext>
+            </a:extLst>
+          </p:cNvPr>
+          <p:cNvSpPr txBox="1"/>
+          <p:nvPr/>
+        </p:nvSpPr>
+        <p:spPr>
+          <a:xfrm>
+            <a:off x="4073686" y="3934762"/>
+            <a:ext cx="495649" cy="253916"/>
+          </a:xfrm>
+          <a:prstGeom prst="rect">
+            <a:avLst/>
+          </a:prstGeom>
+          <a:noFill/>
+          <a:ln>
+            <a:noFill/>
+          </a:ln>
+        </p:spPr>
+        <p:txBody>
+          <a:bodyPr wrap="none" rtlCol="0">
+            <a:spAutoFit/>
+          </a:bodyPr>
+          <a:lstStyle/>
+          <a:p>
+            <a:r>
+              <a:rPr lang="es-ES" sz="1050">
+                <a:solidFill>
+                  <a:schemeClr val="accent6">
+                    <a:lumMod val="60000"/>
+                    <a:lumOff val="40000"/>
+                  </a:schemeClr>
+                </a:solidFill>
+              </a:rPr>
+              <a:t>10:27</a:t>
+            </a:r>
+          </a:p>
+        </p:txBody>
+      </p:sp>
+      <p:sp>
+        <p:nvSpPr>
+          <p:cNvPr id="79" name="CuadroTexto 78">
+            <a:extLst>
+              <a:ext uri="{FF2B5EF4-FFF2-40B4-BE49-F238E27FC236}">
+                <a16:creationId xmlns:a16="http://schemas.microsoft.com/office/drawing/2014/main" id="{5EDE2217-1177-462D-B24C-D3879A6DB42B}"/>
+              </a:ext>
+            </a:extLst>
+          </p:cNvPr>
+          <p:cNvSpPr txBox="1"/>
+          <p:nvPr/>
+        </p:nvSpPr>
+        <p:spPr>
+          <a:xfrm>
+            <a:off x="7793881" y="3934762"/>
+            <a:ext cx="495649" cy="253916"/>
+          </a:xfrm>
+          <a:prstGeom prst="rect">
+            <a:avLst/>
+          </a:prstGeom>
+          <a:noFill/>
+          <a:ln>
+            <a:noFill/>
+          </a:ln>
+        </p:spPr>
+        <p:txBody>
+          <a:bodyPr wrap="none" rtlCol="0">
+            <a:spAutoFit/>
+          </a:bodyPr>
+          <a:lstStyle/>
+          <a:p>
+            <a:r>
+              <a:rPr lang="es-ES" sz="1050">
+                <a:solidFill>
+                  <a:schemeClr val="accent6">
+                    <a:lumMod val="60000"/>
+                    <a:lumOff val="40000"/>
+                  </a:schemeClr>
+                </a:solidFill>
+              </a:rPr>
+              <a:t>10:05</a:t>
+            </a:r>
+          </a:p>
+        </p:txBody>
+      </p:sp>
+      <p:sp>
+        <p:nvSpPr>
+          <p:cNvPr id="66" name="Flecha: a la derecha 65">
+            <a:extLst>
+              <a:ext uri="{FF2B5EF4-FFF2-40B4-BE49-F238E27FC236}">
+                <a16:creationId xmlns:a16="http://schemas.microsoft.com/office/drawing/2014/main" id="{CE05AE11-3C62-4D6C-8359-1A225B5D9EC6}"/>
+              </a:ext>
+            </a:extLst>
+          </p:cNvPr>
+          <p:cNvSpPr/>
+          <p:nvPr/>
+        </p:nvSpPr>
+        <p:spPr>
+          <a:xfrm>
+            <a:off x="4849280" y="4191324"/>
+            <a:ext cx="695362" cy="239700"/>
+          </a:xfrm>
+          <a:prstGeom prst="rightArrow">
+            <a:avLst>
+              <a:gd name="adj1" fmla="val 0"/>
+              <a:gd name="adj2" fmla="val 87181"/>
+            </a:avLst>
+          </a:prstGeom>
+          <a:solidFill>
+            <a:schemeClr val="accent6">
+              <a:lumMod val="75000"/>
+            </a:schemeClr>
+          </a:solidFill>
+          <a:ln>
+            <a:solidFill>
+              <a:srgbClr val="428479"/>
+            </a:solidFill>
+          </a:ln>
+        </p:spPr>
+        <p:style>
+          <a:lnRef idx="2">
+            <a:schemeClr val="accent1">
+              <a:shade val="50000"/>
+            </a:schemeClr>
+          </a:lnRef>
+          <a:fillRef idx="1">
+            <a:schemeClr val="accent1"/>
+          </a:fillRef>
+          <a:effectRef idx="0">
+            <a:schemeClr val="accent1"/>
+          </a:effectRef>
+          <a:fontRef idx="minor">
+            <a:schemeClr val="lt1"/>
+          </a:fontRef>
+        </p:style>
+        <p:txBody>
+          <a:bodyPr rtlCol="0" anchor="ctr"/>
+          <a:lstStyle/>
+          <a:p>
+            <a:pPr algn="ctr"/>
+            <a:endParaRPr lang="es-ES"/>
+          </a:p>
+        </p:txBody>
+      </p:sp>
+      <p:sp>
+        <p:nvSpPr>
+          <p:cNvPr id="67" name="Flecha: a la derecha 66">
+            <a:extLst>
+              <a:ext uri="{FF2B5EF4-FFF2-40B4-BE49-F238E27FC236}">
+                <a16:creationId xmlns:a16="http://schemas.microsoft.com/office/drawing/2014/main" id="{3A21C75D-25FB-461E-ADEA-E9739BE2935C}"/>
+              </a:ext>
+            </a:extLst>
+          </p:cNvPr>
+          <p:cNvSpPr/>
+          <p:nvPr/>
+        </p:nvSpPr>
+        <p:spPr>
+          <a:xfrm>
+            <a:off x="6205130" y="4191324"/>
+            <a:ext cx="695362" cy="239700"/>
+          </a:xfrm>
+          <a:prstGeom prst="rightArrow">
+            <a:avLst>
+              <a:gd name="adj1" fmla="val 0"/>
+              <a:gd name="adj2" fmla="val 87181"/>
+            </a:avLst>
+          </a:prstGeom>
+          <a:solidFill>
+            <a:schemeClr val="accent6">
+              <a:lumMod val="75000"/>
+            </a:schemeClr>
+          </a:solidFill>
+          <a:ln>
+            <a:solidFill>
+              <a:srgbClr val="428479"/>
+            </a:solidFill>
+          </a:ln>
+        </p:spPr>
+        <p:style>
+          <a:lnRef idx="2">
+            <a:schemeClr val="accent1">
+              <a:shade val="50000"/>
+            </a:schemeClr>
+          </a:lnRef>
+          <a:fillRef idx="1">
+            <a:schemeClr val="accent1"/>
+          </a:fillRef>
+          <a:effectRef idx="0">
+            <a:schemeClr val="accent1"/>
+          </a:effectRef>
+          <a:fontRef idx="minor">
+            <a:schemeClr val="lt1"/>
+          </a:fontRef>
+        </p:style>
+        <p:txBody>
+          <a:bodyPr rtlCol="0" anchor="ctr"/>
+          <a:lstStyle/>
+          <a:p>
+            <a:pPr algn="ctr"/>
+            <a:endParaRPr lang="es-ES"/>
+          </a:p>
+        </p:txBody>
+      </p:sp>
+      <p:sp>
+        <p:nvSpPr>
+          <p:cNvPr id="41" name="CuadroTexto 40">
+            <a:extLst>
+              <a:ext uri="{FF2B5EF4-FFF2-40B4-BE49-F238E27FC236}">
+                <a16:creationId xmlns:a16="http://schemas.microsoft.com/office/drawing/2014/main" id="{786C60F4-E1C5-4F7E-AA72-1B2517D2D1D2}"/>
+              </a:ext>
+            </a:extLst>
+          </p:cNvPr>
+          <p:cNvSpPr txBox="1"/>
+          <p:nvPr/>
+        </p:nvSpPr>
+        <p:spPr>
+          <a:xfrm>
+            <a:off x="7501700" y="4328353"/>
+            <a:ext cx="495649" cy="253916"/>
+          </a:xfrm>
+          <a:prstGeom prst="rect">
+            <a:avLst/>
+          </a:prstGeom>
+          <a:noFill/>
+          <a:ln>
+            <a:noFill/>
+          </a:ln>
+        </p:spPr>
+        <p:txBody>
+          <a:bodyPr wrap="none" rtlCol="0">
+            <a:spAutoFit/>
+          </a:bodyPr>
+          <a:lstStyle/>
+          <a:p>
+            <a:r>
+              <a:rPr lang="es-ES" sz="1050">
+                <a:solidFill>
+                  <a:schemeClr val="accent5">
+                    <a:lumMod val="50000"/>
+                  </a:schemeClr>
+                </a:solidFill>
+              </a:rPr>
+              <a:t>10:00</a:t>
+            </a:r>
+          </a:p>
+        </p:txBody>
+      </p:sp>
+      <p:sp>
+        <p:nvSpPr>
+          <p:cNvPr id="43" name="CuadroTexto 42">
+            <a:extLst>
+              <a:ext uri="{FF2B5EF4-FFF2-40B4-BE49-F238E27FC236}">
+                <a16:creationId xmlns:a16="http://schemas.microsoft.com/office/drawing/2014/main" id="{8BCF2323-3083-46FD-9BAB-263321C05EC5}"/>
+              </a:ext>
+            </a:extLst>
+          </p:cNvPr>
+          <p:cNvSpPr txBox="1"/>
+          <p:nvPr/>
+        </p:nvSpPr>
+        <p:spPr>
+          <a:xfrm>
+            <a:off x="7570280" y="4435033"/>
+            <a:ext cx="495649" cy="253916"/>
+          </a:xfrm>
+          <a:prstGeom prst="rect">
+            <a:avLst/>
+          </a:prstGeom>
+          <a:noFill/>
+          <a:ln>
+            <a:noFill/>
+          </a:ln>
+        </p:spPr>
+        <p:txBody>
+          <a:bodyPr wrap="none" rtlCol="0">
+            <a:spAutoFit/>
+          </a:bodyPr>
+          <a:lstStyle/>
+          <a:p>
+            <a:r>
+              <a:rPr lang="es-ES" sz="1050">
+                <a:solidFill>
+                  <a:schemeClr val="accent5">
+                    <a:lumMod val="75000"/>
+                  </a:schemeClr>
+                </a:solidFill>
+              </a:rPr>
+              <a:t>10:25</a:t>
+            </a:r>
+          </a:p>
+        </p:txBody>
+      </p:sp>
+    </p:spTree>
+    <p:extLst>
+      <p:ext uri="{BB962C8B-B14F-4D97-AF65-F5344CB8AC3E}">
+        <p14:creationId xmlns:p14="http://schemas.microsoft.com/office/powerpoint/2010/main" val="964630263"/>
+      </p:ext>
+    </p:extLst>
+  </p:cSld>
+  <p:clrMapOvr>
+    <a:masterClrMapping/>
+  </p:clrMapOvr>
+</p:sld>
+</file>
+
+<file path=ppt/slides/slide3.xml><?xml version="1.0" encoding="utf-8"?>
+<p:sld xmlns:a="http://schemas.openxmlformats.org/drawingml/2006/main" xmlns:r="http://schemas.openxmlformats.org/officeDocument/2006/relationships" xmlns:p="http://schemas.openxmlformats.org/presentationml/2006/main">
+  <p:cSld>
+    <p:spTree>
+      <p:nvGrpSpPr>
+        <p:cNvPr id="1" name=""/>
+        <p:cNvGrpSpPr/>
+        <p:nvPr/>
+      </p:nvGrpSpPr>
+      <p:grpSpPr>
+        <a:xfrm>
+          <a:off x="0" y="0"/>
+          <a:ext cx="0" cy="0"/>
+          <a:chOff x="0" y="0"/>
+          <a:chExt cx="0" cy="0"/>
+        </a:xfrm>
+      </p:grpSpPr>
+      <p:pic>
+        <p:nvPicPr>
+          <p:cNvPr id="42" name="Imagen 41">
+            <a:extLst>
+              <a:ext uri="{FF2B5EF4-FFF2-40B4-BE49-F238E27FC236}">
+                <a16:creationId xmlns:a16="http://schemas.microsoft.com/office/drawing/2014/main" id="{BF9206E8-53B8-4390-BCE8-30DFE1C28C47}"/>
+              </a:ext>
+            </a:extLst>
+          </p:cNvPr>
+          <p:cNvPicPr>
+            <a:picLocks noChangeAspect="1"/>
+          </p:cNvPicPr>
+          <p:nvPr/>
+        </p:nvPicPr>
+        <p:blipFill>
+          <a:blip r:embed="rId2">
+            <a:alphaModFix amt="20000"/>
+          </a:blip>
+          <a:stretch>
+            <a:fillRect/>
+          </a:stretch>
+        </p:blipFill>
+        <p:spPr>
+          <a:xfrm>
+            <a:off x="2628900" y="723900"/>
+            <a:ext cx="6934200" cy="5410200"/>
+          </a:xfrm>
+          <a:prstGeom prst="rect">
+            <a:avLst/>
+          </a:prstGeom>
+        </p:spPr>
+      </p:pic>
+      <p:cxnSp>
+        <p:nvCxnSpPr>
+          <p:cNvPr id="55" name="Conector recto 54">
+            <a:extLst>
+              <a:ext uri="{FF2B5EF4-FFF2-40B4-BE49-F238E27FC236}">
+                <a16:creationId xmlns:a16="http://schemas.microsoft.com/office/drawing/2014/main" id="{8EF152B4-FB26-49E5-B0A1-F9EAD9ADC745}"/>
+              </a:ext>
+            </a:extLst>
+          </p:cNvPr>
+          <p:cNvCxnSpPr/>
+          <p:nvPr/>
+        </p:nvCxnSpPr>
+        <p:spPr>
+          <a:xfrm>
+            <a:off x="3624552" y="4320699"/>
+            <a:ext cx="801403" cy="0"/>
+          </a:xfrm>
+          <a:prstGeom prst="line">
+            <a:avLst/>
+          </a:prstGeom>
+          <a:ln w="19050">
+            <a:solidFill>
+              <a:srgbClr val="428479"/>
+            </a:solidFill>
+          </a:ln>
+        </p:spPr>
+        <p:style>
+          <a:lnRef idx="1">
+            <a:schemeClr val="accent1"/>
+          </a:lnRef>
+          <a:fillRef idx="0">
+            <a:schemeClr val="accent1"/>
+          </a:fillRef>
+          <a:effectRef idx="0">
+            <a:schemeClr val="accent1"/>
+          </a:effectRef>
+          <a:fontRef idx="minor">
+            <a:schemeClr val="tx1"/>
+          </a:fontRef>
+        </p:style>
+      </p:cxnSp>
+      <p:cxnSp>
+        <p:nvCxnSpPr>
+          <p:cNvPr id="59" name="Conector recto 58">
+            <a:extLst>
+              <a:ext uri="{FF2B5EF4-FFF2-40B4-BE49-F238E27FC236}">
+                <a16:creationId xmlns:a16="http://schemas.microsoft.com/office/drawing/2014/main" id="{5B8A0979-89E6-4CC2-8ADC-DBF4B4A41F13}"/>
+              </a:ext>
+            </a:extLst>
+          </p:cNvPr>
+          <p:cNvCxnSpPr/>
+          <p:nvPr/>
+        </p:nvCxnSpPr>
+        <p:spPr>
+          <a:xfrm>
+            <a:off x="7680329" y="4320699"/>
+            <a:ext cx="468000" cy="0"/>
+          </a:xfrm>
+          <a:prstGeom prst="line">
+            <a:avLst/>
+          </a:prstGeom>
+          <a:ln w="19050">
+            <a:solidFill>
+              <a:srgbClr val="428479"/>
+            </a:solidFill>
+          </a:ln>
+        </p:spPr>
+        <p:style>
+          <a:lnRef idx="1">
+            <a:schemeClr val="accent1"/>
+          </a:lnRef>
+          <a:fillRef idx="0">
+            <a:schemeClr val="accent1"/>
+          </a:fillRef>
+          <a:effectRef idx="0">
+            <a:schemeClr val="accent1"/>
+          </a:effectRef>
+          <a:fontRef idx="minor">
+            <a:schemeClr val="tx1"/>
+          </a:fontRef>
+        </p:style>
+      </p:cxnSp>
+      <p:cxnSp>
+        <p:nvCxnSpPr>
+          <p:cNvPr id="5" name="Conector recto 4">
+            <a:extLst>
+              <a:ext uri="{FF2B5EF4-FFF2-40B4-BE49-F238E27FC236}">
+                <a16:creationId xmlns:a16="http://schemas.microsoft.com/office/drawing/2014/main" id="{F2D939EB-6288-44DB-B576-9416723FAFFD}"/>
+              </a:ext>
+            </a:extLst>
+          </p:cNvPr>
+          <p:cNvCxnSpPr>
+            <a:cxnSpLocks/>
+            <a:stCxn id="4" idx="6"/>
+            <a:endCxn id="50" idx="3"/>
+          </p:cNvCxnSpPr>
+          <p:nvPr/>
+        </p:nvCxnSpPr>
+        <p:spPr>
+          <a:xfrm>
+            <a:off x="4567734" y="4311174"/>
+            <a:ext cx="3047612" cy="1272"/>
+          </a:xfrm>
+          <a:prstGeom prst="line">
+            <a:avLst/>
+          </a:prstGeom>
+          <a:ln w="38100">
+            <a:solidFill>
+              <a:srgbClr val="428479"/>
+            </a:solidFill>
+          </a:ln>
+        </p:spPr>
+        <p:style>
+          <a:lnRef idx="1">
+            <a:schemeClr val="accent1"/>
+          </a:lnRef>
+          <a:fillRef idx="0">
+            <a:schemeClr val="accent1"/>
+          </a:fillRef>
+          <a:effectRef idx="0">
+            <a:schemeClr val="accent1"/>
+          </a:effectRef>
+          <a:fontRef idx="minor">
+            <a:schemeClr val="tx1"/>
+          </a:fontRef>
+        </p:style>
+      </p:cxnSp>
+      <p:sp>
+        <p:nvSpPr>
+          <p:cNvPr id="8" name="CuadroTexto 7">
+            <a:extLst>
+              <a:ext uri="{FF2B5EF4-FFF2-40B4-BE49-F238E27FC236}">
+                <a16:creationId xmlns:a16="http://schemas.microsoft.com/office/drawing/2014/main" id="{ED39C2DF-DE2B-437E-8227-E2F7AC46D17B}"/>
+              </a:ext>
+            </a:extLst>
+          </p:cNvPr>
+          <p:cNvSpPr txBox="1"/>
+          <p:nvPr/>
+        </p:nvSpPr>
+        <p:spPr>
+          <a:xfrm rot="18900000">
+            <a:off x="8091091" y="3860072"/>
+            <a:ext cx="814699" cy="276999"/>
+          </a:xfrm>
+          <a:prstGeom prst="rect">
+            <a:avLst/>
+          </a:prstGeom>
+          <a:noFill/>
+        </p:spPr>
+        <p:txBody>
+          <a:bodyPr vert="horz" wrap="square" rtlCol="0">
+            <a:spAutoFit/>
+          </a:bodyPr>
+          <a:lstStyle/>
+          <a:p>
+            <a:r>
+              <a:rPr lang="es-ES" sz="1200"/>
+              <a:t>Can </a:t>
+            </a:r>
+            <a:r>
+              <a:rPr lang="es-ES" sz="1200" err="1"/>
+              <a:t>Rosés</a:t>
+            </a:r>
+            <a:endParaRPr lang="es-ES" sz="1200"/>
+          </a:p>
+        </p:txBody>
+      </p:sp>
+      <p:sp>
+        <p:nvSpPr>
+          <p:cNvPr id="12" name="CuadroTexto 11">
+            <a:extLst>
+              <a:ext uri="{FF2B5EF4-FFF2-40B4-BE49-F238E27FC236}">
+                <a16:creationId xmlns:a16="http://schemas.microsoft.com/office/drawing/2014/main" id="{7C4468ED-A4DC-4AF8-9658-38017BE944A7}"/>
+              </a:ext>
+            </a:extLst>
+          </p:cNvPr>
+          <p:cNvSpPr txBox="1"/>
+          <p:nvPr/>
+        </p:nvSpPr>
+        <p:spPr>
+          <a:xfrm rot="18900000">
+            <a:off x="3499983" y="4589696"/>
+            <a:ext cx="1169689" cy="276999"/>
+          </a:xfrm>
+          <a:prstGeom prst="rect">
+            <a:avLst/>
+          </a:prstGeom>
+          <a:noFill/>
+        </p:spPr>
+        <p:txBody>
+          <a:bodyPr vert="horz" wrap="square" rtlCol="0">
+            <a:spAutoFit/>
+          </a:bodyPr>
+          <a:lstStyle/>
+          <a:p>
+            <a:r>
+              <a:rPr lang="es-ES" sz="1200" err="1"/>
+              <a:t>Països</a:t>
+            </a:r>
+            <a:r>
+              <a:rPr lang="es-ES" sz="1200"/>
+              <a:t> </a:t>
+            </a:r>
+            <a:r>
+              <a:rPr lang="es-ES" sz="1200" err="1"/>
+              <a:t>Catalans</a:t>
+            </a:r>
+            <a:endParaRPr lang="es-ES" sz="1200"/>
+          </a:p>
+        </p:txBody>
+      </p:sp>
+      <p:cxnSp>
+        <p:nvCxnSpPr>
+          <p:cNvPr id="13" name="Conector recto 12">
+            <a:extLst>
+              <a:ext uri="{FF2B5EF4-FFF2-40B4-BE49-F238E27FC236}">
+                <a16:creationId xmlns:a16="http://schemas.microsoft.com/office/drawing/2014/main" id="{18EA2F74-30A9-46E7-8273-3DC30763DE4F}"/>
+              </a:ext>
+            </a:extLst>
+          </p:cNvPr>
+          <p:cNvCxnSpPr>
+            <a:cxnSpLocks/>
+            <a:endCxn id="46" idx="2"/>
+          </p:cNvCxnSpPr>
+          <p:nvPr/>
+        </p:nvCxnSpPr>
+        <p:spPr>
+          <a:xfrm flipV="1">
+            <a:off x="5076825" y="3936723"/>
+            <a:ext cx="1910222" cy="2976"/>
+          </a:xfrm>
+          <a:prstGeom prst="line">
+            <a:avLst/>
+          </a:prstGeom>
+          <a:ln w="38100">
+            <a:solidFill>
+              <a:schemeClr val="accent1"/>
+            </a:solidFill>
+          </a:ln>
+        </p:spPr>
+        <p:style>
+          <a:lnRef idx="1">
+            <a:schemeClr val="accent1"/>
+          </a:lnRef>
+          <a:fillRef idx="0">
+            <a:schemeClr val="accent1"/>
+          </a:fillRef>
+          <a:effectRef idx="0">
+            <a:schemeClr val="accent1"/>
+          </a:effectRef>
+          <a:fontRef idx="minor">
+            <a:schemeClr val="tx1"/>
+          </a:fontRef>
+        </p:style>
+      </p:cxnSp>
+      <p:cxnSp>
+        <p:nvCxnSpPr>
+          <p:cNvPr id="14" name="Conector recto 13">
+            <a:extLst>
+              <a:ext uri="{FF2B5EF4-FFF2-40B4-BE49-F238E27FC236}">
+                <a16:creationId xmlns:a16="http://schemas.microsoft.com/office/drawing/2014/main" id="{7D985ACF-4A1B-47B2-A59E-91A175778F6A}"/>
+              </a:ext>
+            </a:extLst>
+          </p:cNvPr>
+          <p:cNvCxnSpPr>
+            <a:cxnSpLocks/>
+            <a:stCxn id="4" idx="7"/>
+            <a:endCxn id="27" idx="2"/>
+          </p:cNvCxnSpPr>
+          <p:nvPr/>
+        </p:nvCxnSpPr>
+        <p:spPr>
+          <a:xfrm flipV="1">
+            <a:off x="4546646" y="3939835"/>
+            <a:ext cx="530179" cy="320427"/>
+          </a:xfrm>
+          <a:prstGeom prst="line">
+            <a:avLst/>
+          </a:prstGeom>
+          <a:ln w="38100">
+            <a:solidFill>
+              <a:schemeClr val="accent1"/>
+            </a:solidFill>
+          </a:ln>
+        </p:spPr>
+        <p:style>
+          <a:lnRef idx="1">
+            <a:schemeClr val="accent1"/>
+          </a:lnRef>
+          <a:fillRef idx="0">
+            <a:schemeClr val="accent1"/>
+          </a:fillRef>
+          <a:effectRef idx="0">
+            <a:schemeClr val="accent1"/>
+          </a:effectRef>
+          <a:fontRef idx="minor">
+            <a:schemeClr val="tx1"/>
+          </a:fontRef>
+        </p:style>
+      </p:cxnSp>
+      <p:sp>
+        <p:nvSpPr>
+          <p:cNvPr id="27" name="Elipse 26">
+            <a:extLst>
+              <a:ext uri="{FF2B5EF4-FFF2-40B4-BE49-F238E27FC236}">
+                <a16:creationId xmlns:a16="http://schemas.microsoft.com/office/drawing/2014/main" id="{E96BF921-A172-42C7-9D64-A5EAE60665A8}"/>
+              </a:ext>
+            </a:extLst>
+          </p:cNvPr>
+          <p:cNvSpPr/>
+          <p:nvPr/>
+        </p:nvSpPr>
+        <p:spPr>
+          <a:xfrm>
+            <a:off x="5076825" y="3885835"/>
+            <a:ext cx="108000" cy="108000"/>
+          </a:xfrm>
+          <a:prstGeom prst="ellipse">
+            <a:avLst/>
+          </a:prstGeom>
+          <a:solidFill>
+            <a:schemeClr val="accent5">
+              <a:lumMod val="60000"/>
+              <a:lumOff val="40000"/>
+            </a:schemeClr>
+          </a:solidFill>
+          <a:ln>
+            <a:solidFill>
+              <a:srgbClr val="0070C0"/>
+            </a:solidFill>
+          </a:ln>
+        </p:spPr>
+        <p:style>
+          <a:lnRef idx="2">
+            <a:schemeClr val="accent1">
+              <a:shade val="50000"/>
+            </a:schemeClr>
+          </a:lnRef>
+          <a:fillRef idx="1">
+            <a:schemeClr val="accent1"/>
+          </a:fillRef>
+          <a:effectRef idx="0">
+            <a:schemeClr val="accent1"/>
+          </a:effectRef>
+          <a:fontRef idx="minor">
+            <a:schemeClr val="lt1"/>
+          </a:fontRef>
+        </p:style>
+        <p:txBody>
+          <a:bodyPr rtlCol="0" anchor="ctr"/>
+          <a:lstStyle/>
+          <a:p>
+            <a:pPr algn="ctr"/>
+            <a:endParaRPr lang="es-ES"/>
+          </a:p>
+        </p:txBody>
+      </p:sp>
+      <p:sp>
+        <p:nvSpPr>
+          <p:cNvPr id="28" name="Elipse 27">
+            <a:extLst>
+              <a:ext uri="{FF2B5EF4-FFF2-40B4-BE49-F238E27FC236}">
+                <a16:creationId xmlns:a16="http://schemas.microsoft.com/office/drawing/2014/main" id="{D5F66B02-563E-4D17-8A77-7593C5DAA88C}"/>
+              </a:ext>
+            </a:extLst>
+          </p:cNvPr>
+          <p:cNvSpPr/>
+          <p:nvPr/>
+        </p:nvSpPr>
+        <p:spPr>
+          <a:xfrm>
+            <a:off x="7569154" y="4260262"/>
+            <a:ext cx="108000" cy="108000"/>
+          </a:xfrm>
+          <a:prstGeom prst="ellipse">
+            <a:avLst/>
+          </a:prstGeom>
+          <a:solidFill>
+            <a:schemeClr val="accent6">
+              <a:lumMod val="75000"/>
+            </a:schemeClr>
+          </a:solidFill>
+          <a:ln>
+            <a:solidFill>
+              <a:schemeClr val="accent6">
+                <a:lumMod val="60000"/>
+                <a:lumOff val="40000"/>
+              </a:schemeClr>
+            </a:solidFill>
+          </a:ln>
+        </p:spPr>
+        <p:style>
+          <a:lnRef idx="2">
+            <a:schemeClr val="accent1">
+              <a:shade val="50000"/>
+            </a:schemeClr>
+          </a:lnRef>
+          <a:fillRef idx="1">
+            <a:schemeClr val="accent1"/>
+          </a:fillRef>
+          <a:effectRef idx="0">
+            <a:schemeClr val="accent1"/>
+          </a:effectRef>
+          <a:fontRef idx="minor">
+            <a:schemeClr val="lt1"/>
+          </a:fontRef>
+        </p:style>
+        <p:txBody>
+          <a:bodyPr rtlCol="0" anchor="ctr"/>
+          <a:lstStyle/>
+          <a:p>
+            <a:pPr algn="ctr"/>
+            <a:endParaRPr lang="es-ES"/>
+          </a:p>
+        </p:txBody>
+      </p:sp>
+      <p:sp>
+        <p:nvSpPr>
+          <p:cNvPr id="37" name="CuadroTexto 36">
+            <a:extLst>
+              <a:ext uri="{FF2B5EF4-FFF2-40B4-BE49-F238E27FC236}">
+                <a16:creationId xmlns:a16="http://schemas.microsoft.com/office/drawing/2014/main" id="{94B162C1-1477-4FA2-AC42-7A36CD6A768A}"/>
+              </a:ext>
+            </a:extLst>
+          </p:cNvPr>
+          <p:cNvSpPr txBox="1"/>
+          <p:nvPr/>
+        </p:nvSpPr>
+        <p:spPr>
+          <a:xfrm rot="18900000">
+            <a:off x="3387815" y="3767493"/>
+            <a:ext cx="1112469" cy="276999"/>
+          </a:xfrm>
+          <a:prstGeom prst="rect">
+            <a:avLst/>
+          </a:prstGeom>
+          <a:noFill/>
+        </p:spPr>
+        <p:txBody>
+          <a:bodyPr vert="horz" wrap="square" rtlCol="0">
+            <a:spAutoFit/>
+          </a:bodyPr>
+          <a:lstStyle/>
+          <a:p>
+            <a:r>
+              <a:rPr lang="es-ES" sz="1200" err="1"/>
+              <a:t>Estació</a:t>
+            </a:r>
+            <a:r>
+              <a:rPr lang="es-ES" sz="1200"/>
+              <a:t> </a:t>
+            </a:r>
+            <a:r>
+              <a:rPr lang="es-ES" sz="1200" err="1"/>
+              <a:t>RubÍ+D</a:t>
+            </a:r>
+            <a:endParaRPr lang="es-ES" sz="1200"/>
+          </a:p>
+        </p:txBody>
+      </p:sp>
+      <p:sp>
+        <p:nvSpPr>
+          <p:cNvPr id="40" name="CuadroTexto 39">
+            <a:extLst>
+              <a:ext uri="{FF2B5EF4-FFF2-40B4-BE49-F238E27FC236}">
+                <a16:creationId xmlns:a16="http://schemas.microsoft.com/office/drawing/2014/main" id="{BC391A74-93B0-4394-A365-B0074DB473D3}"/>
+              </a:ext>
+            </a:extLst>
+          </p:cNvPr>
+          <p:cNvSpPr txBox="1"/>
+          <p:nvPr/>
+        </p:nvSpPr>
+        <p:spPr>
+          <a:xfrm>
+            <a:off x="6873646" y="352425"/>
+            <a:ext cx="2689454" cy="369332"/>
+          </a:xfrm>
+          <a:prstGeom prst="rect">
+            <a:avLst/>
+          </a:prstGeom>
+          <a:noFill/>
+        </p:spPr>
+        <p:txBody>
+          <a:bodyPr wrap="none" rtlCol="0">
+            <a:spAutoFit/>
+          </a:bodyPr>
+          <a:lstStyle/>
+          <a:p>
+            <a:r>
+              <a:rPr lang="es-ES"/>
+              <a:t>Transporte urbano de Rubí</a:t>
+            </a:r>
+          </a:p>
+        </p:txBody>
+      </p:sp>
+      <p:cxnSp>
+        <p:nvCxnSpPr>
+          <p:cNvPr id="45" name="Conector recto 44">
+            <a:extLst>
+              <a:ext uri="{FF2B5EF4-FFF2-40B4-BE49-F238E27FC236}">
+                <a16:creationId xmlns:a16="http://schemas.microsoft.com/office/drawing/2014/main" id="{1CC32BA5-3B8B-4E7D-BA1B-74CF334AEBB1}"/>
+              </a:ext>
+            </a:extLst>
+          </p:cNvPr>
+          <p:cNvCxnSpPr>
+            <a:cxnSpLocks/>
+            <a:stCxn id="28" idx="1"/>
+            <a:endCxn id="46" idx="6"/>
+          </p:cNvCxnSpPr>
+          <p:nvPr/>
+        </p:nvCxnSpPr>
+        <p:spPr>
+          <a:xfrm flipH="1" flipV="1">
+            <a:off x="7095047" y="3936723"/>
+            <a:ext cx="489923" cy="339355"/>
+          </a:xfrm>
+          <a:prstGeom prst="line">
+            <a:avLst/>
+          </a:prstGeom>
+          <a:ln w="38100">
+            <a:solidFill>
+              <a:schemeClr val="accent1"/>
+            </a:solidFill>
+          </a:ln>
+        </p:spPr>
+        <p:style>
+          <a:lnRef idx="1">
+            <a:schemeClr val="accent1"/>
+          </a:lnRef>
+          <a:fillRef idx="0">
+            <a:schemeClr val="accent1"/>
+          </a:fillRef>
+          <a:effectRef idx="0">
+            <a:schemeClr val="accent1"/>
+          </a:effectRef>
+          <a:fontRef idx="minor">
+            <a:schemeClr val="tx1"/>
+          </a:fontRef>
+        </p:style>
+      </p:cxnSp>
+      <p:sp>
+        <p:nvSpPr>
+          <p:cNvPr id="46" name="Elipse 45">
+            <a:extLst>
+              <a:ext uri="{FF2B5EF4-FFF2-40B4-BE49-F238E27FC236}">
+                <a16:creationId xmlns:a16="http://schemas.microsoft.com/office/drawing/2014/main" id="{E96BAD64-012C-4C71-8245-503DBEA2F866}"/>
+              </a:ext>
+            </a:extLst>
+          </p:cNvPr>
+          <p:cNvSpPr/>
+          <p:nvPr/>
+        </p:nvSpPr>
+        <p:spPr>
+          <a:xfrm>
+            <a:off x="6987047" y="3882723"/>
+            <a:ext cx="108000" cy="108000"/>
+          </a:xfrm>
+          <a:prstGeom prst="ellipse">
+            <a:avLst/>
+          </a:prstGeom>
+          <a:solidFill>
+            <a:schemeClr val="accent5">
+              <a:lumMod val="60000"/>
+              <a:lumOff val="40000"/>
+            </a:schemeClr>
+          </a:solidFill>
+          <a:ln>
+            <a:solidFill>
+              <a:srgbClr val="0070C0"/>
+            </a:solidFill>
+          </a:ln>
+        </p:spPr>
+        <p:style>
+          <a:lnRef idx="2">
+            <a:schemeClr val="accent1">
+              <a:shade val="50000"/>
+            </a:schemeClr>
+          </a:lnRef>
+          <a:fillRef idx="1">
+            <a:schemeClr val="accent1"/>
+          </a:fillRef>
+          <a:effectRef idx="0">
+            <a:schemeClr val="accent1"/>
+          </a:effectRef>
+          <a:fontRef idx="minor">
+            <a:schemeClr val="lt1"/>
+          </a:fontRef>
+        </p:style>
+        <p:txBody>
+          <a:bodyPr rtlCol="0" anchor="ctr"/>
+          <a:lstStyle/>
+          <a:p>
+            <a:pPr algn="ctr"/>
+            <a:endParaRPr lang="es-ES"/>
+          </a:p>
+        </p:txBody>
+      </p:sp>
+      <p:sp>
+        <p:nvSpPr>
+          <p:cNvPr id="50" name="CuadroTexto 49">
+            <a:extLst>
+              <a:ext uri="{FF2B5EF4-FFF2-40B4-BE49-F238E27FC236}">
+                <a16:creationId xmlns:a16="http://schemas.microsoft.com/office/drawing/2014/main" id="{7CBE6323-2EC6-4401-8E7A-CCCE8D9733C2}"/>
+              </a:ext>
+            </a:extLst>
+          </p:cNvPr>
+          <p:cNvSpPr txBox="1"/>
+          <p:nvPr/>
+        </p:nvSpPr>
+        <p:spPr>
+          <a:xfrm rot="18900000">
+            <a:off x="7050253" y="4408015"/>
+            <a:ext cx="662047" cy="276999"/>
+          </a:xfrm>
+          <a:prstGeom prst="rect">
+            <a:avLst/>
+          </a:prstGeom>
+          <a:noFill/>
+        </p:spPr>
+        <p:txBody>
+          <a:bodyPr vert="horz" wrap="square" rtlCol="0">
+            <a:spAutoFit/>
+          </a:bodyPr>
+          <a:lstStyle/>
+          <a:p>
+            <a:r>
+              <a:rPr lang="es-ES" sz="1200" err="1"/>
+              <a:t>Els</a:t>
+            </a:r>
+            <a:r>
+              <a:rPr lang="es-ES" sz="1200"/>
+              <a:t> </a:t>
+            </a:r>
+            <a:r>
+              <a:rPr lang="es-ES" sz="1200" err="1"/>
+              <a:t>Nius</a:t>
+            </a:r>
+            <a:endParaRPr lang="es-ES" sz="1200"/>
+          </a:p>
+        </p:txBody>
+      </p:sp>
+      <p:cxnSp>
+        <p:nvCxnSpPr>
+          <p:cNvPr id="54" name="Conector recto 53">
+            <a:extLst>
+              <a:ext uri="{FF2B5EF4-FFF2-40B4-BE49-F238E27FC236}">
+                <a16:creationId xmlns:a16="http://schemas.microsoft.com/office/drawing/2014/main" id="{9ABE7EDF-F0E8-44E4-8F11-2E4B68A91541}"/>
+              </a:ext>
+            </a:extLst>
+          </p:cNvPr>
+          <p:cNvCxnSpPr/>
+          <p:nvPr/>
+        </p:nvCxnSpPr>
+        <p:spPr>
+          <a:xfrm>
+            <a:off x="3624552" y="4301649"/>
+            <a:ext cx="801403" cy="0"/>
+          </a:xfrm>
+          <a:prstGeom prst="line">
+            <a:avLst/>
+          </a:prstGeom>
+          <a:ln w="19050">
+            <a:solidFill>
+              <a:schemeClr val="accent1"/>
+            </a:solidFill>
+          </a:ln>
+        </p:spPr>
+        <p:style>
+          <a:lnRef idx="1">
+            <a:schemeClr val="accent1"/>
+          </a:lnRef>
+          <a:fillRef idx="0">
+            <a:schemeClr val="accent1"/>
+          </a:fillRef>
+          <a:effectRef idx="0">
+            <a:schemeClr val="accent1"/>
+          </a:effectRef>
+          <a:fontRef idx="minor">
+            <a:schemeClr val="tx1"/>
+          </a:fontRef>
+        </p:style>
+      </p:cxnSp>
+      <p:sp>
+        <p:nvSpPr>
+          <p:cNvPr id="4" name="Elipse 3">
+            <a:extLst>
+              <a:ext uri="{FF2B5EF4-FFF2-40B4-BE49-F238E27FC236}">
+                <a16:creationId xmlns:a16="http://schemas.microsoft.com/office/drawing/2014/main" id="{9236991A-A978-42AF-830A-DE2C1D52F5E6}"/>
+              </a:ext>
+            </a:extLst>
+          </p:cNvPr>
+          <p:cNvSpPr/>
+          <p:nvPr/>
+        </p:nvSpPr>
+        <p:spPr>
+          <a:xfrm>
+            <a:off x="4423734" y="4239174"/>
+            <a:ext cx="144000" cy="144000"/>
+          </a:xfrm>
+          <a:prstGeom prst="ellipse">
+            <a:avLst/>
+          </a:prstGeom>
+          <a:solidFill>
+            <a:schemeClr val="accent4">
+              <a:lumMod val="60000"/>
+              <a:lumOff val="40000"/>
+            </a:schemeClr>
+          </a:solidFill>
+        </p:spPr>
+        <p:style>
+          <a:lnRef idx="2">
+            <a:schemeClr val="accent1">
+              <a:shade val="50000"/>
+            </a:schemeClr>
+          </a:lnRef>
+          <a:fillRef idx="1">
+            <a:schemeClr val="accent1"/>
+          </a:fillRef>
+          <a:effectRef idx="0">
+            <a:schemeClr val="accent1"/>
+          </a:effectRef>
+          <a:fontRef idx="minor">
+            <a:schemeClr val="lt1"/>
+          </a:fontRef>
+        </p:style>
+        <p:txBody>
+          <a:bodyPr rtlCol="0" anchor="ctr"/>
+          <a:lstStyle/>
+          <a:p>
+            <a:pPr algn="ctr"/>
+            <a:endParaRPr lang="es-ES"/>
+          </a:p>
+        </p:txBody>
+      </p:sp>
+      <p:sp>
+        <p:nvSpPr>
+          <p:cNvPr id="38" name="Elipse 37">
+            <a:extLst>
+              <a:ext uri="{FF2B5EF4-FFF2-40B4-BE49-F238E27FC236}">
+                <a16:creationId xmlns:a16="http://schemas.microsoft.com/office/drawing/2014/main" id="{A05398E5-AA1C-44C5-8F21-66E6D7B710B2}"/>
+              </a:ext>
+            </a:extLst>
+          </p:cNvPr>
+          <p:cNvSpPr/>
+          <p:nvPr/>
+        </p:nvSpPr>
+        <p:spPr>
+          <a:xfrm>
+            <a:off x="3479065" y="4239174"/>
+            <a:ext cx="144000" cy="144000"/>
+          </a:xfrm>
+          <a:prstGeom prst="ellipse">
+            <a:avLst/>
+          </a:prstGeom>
+          <a:solidFill>
+            <a:schemeClr val="accent4">
+              <a:lumMod val="60000"/>
+              <a:lumOff val="40000"/>
+            </a:schemeClr>
+          </a:solidFill>
+        </p:spPr>
+        <p:style>
+          <a:lnRef idx="2">
+            <a:schemeClr val="accent1">
+              <a:shade val="50000"/>
+            </a:schemeClr>
+          </a:lnRef>
+          <a:fillRef idx="1">
+            <a:schemeClr val="accent1"/>
+          </a:fillRef>
+          <a:effectRef idx="0">
+            <a:schemeClr val="accent1"/>
+          </a:effectRef>
+          <a:fontRef idx="minor">
+            <a:schemeClr val="lt1"/>
+          </a:fontRef>
+        </p:style>
+        <p:txBody>
+          <a:bodyPr rtlCol="0" anchor="ctr"/>
+          <a:lstStyle/>
+          <a:p>
+            <a:pPr algn="ctr"/>
+            <a:endParaRPr lang="es-ES"/>
+          </a:p>
+        </p:txBody>
+      </p:sp>
+      <p:cxnSp>
+        <p:nvCxnSpPr>
+          <p:cNvPr id="58" name="Conector recto 57">
+            <a:extLst>
+              <a:ext uri="{FF2B5EF4-FFF2-40B4-BE49-F238E27FC236}">
+                <a16:creationId xmlns:a16="http://schemas.microsoft.com/office/drawing/2014/main" id="{15525BA1-0F25-483A-9CEA-C13F90B36C09}"/>
+              </a:ext>
+            </a:extLst>
+          </p:cNvPr>
+          <p:cNvCxnSpPr/>
+          <p:nvPr/>
+        </p:nvCxnSpPr>
+        <p:spPr>
+          <a:xfrm>
+            <a:off x="7680329" y="4301649"/>
+            <a:ext cx="468000" cy="0"/>
+          </a:xfrm>
+          <a:prstGeom prst="line">
+            <a:avLst/>
+          </a:prstGeom>
+          <a:ln w="19050">
+            <a:solidFill>
+              <a:schemeClr val="accent1"/>
+            </a:solidFill>
+          </a:ln>
+        </p:spPr>
+        <p:style>
+          <a:lnRef idx="1">
+            <a:schemeClr val="accent1"/>
+          </a:lnRef>
+          <a:fillRef idx="0">
+            <a:schemeClr val="accent1"/>
+          </a:fillRef>
+          <a:effectRef idx="0">
+            <a:schemeClr val="accent1"/>
+          </a:effectRef>
+          <a:fontRef idx="minor">
+            <a:schemeClr val="tx1"/>
+          </a:fontRef>
+        </p:style>
+      </p:cxnSp>
+      <p:sp>
+        <p:nvSpPr>
+          <p:cNvPr id="10" name="Elipse 9">
+            <a:extLst>
+              <a:ext uri="{FF2B5EF4-FFF2-40B4-BE49-F238E27FC236}">
+                <a16:creationId xmlns:a16="http://schemas.microsoft.com/office/drawing/2014/main" id="{6CAA1851-E736-427E-891B-8B5F3C9E19B1}"/>
+              </a:ext>
+            </a:extLst>
+          </p:cNvPr>
+          <p:cNvSpPr/>
+          <p:nvPr/>
+        </p:nvSpPr>
+        <p:spPr>
+          <a:xfrm>
+            <a:off x="8151249" y="4239174"/>
+            <a:ext cx="144000" cy="144000"/>
+          </a:xfrm>
+          <a:prstGeom prst="ellipse">
+            <a:avLst/>
+          </a:prstGeom>
+          <a:solidFill>
+            <a:schemeClr val="accent4">
+              <a:lumMod val="60000"/>
+              <a:lumOff val="40000"/>
+            </a:schemeClr>
+          </a:solidFill>
+        </p:spPr>
+        <p:style>
+          <a:lnRef idx="2">
+            <a:schemeClr val="accent1">
+              <a:shade val="50000"/>
+            </a:schemeClr>
+          </a:lnRef>
+          <a:fillRef idx="1">
+            <a:schemeClr val="accent1"/>
+          </a:fillRef>
+          <a:effectRef idx="0">
+            <a:schemeClr val="accent1"/>
+          </a:effectRef>
+          <a:fontRef idx="minor">
+            <a:schemeClr val="lt1"/>
+          </a:fontRef>
+        </p:style>
+        <p:txBody>
+          <a:bodyPr rtlCol="0" anchor="ctr"/>
+          <a:lstStyle/>
+          <a:p>
+            <a:pPr algn="ctr"/>
+            <a:endParaRPr lang="es-ES"/>
+          </a:p>
+        </p:txBody>
+      </p:sp>
+      <p:sp>
+        <p:nvSpPr>
+          <p:cNvPr id="68" name="Flecha: a la derecha 67">
+            <a:extLst>
+              <a:ext uri="{FF2B5EF4-FFF2-40B4-BE49-F238E27FC236}">
+                <a16:creationId xmlns:a16="http://schemas.microsoft.com/office/drawing/2014/main" id="{B4A64CB9-41B9-449A-88CA-44462C36F935}"/>
+              </a:ext>
+            </a:extLst>
+          </p:cNvPr>
+          <p:cNvSpPr/>
+          <p:nvPr/>
+        </p:nvSpPr>
+        <p:spPr>
+          <a:xfrm flipH="1">
+            <a:off x="5928877" y="3813414"/>
+            <a:ext cx="695362" cy="239700"/>
+          </a:xfrm>
+          <a:prstGeom prst="rightArrow">
+            <a:avLst>
+              <a:gd name="adj1" fmla="val 0"/>
+              <a:gd name="adj2" fmla="val 87181"/>
+            </a:avLst>
+          </a:prstGeom>
+          <a:solidFill>
+            <a:schemeClr val="accent5">
+              <a:lumMod val="60000"/>
+              <a:lumOff val="40000"/>
+            </a:schemeClr>
+          </a:solidFill>
+          <a:ln>
+            <a:solidFill>
+              <a:schemeClr val="accent1"/>
+            </a:solidFill>
+          </a:ln>
+        </p:spPr>
+        <p:style>
+          <a:lnRef idx="2">
+            <a:schemeClr val="accent1">
+              <a:shade val="50000"/>
+            </a:schemeClr>
+          </a:lnRef>
+          <a:fillRef idx="1">
+            <a:schemeClr val="accent1"/>
+          </a:fillRef>
+          <a:effectRef idx="0">
+            <a:schemeClr val="accent1"/>
+          </a:effectRef>
+          <a:fontRef idx="minor">
+            <a:schemeClr val="lt1"/>
+          </a:fontRef>
+        </p:style>
+        <p:txBody>
+          <a:bodyPr rtlCol="0" anchor="ctr"/>
+          <a:lstStyle/>
+          <a:p>
+            <a:pPr algn="ctr"/>
+            <a:endParaRPr lang="es-ES"/>
+          </a:p>
+        </p:txBody>
+      </p:sp>
+      <p:sp>
+        <p:nvSpPr>
+          <p:cNvPr id="66" name="Flecha: a la derecha 65">
+            <a:extLst>
+              <a:ext uri="{FF2B5EF4-FFF2-40B4-BE49-F238E27FC236}">
+                <a16:creationId xmlns:a16="http://schemas.microsoft.com/office/drawing/2014/main" id="{CE05AE11-3C62-4D6C-8359-1A225B5D9EC6}"/>
+              </a:ext>
+            </a:extLst>
+          </p:cNvPr>
+          <p:cNvSpPr/>
+          <p:nvPr/>
+        </p:nvSpPr>
+        <p:spPr>
+          <a:xfrm>
+            <a:off x="4849280" y="4191324"/>
+            <a:ext cx="695362" cy="239700"/>
+          </a:xfrm>
+          <a:prstGeom prst="rightArrow">
+            <a:avLst>
+              <a:gd name="adj1" fmla="val 0"/>
+              <a:gd name="adj2" fmla="val 87181"/>
+            </a:avLst>
+          </a:prstGeom>
+          <a:solidFill>
+            <a:schemeClr val="accent6">
+              <a:lumMod val="75000"/>
+            </a:schemeClr>
+          </a:solidFill>
+          <a:ln>
+            <a:solidFill>
+              <a:srgbClr val="428479"/>
+            </a:solidFill>
+          </a:ln>
+        </p:spPr>
+        <p:style>
+          <a:lnRef idx="2">
+            <a:schemeClr val="accent1">
+              <a:shade val="50000"/>
+            </a:schemeClr>
+          </a:lnRef>
+          <a:fillRef idx="1">
+            <a:schemeClr val="accent1"/>
+          </a:fillRef>
+          <a:effectRef idx="0">
+            <a:schemeClr val="accent1"/>
+          </a:effectRef>
+          <a:fontRef idx="minor">
+            <a:schemeClr val="lt1"/>
+          </a:fontRef>
+        </p:style>
+        <p:txBody>
+          <a:bodyPr rtlCol="0" anchor="ctr"/>
+          <a:lstStyle/>
+          <a:p>
+            <a:pPr algn="ctr"/>
+            <a:endParaRPr lang="es-ES"/>
+          </a:p>
+        </p:txBody>
+      </p:sp>
+      <p:sp>
+        <p:nvSpPr>
+          <p:cNvPr id="67" name="Flecha: a la derecha 66">
+            <a:extLst>
+              <a:ext uri="{FF2B5EF4-FFF2-40B4-BE49-F238E27FC236}">
+                <a16:creationId xmlns:a16="http://schemas.microsoft.com/office/drawing/2014/main" id="{3A21C75D-25FB-461E-ADEA-E9739BE2935C}"/>
+              </a:ext>
+            </a:extLst>
+          </p:cNvPr>
+          <p:cNvSpPr/>
+          <p:nvPr/>
+        </p:nvSpPr>
+        <p:spPr>
+          <a:xfrm>
+            <a:off x="6205130" y="4191324"/>
+            <a:ext cx="695362" cy="239700"/>
+          </a:xfrm>
+          <a:prstGeom prst="rightArrow">
+            <a:avLst>
+              <a:gd name="adj1" fmla="val 0"/>
+              <a:gd name="adj2" fmla="val 87181"/>
+            </a:avLst>
+          </a:prstGeom>
+          <a:solidFill>
+            <a:schemeClr val="accent6">
+              <a:lumMod val="75000"/>
+            </a:schemeClr>
+          </a:solidFill>
+          <a:ln>
+            <a:solidFill>
+              <a:srgbClr val="428479"/>
+            </a:solidFill>
+          </a:ln>
+        </p:spPr>
+        <p:style>
+          <a:lnRef idx="2">
+            <a:schemeClr val="accent1">
+              <a:shade val="50000"/>
+            </a:schemeClr>
+          </a:lnRef>
+          <a:fillRef idx="1">
+            <a:schemeClr val="accent1"/>
+          </a:fillRef>
+          <a:effectRef idx="0">
+            <a:schemeClr val="accent1"/>
+          </a:effectRef>
+          <a:fontRef idx="minor">
+            <a:schemeClr val="lt1"/>
+          </a:fontRef>
+        </p:style>
+        <p:txBody>
+          <a:bodyPr rtlCol="0" anchor="ctr"/>
+          <a:lstStyle/>
+          <a:p>
+            <a:pPr algn="ctr"/>
+            <a:endParaRPr lang="es-ES"/>
+          </a:p>
+        </p:txBody>
+      </p:sp>
+    </p:spTree>
+    <p:extLst>
+      <p:ext uri="{BB962C8B-B14F-4D97-AF65-F5344CB8AC3E}">
+        <p14:creationId xmlns:p14="http://schemas.microsoft.com/office/powerpoint/2010/main" val="2634334257"/>
+      </p:ext>
+    </p:extLst>
+  </p:cSld>
+  <p:clrMapOvr>
+    <a:masterClrMapping/>
+  </p:clrMapOvr>
+</p:sld>
+</file>
+
+<file path=ppt/slides/slide4.xml><?xml version="1.0" encoding="utf-8"?>
+<p:sld xmlns:a="http://schemas.openxmlformats.org/drawingml/2006/main" xmlns:r="http://schemas.openxmlformats.org/officeDocument/2006/relationships" xmlns:p="http://schemas.openxmlformats.org/presentationml/2006/main">
+  <p:cSld>
+    <p:spTree>
+      <p:nvGrpSpPr>
+        <p:cNvPr id="1" name=""/>
+        <p:cNvGrpSpPr/>
+        <p:nvPr/>
+      </p:nvGrpSpPr>
+      <p:grpSpPr>
+        <a:xfrm>
+          <a:off x="0" y="0"/>
+          <a:ext cx="0" cy="0"/>
+          <a:chOff x="0" y="0"/>
+          <a:chExt cx="0" cy="0"/>
+        </a:xfrm>
+      </p:grpSpPr>
+      <p:pic>
+        <p:nvPicPr>
+          <p:cNvPr id="42" name="Imagen 41">
+            <a:extLst>
+              <a:ext uri="{FF2B5EF4-FFF2-40B4-BE49-F238E27FC236}">
+                <a16:creationId xmlns:a16="http://schemas.microsoft.com/office/drawing/2014/main" id="{BF9206E8-53B8-4390-BCE8-30DFE1C28C47}"/>
+              </a:ext>
+            </a:extLst>
+          </p:cNvPr>
+          <p:cNvPicPr>
+            <a:picLocks noChangeAspect="1"/>
+          </p:cNvPicPr>
+          <p:nvPr/>
+        </p:nvPicPr>
+        <p:blipFill>
+          <a:blip r:embed="rId2">
+            <a:alphaModFix amt="20000"/>
+          </a:blip>
+          <a:stretch>
+            <a:fillRect/>
+          </a:stretch>
+        </p:blipFill>
+        <p:spPr>
+          <a:xfrm>
+            <a:off x="2628900" y="723900"/>
+            <a:ext cx="6934200" cy="5410200"/>
+          </a:xfrm>
+          <a:prstGeom prst="rect">
+            <a:avLst/>
+          </a:prstGeom>
+        </p:spPr>
+      </p:pic>
+      <p:cxnSp>
+        <p:nvCxnSpPr>
+          <p:cNvPr id="55" name="Conector recto 54">
+            <a:extLst>
+              <a:ext uri="{FF2B5EF4-FFF2-40B4-BE49-F238E27FC236}">
+                <a16:creationId xmlns:a16="http://schemas.microsoft.com/office/drawing/2014/main" id="{8EF152B4-FB26-49E5-B0A1-F9EAD9ADC745}"/>
+              </a:ext>
+            </a:extLst>
+          </p:cNvPr>
+          <p:cNvCxnSpPr/>
+          <p:nvPr/>
+        </p:nvCxnSpPr>
+        <p:spPr>
+          <a:xfrm>
+            <a:off x="3624552" y="4320699"/>
+            <a:ext cx="801403" cy="0"/>
+          </a:xfrm>
+          <a:prstGeom prst="line">
+            <a:avLst/>
+          </a:prstGeom>
+          <a:ln w="19050">
+            <a:solidFill>
+              <a:srgbClr val="428479"/>
+            </a:solidFill>
+          </a:ln>
+        </p:spPr>
+        <p:style>
+          <a:lnRef idx="1">
+            <a:schemeClr val="accent1"/>
+          </a:lnRef>
+          <a:fillRef idx="0">
+            <a:schemeClr val="accent1"/>
+          </a:fillRef>
+          <a:effectRef idx="0">
+            <a:schemeClr val="accent1"/>
+          </a:effectRef>
+          <a:fontRef idx="minor">
+            <a:schemeClr val="tx1"/>
+          </a:fontRef>
+        </p:style>
+      </p:cxnSp>
+      <p:cxnSp>
+        <p:nvCxnSpPr>
+          <p:cNvPr id="59" name="Conector recto 58">
+            <a:extLst>
+              <a:ext uri="{FF2B5EF4-FFF2-40B4-BE49-F238E27FC236}">
+                <a16:creationId xmlns:a16="http://schemas.microsoft.com/office/drawing/2014/main" id="{5B8A0979-89E6-4CC2-8ADC-DBF4B4A41F13}"/>
+              </a:ext>
+            </a:extLst>
+          </p:cNvPr>
+          <p:cNvCxnSpPr/>
+          <p:nvPr/>
+        </p:nvCxnSpPr>
+        <p:spPr>
+          <a:xfrm>
+            <a:off x="7680329" y="4320699"/>
+            <a:ext cx="468000" cy="0"/>
+          </a:xfrm>
+          <a:prstGeom prst="line">
+            <a:avLst/>
+          </a:prstGeom>
+          <a:ln w="19050">
+            <a:solidFill>
+              <a:srgbClr val="428479"/>
+            </a:solidFill>
+          </a:ln>
+        </p:spPr>
+        <p:style>
+          <a:lnRef idx="1">
+            <a:schemeClr val="accent1"/>
+          </a:lnRef>
+          <a:fillRef idx="0">
+            <a:schemeClr val="accent1"/>
+          </a:fillRef>
+          <a:effectRef idx="0">
+            <a:schemeClr val="accent1"/>
+          </a:effectRef>
+          <a:fontRef idx="minor">
+            <a:schemeClr val="tx1"/>
+          </a:fontRef>
+        </p:style>
+      </p:cxnSp>
+      <p:cxnSp>
+        <p:nvCxnSpPr>
+          <p:cNvPr id="5" name="Conector recto 4">
+            <a:extLst>
+              <a:ext uri="{FF2B5EF4-FFF2-40B4-BE49-F238E27FC236}">
+                <a16:creationId xmlns:a16="http://schemas.microsoft.com/office/drawing/2014/main" id="{F2D939EB-6288-44DB-B576-9416723FAFFD}"/>
+              </a:ext>
+            </a:extLst>
+          </p:cNvPr>
+          <p:cNvCxnSpPr>
+            <a:cxnSpLocks/>
+            <a:stCxn id="4" idx="6"/>
+          </p:cNvCxnSpPr>
+          <p:nvPr/>
+        </p:nvCxnSpPr>
+        <p:spPr>
+          <a:xfrm>
+            <a:off x="4567734" y="4311174"/>
+            <a:ext cx="3047612" cy="1272"/>
+          </a:xfrm>
+          <a:prstGeom prst="line">
+            <a:avLst/>
+          </a:prstGeom>
+          <a:ln w="38100">
+            <a:solidFill>
+              <a:srgbClr val="428479"/>
+            </a:solidFill>
+          </a:ln>
+        </p:spPr>
+        <p:style>
+          <a:lnRef idx="1">
+            <a:schemeClr val="accent1"/>
+          </a:lnRef>
+          <a:fillRef idx="0">
+            <a:schemeClr val="accent1"/>
+          </a:fillRef>
+          <a:effectRef idx="0">
+            <a:schemeClr val="accent1"/>
+          </a:effectRef>
+          <a:fontRef idx="minor">
+            <a:schemeClr val="tx1"/>
+          </a:fontRef>
+        </p:style>
+      </p:cxnSp>
+      <p:cxnSp>
+        <p:nvCxnSpPr>
+          <p:cNvPr id="13" name="Conector recto 12">
+            <a:extLst>
+              <a:ext uri="{FF2B5EF4-FFF2-40B4-BE49-F238E27FC236}">
+                <a16:creationId xmlns:a16="http://schemas.microsoft.com/office/drawing/2014/main" id="{18EA2F74-30A9-46E7-8273-3DC30763DE4F}"/>
+              </a:ext>
+            </a:extLst>
+          </p:cNvPr>
+          <p:cNvCxnSpPr>
+            <a:cxnSpLocks/>
+            <a:endCxn id="46" idx="2"/>
+          </p:cNvCxnSpPr>
+          <p:nvPr/>
+        </p:nvCxnSpPr>
+        <p:spPr>
+          <a:xfrm flipV="1">
+            <a:off x="5076825" y="3936723"/>
+            <a:ext cx="1910222" cy="2976"/>
+          </a:xfrm>
+          <a:prstGeom prst="line">
+            <a:avLst/>
+          </a:prstGeom>
+          <a:ln w="38100">
+            <a:solidFill>
+              <a:schemeClr val="accent1"/>
+            </a:solidFill>
+          </a:ln>
+        </p:spPr>
+        <p:style>
+          <a:lnRef idx="1">
+            <a:schemeClr val="accent1"/>
+          </a:lnRef>
+          <a:fillRef idx="0">
+            <a:schemeClr val="accent1"/>
+          </a:fillRef>
+          <a:effectRef idx="0">
+            <a:schemeClr val="accent1"/>
+          </a:effectRef>
+          <a:fontRef idx="minor">
+            <a:schemeClr val="tx1"/>
+          </a:fontRef>
+        </p:style>
+      </p:cxnSp>
+      <p:cxnSp>
+        <p:nvCxnSpPr>
+          <p:cNvPr id="14" name="Conector recto 13">
+            <a:extLst>
+              <a:ext uri="{FF2B5EF4-FFF2-40B4-BE49-F238E27FC236}">
+                <a16:creationId xmlns:a16="http://schemas.microsoft.com/office/drawing/2014/main" id="{7D985ACF-4A1B-47B2-A59E-91A175778F6A}"/>
+              </a:ext>
+            </a:extLst>
+          </p:cNvPr>
+          <p:cNvCxnSpPr>
+            <a:cxnSpLocks/>
+            <a:stCxn id="4" idx="7"/>
+            <a:endCxn id="27" idx="2"/>
+          </p:cNvCxnSpPr>
+          <p:nvPr/>
+        </p:nvCxnSpPr>
+        <p:spPr>
+          <a:xfrm flipV="1">
+            <a:off x="4546646" y="3939835"/>
+            <a:ext cx="530179" cy="320427"/>
+          </a:xfrm>
+          <a:prstGeom prst="line">
+            <a:avLst/>
+          </a:prstGeom>
+          <a:ln w="38100">
+            <a:solidFill>
+              <a:schemeClr val="accent1"/>
+            </a:solidFill>
+          </a:ln>
+        </p:spPr>
+        <p:style>
+          <a:lnRef idx="1">
+            <a:schemeClr val="accent1"/>
+          </a:lnRef>
+          <a:fillRef idx="0">
+            <a:schemeClr val="accent1"/>
+          </a:fillRef>
+          <a:effectRef idx="0">
+            <a:schemeClr val="accent1"/>
+          </a:effectRef>
+          <a:fontRef idx="minor">
+            <a:schemeClr val="tx1"/>
+          </a:fontRef>
+        </p:style>
+      </p:cxnSp>
+      <p:sp>
+        <p:nvSpPr>
+          <p:cNvPr id="27" name="Elipse 26">
+            <a:extLst>
+              <a:ext uri="{FF2B5EF4-FFF2-40B4-BE49-F238E27FC236}">
+                <a16:creationId xmlns:a16="http://schemas.microsoft.com/office/drawing/2014/main" id="{E96BF921-A172-42C7-9D64-A5EAE60665A8}"/>
+              </a:ext>
+            </a:extLst>
+          </p:cNvPr>
+          <p:cNvSpPr/>
+          <p:nvPr/>
+        </p:nvSpPr>
+        <p:spPr>
+          <a:xfrm>
+            <a:off x="5076825" y="3885835"/>
+            <a:ext cx="108000" cy="108000"/>
+          </a:xfrm>
+          <a:prstGeom prst="ellipse">
+            <a:avLst/>
+          </a:prstGeom>
+          <a:solidFill>
+            <a:schemeClr val="accent5">
+              <a:lumMod val="60000"/>
+              <a:lumOff val="40000"/>
+            </a:schemeClr>
+          </a:solidFill>
+          <a:ln>
+            <a:solidFill>
+              <a:srgbClr val="0070C0"/>
+            </a:solidFill>
+          </a:ln>
+        </p:spPr>
+        <p:style>
+          <a:lnRef idx="2">
+            <a:schemeClr val="accent1">
+              <a:shade val="50000"/>
+            </a:schemeClr>
+          </a:lnRef>
+          <a:fillRef idx="1">
+            <a:schemeClr val="accent1"/>
+          </a:fillRef>
+          <a:effectRef idx="0">
+            <a:schemeClr val="accent1"/>
+          </a:effectRef>
+          <a:fontRef idx="minor">
+            <a:schemeClr val="lt1"/>
+          </a:fontRef>
+        </p:style>
+        <p:txBody>
+          <a:bodyPr rtlCol="0" anchor="ctr"/>
+          <a:lstStyle/>
+          <a:p>
+            <a:pPr algn="ctr"/>
+            <a:endParaRPr lang="es-ES"/>
+          </a:p>
+        </p:txBody>
+      </p:sp>
+      <p:sp>
+        <p:nvSpPr>
+          <p:cNvPr id="28" name="Elipse 27">
+            <a:extLst>
+              <a:ext uri="{FF2B5EF4-FFF2-40B4-BE49-F238E27FC236}">
+                <a16:creationId xmlns:a16="http://schemas.microsoft.com/office/drawing/2014/main" id="{D5F66B02-563E-4D17-8A77-7593C5DAA88C}"/>
+              </a:ext>
+            </a:extLst>
+          </p:cNvPr>
+          <p:cNvSpPr/>
+          <p:nvPr/>
+        </p:nvSpPr>
+        <p:spPr>
+          <a:xfrm>
+            <a:off x="7569154" y="4260262"/>
+            <a:ext cx="108000" cy="108000"/>
+          </a:xfrm>
+          <a:prstGeom prst="ellipse">
+            <a:avLst/>
+          </a:prstGeom>
+          <a:solidFill>
+            <a:schemeClr val="accent6">
+              <a:lumMod val="75000"/>
+            </a:schemeClr>
+          </a:solidFill>
+          <a:ln>
+            <a:solidFill>
+              <a:schemeClr val="accent6">
+                <a:lumMod val="60000"/>
+                <a:lumOff val="40000"/>
+              </a:schemeClr>
+            </a:solidFill>
+          </a:ln>
+        </p:spPr>
+        <p:style>
+          <a:lnRef idx="2">
+            <a:schemeClr val="accent1">
+              <a:shade val="50000"/>
+            </a:schemeClr>
+          </a:lnRef>
+          <a:fillRef idx="1">
+            <a:schemeClr val="accent1"/>
+          </a:fillRef>
+          <a:effectRef idx="0">
+            <a:schemeClr val="accent1"/>
+          </a:effectRef>
+          <a:fontRef idx="minor">
+            <a:schemeClr val="lt1"/>
+          </a:fontRef>
+        </p:style>
+        <p:txBody>
+          <a:bodyPr rtlCol="0" anchor="ctr"/>
+          <a:lstStyle/>
+          <a:p>
+            <a:pPr algn="ctr"/>
+            <a:endParaRPr lang="es-ES"/>
+          </a:p>
+        </p:txBody>
+      </p:sp>
+      <p:sp>
+        <p:nvSpPr>
+          <p:cNvPr id="40" name="CuadroTexto 39">
+            <a:extLst>
+              <a:ext uri="{FF2B5EF4-FFF2-40B4-BE49-F238E27FC236}">
+                <a16:creationId xmlns:a16="http://schemas.microsoft.com/office/drawing/2014/main" id="{BC391A74-93B0-4394-A365-B0074DB473D3}"/>
+              </a:ext>
+            </a:extLst>
+          </p:cNvPr>
+          <p:cNvSpPr txBox="1"/>
+          <p:nvPr/>
+        </p:nvSpPr>
+        <p:spPr>
+          <a:xfrm>
+            <a:off x="6873646" y="352425"/>
+            <a:ext cx="2689454" cy="369332"/>
+          </a:xfrm>
+          <a:prstGeom prst="rect">
+            <a:avLst/>
+          </a:prstGeom>
+          <a:noFill/>
+        </p:spPr>
+        <p:txBody>
+          <a:bodyPr wrap="none" rtlCol="0">
+            <a:spAutoFit/>
+          </a:bodyPr>
+          <a:lstStyle/>
+          <a:p>
+            <a:r>
+              <a:rPr lang="es-ES"/>
+              <a:t>Transporte urbano de Rubí</a:t>
+            </a:r>
+          </a:p>
+        </p:txBody>
+      </p:sp>
+      <p:cxnSp>
+        <p:nvCxnSpPr>
+          <p:cNvPr id="45" name="Conector recto 44">
+            <a:extLst>
+              <a:ext uri="{FF2B5EF4-FFF2-40B4-BE49-F238E27FC236}">
+                <a16:creationId xmlns:a16="http://schemas.microsoft.com/office/drawing/2014/main" id="{1CC32BA5-3B8B-4E7D-BA1B-74CF334AEBB1}"/>
+              </a:ext>
+            </a:extLst>
+          </p:cNvPr>
+          <p:cNvCxnSpPr>
+            <a:cxnSpLocks/>
+            <a:stCxn id="28" idx="1"/>
+            <a:endCxn id="46" idx="6"/>
+          </p:cNvCxnSpPr>
+          <p:nvPr/>
+        </p:nvCxnSpPr>
+        <p:spPr>
+          <a:xfrm flipH="1" flipV="1">
+            <a:off x="7095047" y="3936723"/>
+            <a:ext cx="489923" cy="339355"/>
+          </a:xfrm>
+          <a:prstGeom prst="line">
+            <a:avLst/>
+          </a:prstGeom>
+          <a:ln w="38100">
+            <a:solidFill>
+              <a:schemeClr val="accent1"/>
+            </a:solidFill>
+          </a:ln>
+        </p:spPr>
+        <p:style>
+          <a:lnRef idx="1">
+            <a:schemeClr val="accent1"/>
+          </a:lnRef>
+          <a:fillRef idx="0">
+            <a:schemeClr val="accent1"/>
+          </a:fillRef>
+          <a:effectRef idx="0">
+            <a:schemeClr val="accent1"/>
+          </a:effectRef>
+          <a:fontRef idx="minor">
+            <a:schemeClr val="tx1"/>
+          </a:fontRef>
+        </p:style>
+      </p:cxnSp>
+      <p:sp>
+        <p:nvSpPr>
+          <p:cNvPr id="46" name="Elipse 45">
+            <a:extLst>
+              <a:ext uri="{FF2B5EF4-FFF2-40B4-BE49-F238E27FC236}">
+                <a16:creationId xmlns:a16="http://schemas.microsoft.com/office/drawing/2014/main" id="{E96BAD64-012C-4C71-8245-503DBEA2F866}"/>
+              </a:ext>
+            </a:extLst>
+          </p:cNvPr>
+          <p:cNvSpPr/>
+          <p:nvPr/>
+        </p:nvSpPr>
+        <p:spPr>
+          <a:xfrm>
+            <a:off x="6987047" y="3882723"/>
+            <a:ext cx="108000" cy="108000"/>
+          </a:xfrm>
+          <a:prstGeom prst="ellipse">
+            <a:avLst/>
+          </a:prstGeom>
+          <a:solidFill>
+            <a:schemeClr val="accent5">
+              <a:lumMod val="60000"/>
+              <a:lumOff val="40000"/>
+            </a:schemeClr>
+          </a:solidFill>
+          <a:ln>
+            <a:solidFill>
+              <a:srgbClr val="0070C0"/>
+            </a:solidFill>
+          </a:ln>
+        </p:spPr>
+        <p:style>
+          <a:lnRef idx="2">
+            <a:schemeClr val="accent1">
+              <a:shade val="50000"/>
+            </a:schemeClr>
+          </a:lnRef>
+          <a:fillRef idx="1">
+            <a:schemeClr val="accent1"/>
+          </a:fillRef>
+          <a:effectRef idx="0">
+            <a:schemeClr val="accent1"/>
+          </a:effectRef>
+          <a:fontRef idx="minor">
+            <a:schemeClr val="lt1"/>
+          </a:fontRef>
+        </p:style>
+        <p:txBody>
+          <a:bodyPr rtlCol="0" anchor="ctr"/>
+          <a:lstStyle/>
+          <a:p>
+            <a:pPr algn="ctr"/>
+            <a:endParaRPr lang="es-ES"/>
+          </a:p>
+        </p:txBody>
+      </p:sp>
+      <p:cxnSp>
+        <p:nvCxnSpPr>
+          <p:cNvPr id="54" name="Conector recto 53">
+            <a:extLst>
+              <a:ext uri="{FF2B5EF4-FFF2-40B4-BE49-F238E27FC236}">
+                <a16:creationId xmlns:a16="http://schemas.microsoft.com/office/drawing/2014/main" id="{9ABE7EDF-F0E8-44E4-8F11-2E4B68A91541}"/>
+              </a:ext>
+            </a:extLst>
+          </p:cNvPr>
+          <p:cNvCxnSpPr/>
+          <p:nvPr/>
+        </p:nvCxnSpPr>
+        <p:spPr>
+          <a:xfrm>
+            <a:off x="3624552" y="4301649"/>
+            <a:ext cx="801403" cy="0"/>
+          </a:xfrm>
+          <a:prstGeom prst="line">
+            <a:avLst/>
+          </a:prstGeom>
+          <a:ln w="19050">
+            <a:solidFill>
+              <a:schemeClr val="accent1"/>
+            </a:solidFill>
+          </a:ln>
+        </p:spPr>
+        <p:style>
+          <a:lnRef idx="1">
+            <a:schemeClr val="accent1"/>
+          </a:lnRef>
+          <a:fillRef idx="0">
+            <a:schemeClr val="accent1"/>
+          </a:fillRef>
+          <a:effectRef idx="0">
+            <a:schemeClr val="accent1"/>
+          </a:effectRef>
+          <a:fontRef idx="minor">
+            <a:schemeClr val="tx1"/>
+          </a:fontRef>
+        </p:style>
+      </p:cxnSp>
+      <p:sp>
+        <p:nvSpPr>
+          <p:cNvPr id="4" name="Elipse 3">
+            <a:extLst>
+              <a:ext uri="{FF2B5EF4-FFF2-40B4-BE49-F238E27FC236}">
+                <a16:creationId xmlns:a16="http://schemas.microsoft.com/office/drawing/2014/main" id="{9236991A-A978-42AF-830A-DE2C1D52F5E6}"/>
+              </a:ext>
+            </a:extLst>
+          </p:cNvPr>
+          <p:cNvSpPr/>
+          <p:nvPr/>
+        </p:nvSpPr>
+        <p:spPr>
+          <a:xfrm>
+            <a:off x="4423734" y="4239174"/>
+            <a:ext cx="144000" cy="144000"/>
+          </a:xfrm>
+          <a:prstGeom prst="ellipse">
+            <a:avLst/>
+          </a:prstGeom>
+          <a:solidFill>
+            <a:schemeClr val="accent4">
+              <a:lumMod val="60000"/>
+              <a:lumOff val="40000"/>
+            </a:schemeClr>
+          </a:solidFill>
+        </p:spPr>
+        <p:style>
+          <a:lnRef idx="2">
+            <a:schemeClr val="accent1">
+              <a:shade val="50000"/>
+            </a:schemeClr>
+          </a:lnRef>
+          <a:fillRef idx="1">
+            <a:schemeClr val="accent1"/>
+          </a:fillRef>
+          <a:effectRef idx="0">
+            <a:schemeClr val="accent1"/>
+          </a:effectRef>
+          <a:fontRef idx="minor">
+            <a:schemeClr val="lt1"/>
+          </a:fontRef>
+        </p:style>
+        <p:txBody>
+          <a:bodyPr rtlCol="0" anchor="ctr"/>
+          <a:lstStyle/>
+          <a:p>
+            <a:pPr algn="ctr"/>
+            <a:endParaRPr lang="es-ES"/>
+          </a:p>
+        </p:txBody>
+      </p:sp>
+      <p:sp>
+        <p:nvSpPr>
+          <p:cNvPr id="38" name="Elipse 37">
+            <a:extLst>
+              <a:ext uri="{FF2B5EF4-FFF2-40B4-BE49-F238E27FC236}">
+                <a16:creationId xmlns:a16="http://schemas.microsoft.com/office/drawing/2014/main" id="{A05398E5-AA1C-44C5-8F21-66E6D7B710B2}"/>
+              </a:ext>
+            </a:extLst>
+          </p:cNvPr>
+          <p:cNvSpPr/>
+          <p:nvPr/>
+        </p:nvSpPr>
+        <p:spPr>
+          <a:xfrm>
+            <a:off x="3479065" y="4239174"/>
+            <a:ext cx="144000" cy="144000"/>
+          </a:xfrm>
+          <a:prstGeom prst="ellipse">
+            <a:avLst/>
+          </a:prstGeom>
+          <a:solidFill>
+            <a:schemeClr val="accent4">
+              <a:lumMod val="60000"/>
+              <a:lumOff val="40000"/>
+            </a:schemeClr>
+          </a:solidFill>
+        </p:spPr>
+        <p:style>
+          <a:lnRef idx="2">
+            <a:schemeClr val="accent1">
+              <a:shade val="50000"/>
+            </a:schemeClr>
+          </a:lnRef>
+          <a:fillRef idx="1">
+            <a:schemeClr val="accent1"/>
+          </a:fillRef>
+          <a:effectRef idx="0">
+            <a:schemeClr val="accent1"/>
+          </a:effectRef>
+          <a:fontRef idx="minor">
+            <a:schemeClr val="lt1"/>
+          </a:fontRef>
+        </p:style>
+        <p:txBody>
+          <a:bodyPr rtlCol="0" anchor="ctr"/>
+          <a:lstStyle/>
+          <a:p>
+            <a:pPr algn="ctr"/>
+            <a:endParaRPr lang="es-ES"/>
+          </a:p>
+        </p:txBody>
+      </p:sp>
+      <p:cxnSp>
+        <p:nvCxnSpPr>
+          <p:cNvPr id="58" name="Conector recto 57">
+            <a:extLst>
+              <a:ext uri="{FF2B5EF4-FFF2-40B4-BE49-F238E27FC236}">
+                <a16:creationId xmlns:a16="http://schemas.microsoft.com/office/drawing/2014/main" id="{15525BA1-0F25-483A-9CEA-C13F90B36C09}"/>
+              </a:ext>
+            </a:extLst>
+          </p:cNvPr>
+          <p:cNvCxnSpPr/>
+          <p:nvPr/>
+        </p:nvCxnSpPr>
+        <p:spPr>
+          <a:xfrm>
+            <a:off x="7680329" y="4301649"/>
+            <a:ext cx="468000" cy="0"/>
+          </a:xfrm>
+          <a:prstGeom prst="line">
+            <a:avLst/>
+          </a:prstGeom>
+          <a:ln w="19050">
+            <a:solidFill>
+              <a:schemeClr val="accent1"/>
+            </a:solidFill>
+          </a:ln>
+        </p:spPr>
+        <p:style>
+          <a:lnRef idx="1">
+            <a:schemeClr val="accent1"/>
+          </a:lnRef>
+          <a:fillRef idx="0">
+            <a:schemeClr val="accent1"/>
+          </a:fillRef>
+          <a:effectRef idx="0">
+            <a:schemeClr val="accent1"/>
+          </a:effectRef>
+          <a:fontRef idx="minor">
+            <a:schemeClr val="tx1"/>
+          </a:fontRef>
+        </p:style>
+      </p:cxnSp>
+      <p:sp>
+        <p:nvSpPr>
+          <p:cNvPr id="10" name="Elipse 9">
+            <a:extLst>
+              <a:ext uri="{FF2B5EF4-FFF2-40B4-BE49-F238E27FC236}">
+                <a16:creationId xmlns:a16="http://schemas.microsoft.com/office/drawing/2014/main" id="{6CAA1851-E736-427E-891B-8B5F3C9E19B1}"/>
+              </a:ext>
+            </a:extLst>
+          </p:cNvPr>
+          <p:cNvSpPr/>
+          <p:nvPr/>
+        </p:nvSpPr>
+        <p:spPr>
+          <a:xfrm>
+            <a:off x="8151249" y="4239174"/>
+            <a:ext cx="144000" cy="144000"/>
+          </a:xfrm>
+          <a:prstGeom prst="ellipse">
+            <a:avLst/>
+          </a:prstGeom>
+          <a:solidFill>
+            <a:schemeClr val="accent4">
+              <a:lumMod val="60000"/>
+              <a:lumOff val="40000"/>
+            </a:schemeClr>
+          </a:solidFill>
+        </p:spPr>
+        <p:style>
+          <a:lnRef idx="2">
+            <a:schemeClr val="accent1">
+              <a:shade val="50000"/>
+            </a:schemeClr>
+          </a:lnRef>
+          <a:fillRef idx="1">
+            <a:schemeClr val="accent1"/>
+          </a:fillRef>
+          <a:effectRef idx="0">
+            <a:schemeClr val="accent1"/>
+          </a:effectRef>
+          <a:fontRef idx="minor">
+            <a:schemeClr val="lt1"/>
+          </a:fontRef>
+        </p:style>
+        <p:txBody>
+          <a:bodyPr rtlCol="0" anchor="ctr"/>
+          <a:lstStyle/>
+          <a:p>
+            <a:pPr algn="ctr"/>
+            <a:endParaRPr lang="es-ES"/>
+          </a:p>
+        </p:txBody>
+      </p:sp>
+      <p:sp>
+        <p:nvSpPr>
+          <p:cNvPr id="68" name="Flecha: a la derecha 67">
+            <a:extLst>
+              <a:ext uri="{FF2B5EF4-FFF2-40B4-BE49-F238E27FC236}">
+                <a16:creationId xmlns:a16="http://schemas.microsoft.com/office/drawing/2014/main" id="{B4A64CB9-41B9-449A-88CA-44462C36F935}"/>
+              </a:ext>
+            </a:extLst>
+          </p:cNvPr>
+          <p:cNvSpPr/>
+          <p:nvPr/>
+        </p:nvSpPr>
+        <p:spPr>
+          <a:xfrm flipH="1">
+            <a:off x="5928877" y="3813414"/>
+            <a:ext cx="695362" cy="239700"/>
+          </a:xfrm>
+          <a:prstGeom prst="rightArrow">
+            <a:avLst>
+              <a:gd name="adj1" fmla="val 0"/>
+              <a:gd name="adj2" fmla="val 87181"/>
+            </a:avLst>
+          </a:prstGeom>
+          <a:solidFill>
+            <a:schemeClr val="accent5">
+              <a:lumMod val="60000"/>
+              <a:lumOff val="40000"/>
+            </a:schemeClr>
+          </a:solidFill>
+          <a:ln>
+            <a:solidFill>
+              <a:schemeClr val="accent1"/>
+            </a:solidFill>
+          </a:ln>
+        </p:spPr>
+        <p:style>
+          <a:lnRef idx="2">
+            <a:schemeClr val="accent1">
+              <a:shade val="50000"/>
+            </a:schemeClr>
+          </a:lnRef>
+          <a:fillRef idx="1">
+            <a:schemeClr val="accent1"/>
+          </a:fillRef>
+          <a:effectRef idx="0">
+            <a:schemeClr val="accent1"/>
+          </a:effectRef>
+          <a:fontRef idx="minor">
+            <a:schemeClr val="lt1"/>
+          </a:fontRef>
+        </p:style>
+        <p:txBody>
+          <a:bodyPr rtlCol="0" anchor="ctr"/>
+          <a:lstStyle/>
+          <a:p>
+            <a:pPr algn="ctr"/>
+            <a:endParaRPr lang="es-ES"/>
+          </a:p>
+        </p:txBody>
+      </p:sp>
+      <p:sp>
+        <p:nvSpPr>
+          <p:cNvPr id="66" name="Flecha: a la derecha 65">
+            <a:extLst>
+              <a:ext uri="{FF2B5EF4-FFF2-40B4-BE49-F238E27FC236}">
+                <a16:creationId xmlns:a16="http://schemas.microsoft.com/office/drawing/2014/main" id="{CE05AE11-3C62-4D6C-8359-1A225B5D9EC6}"/>
+              </a:ext>
+            </a:extLst>
+          </p:cNvPr>
+          <p:cNvSpPr/>
+          <p:nvPr/>
+        </p:nvSpPr>
+        <p:spPr>
+          <a:xfrm>
+            <a:off x="4849280" y="4191324"/>
+            <a:ext cx="695362" cy="239700"/>
+          </a:xfrm>
+          <a:prstGeom prst="rightArrow">
+            <a:avLst>
+              <a:gd name="adj1" fmla="val 0"/>
+              <a:gd name="adj2" fmla="val 87181"/>
+            </a:avLst>
+          </a:prstGeom>
+          <a:solidFill>
+            <a:schemeClr val="accent6">
+              <a:lumMod val="75000"/>
+            </a:schemeClr>
+          </a:solidFill>
+          <a:ln>
+            <a:solidFill>
+              <a:srgbClr val="428479"/>
+            </a:solidFill>
+          </a:ln>
+        </p:spPr>
+        <p:style>
+          <a:lnRef idx="2">
+            <a:schemeClr val="accent1">
+              <a:shade val="50000"/>
+            </a:schemeClr>
+          </a:lnRef>
+          <a:fillRef idx="1">
+            <a:schemeClr val="accent1"/>
+          </a:fillRef>
+          <a:effectRef idx="0">
+            <a:schemeClr val="accent1"/>
+          </a:effectRef>
+          <a:fontRef idx="minor">
+            <a:schemeClr val="lt1"/>
+          </a:fontRef>
+        </p:style>
+        <p:txBody>
+          <a:bodyPr rtlCol="0" anchor="ctr"/>
+          <a:lstStyle/>
+          <a:p>
+            <a:pPr algn="ctr"/>
+            <a:endParaRPr lang="es-ES"/>
+          </a:p>
+        </p:txBody>
+      </p:sp>
+      <p:sp>
+        <p:nvSpPr>
+          <p:cNvPr id="67" name="Flecha: a la derecha 66">
+            <a:extLst>
+              <a:ext uri="{FF2B5EF4-FFF2-40B4-BE49-F238E27FC236}">
+                <a16:creationId xmlns:a16="http://schemas.microsoft.com/office/drawing/2014/main" id="{3A21C75D-25FB-461E-ADEA-E9739BE2935C}"/>
+              </a:ext>
+            </a:extLst>
+          </p:cNvPr>
+          <p:cNvSpPr/>
+          <p:nvPr/>
+        </p:nvSpPr>
+        <p:spPr>
+          <a:xfrm>
+            <a:off x="6205130" y="4191324"/>
+            <a:ext cx="695362" cy="239700"/>
+          </a:xfrm>
+          <a:prstGeom prst="rightArrow">
+            <a:avLst>
+              <a:gd name="adj1" fmla="val 0"/>
+              <a:gd name="adj2" fmla="val 87181"/>
+            </a:avLst>
+          </a:prstGeom>
+          <a:solidFill>
+            <a:schemeClr val="accent6">
+              <a:lumMod val="75000"/>
+            </a:schemeClr>
+          </a:solidFill>
+          <a:ln>
+            <a:solidFill>
+              <a:srgbClr val="428479"/>
+            </a:solidFill>
+          </a:ln>
+        </p:spPr>
+        <p:style>
+          <a:lnRef idx="2">
+            <a:schemeClr val="accent1">
+              <a:shade val="50000"/>
+            </a:schemeClr>
+          </a:lnRef>
+          <a:fillRef idx="1">
+            <a:schemeClr val="accent1"/>
+          </a:fillRef>
+          <a:effectRef idx="0">
+            <a:schemeClr val="accent1"/>
+          </a:effectRef>
+          <a:fontRef idx="minor">
+            <a:schemeClr val="lt1"/>
+          </a:fontRef>
+        </p:style>
+        <p:txBody>
+          <a:bodyPr rtlCol="0" anchor="ctr"/>
+          <a:lstStyle/>
+          <a:p>
+            <a:pPr algn="ctr"/>
+            <a:endParaRPr lang="es-ES"/>
+          </a:p>
+        </p:txBody>
+      </p:sp>
+    </p:spTree>
+    <p:extLst>
+      <p:ext uri="{BB962C8B-B14F-4D97-AF65-F5344CB8AC3E}">
+        <p14:creationId xmlns:p14="http://schemas.microsoft.com/office/powerpoint/2010/main" val="907766574"/>
       </p:ext>
     </p:extLst>
   </p:cSld>

--- a/Documentació/Disseny linies RENFE.pptx
+++ b/Documentació/Disseny linies RENFE.pptx
@@ -9,6 +9,8 @@
     <p:sldId id="257" r:id="rId3"/>
     <p:sldId id="259" r:id="rId4"/>
     <p:sldId id="260" r:id="rId5"/>
+    <p:sldId id="261" r:id="rId6"/>
+    <p:sldId id="262" r:id="rId7"/>
   </p:sldIdLst>
   <p:sldSz cx="12192000" cy="6858000"/>
   <p:notesSz cx="6858000" cy="9144000"/>
@@ -262,7 +264,7 @@
           <a:p>
             <a:fld id="{3A1CB431-3844-4568-A591-C223097C649E}" type="datetimeFigureOut">
               <a:rPr lang="es-ES" smtClean="0"/>
-              <a:t>16/11/2021</a:t>
+              <a:t>19/01/2022</a:t>
             </a:fld>
             <a:endParaRPr lang="es-ES"/>
           </a:p>
@@ -460,7 +462,7 @@
           <a:p>
             <a:fld id="{3A1CB431-3844-4568-A591-C223097C649E}" type="datetimeFigureOut">
               <a:rPr lang="es-ES" smtClean="0"/>
-              <a:t>16/11/2021</a:t>
+              <a:t>19/01/2022</a:t>
             </a:fld>
             <a:endParaRPr lang="es-ES"/>
           </a:p>
@@ -668,7 +670,7 @@
           <a:p>
             <a:fld id="{3A1CB431-3844-4568-A591-C223097C649E}" type="datetimeFigureOut">
               <a:rPr lang="es-ES" smtClean="0"/>
-              <a:t>16/11/2021</a:t>
+              <a:t>19/01/2022</a:t>
             </a:fld>
             <a:endParaRPr lang="es-ES"/>
           </a:p>
@@ -866,7 +868,7 @@
           <a:p>
             <a:fld id="{3A1CB431-3844-4568-A591-C223097C649E}" type="datetimeFigureOut">
               <a:rPr lang="es-ES" smtClean="0"/>
-              <a:t>16/11/2021</a:t>
+              <a:t>19/01/2022</a:t>
             </a:fld>
             <a:endParaRPr lang="es-ES"/>
           </a:p>
@@ -1141,7 +1143,7 @@
           <a:p>
             <a:fld id="{3A1CB431-3844-4568-A591-C223097C649E}" type="datetimeFigureOut">
               <a:rPr lang="es-ES" smtClean="0"/>
-              <a:t>16/11/2021</a:t>
+              <a:t>19/01/2022</a:t>
             </a:fld>
             <a:endParaRPr lang="es-ES"/>
           </a:p>
@@ -1406,7 +1408,7 @@
           <a:p>
             <a:fld id="{3A1CB431-3844-4568-A591-C223097C649E}" type="datetimeFigureOut">
               <a:rPr lang="es-ES" smtClean="0"/>
-              <a:t>16/11/2021</a:t>
+              <a:t>19/01/2022</a:t>
             </a:fld>
             <a:endParaRPr lang="es-ES"/>
           </a:p>
@@ -1818,7 +1820,7 @@
           <a:p>
             <a:fld id="{3A1CB431-3844-4568-A591-C223097C649E}" type="datetimeFigureOut">
               <a:rPr lang="es-ES" smtClean="0"/>
-              <a:t>16/11/2021</a:t>
+              <a:t>19/01/2022</a:t>
             </a:fld>
             <a:endParaRPr lang="es-ES"/>
           </a:p>
@@ -1959,7 +1961,7 @@
           <a:p>
             <a:fld id="{3A1CB431-3844-4568-A591-C223097C649E}" type="datetimeFigureOut">
               <a:rPr lang="es-ES" smtClean="0"/>
-              <a:t>16/11/2021</a:t>
+              <a:t>19/01/2022</a:t>
             </a:fld>
             <a:endParaRPr lang="es-ES"/>
           </a:p>
@@ -2072,7 +2074,7 @@
           <a:p>
             <a:fld id="{3A1CB431-3844-4568-A591-C223097C649E}" type="datetimeFigureOut">
               <a:rPr lang="es-ES" smtClean="0"/>
-              <a:t>16/11/2021</a:t>
+              <a:t>19/01/2022</a:t>
             </a:fld>
             <a:endParaRPr lang="es-ES"/>
           </a:p>
@@ -2383,7 +2385,7 @@
           <a:p>
             <a:fld id="{3A1CB431-3844-4568-A591-C223097C649E}" type="datetimeFigureOut">
               <a:rPr lang="es-ES" smtClean="0"/>
-              <a:t>16/11/2021</a:t>
+              <a:t>19/01/2022</a:t>
             </a:fld>
             <a:endParaRPr lang="es-ES"/>
           </a:p>
@@ -2671,7 +2673,7 @@
           <a:p>
             <a:fld id="{3A1CB431-3844-4568-A591-C223097C649E}" type="datetimeFigureOut">
               <a:rPr lang="es-ES" smtClean="0"/>
-              <a:t>16/11/2021</a:t>
+              <a:t>19/01/2022</a:t>
             </a:fld>
             <a:endParaRPr lang="es-ES"/>
           </a:p>
@@ -2912,7 +2914,7 @@
           <a:p>
             <a:fld id="{3A1CB431-3844-4568-A591-C223097C649E}" type="datetimeFigureOut">
               <a:rPr lang="es-ES" smtClean="0"/>
-              <a:t>16/11/2021</a:t>
+              <a:t>19/01/2022</a:t>
             </a:fld>
             <a:endParaRPr lang="es-ES"/>
           </a:p>
@@ -11786,6 +11788,3234 @@
 </p:sld>
 </file>
 
+<file path=ppt/slides/slide5.xml><?xml version="1.0" encoding="utf-8"?>
+<p:sld xmlns:a="http://schemas.openxmlformats.org/drawingml/2006/main" xmlns:r="http://schemas.openxmlformats.org/officeDocument/2006/relationships" xmlns:p="http://schemas.openxmlformats.org/presentationml/2006/main">
+  <p:cSld>
+    <p:spTree>
+      <p:nvGrpSpPr>
+        <p:cNvPr id="1" name=""/>
+        <p:cNvGrpSpPr/>
+        <p:nvPr/>
+      </p:nvGrpSpPr>
+      <p:grpSpPr>
+        <a:xfrm>
+          <a:off x="0" y="0"/>
+          <a:ext cx="0" cy="0"/>
+          <a:chOff x="0" y="0"/>
+          <a:chExt cx="0" cy="0"/>
+        </a:xfrm>
+      </p:grpSpPr>
+      <p:sp>
+        <p:nvSpPr>
+          <p:cNvPr id="49" name="Rectángulo 48">
+            <a:extLst>
+              <a:ext uri="{FF2B5EF4-FFF2-40B4-BE49-F238E27FC236}">
+                <a16:creationId xmlns:a16="http://schemas.microsoft.com/office/drawing/2014/main" id="{F850A773-372D-44C8-BD2A-D584AE930240}"/>
+              </a:ext>
+            </a:extLst>
+          </p:cNvPr>
+          <p:cNvSpPr/>
+          <p:nvPr/>
+        </p:nvSpPr>
+        <p:spPr>
+          <a:xfrm>
+            <a:off x="3039457" y="7138992"/>
+            <a:ext cx="5711211" cy="468000"/>
+          </a:xfrm>
+          <a:prstGeom prst="rect">
+            <a:avLst/>
+          </a:prstGeom>
+          <a:solidFill>
+            <a:schemeClr val="accent4">
+              <a:lumMod val="60000"/>
+              <a:lumOff val="40000"/>
+            </a:schemeClr>
+          </a:solidFill>
+          <a:ln>
+            <a:solidFill>
+              <a:schemeClr val="accent4">
+                <a:lumMod val="60000"/>
+                <a:lumOff val="40000"/>
+              </a:schemeClr>
+            </a:solidFill>
+          </a:ln>
+        </p:spPr>
+        <p:style>
+          <a:lnRef idx="2">
+            <a:schemeClr val="accent5"/>
+          </a:lnRef>
+          <a:fillRef idx="1">
+            <a:schemeClr val="lt1"/>
+          </a:fillRef>
+          <a:effectRef idx="0">
+            <a:schemeClr val="accent5"/>
+          </a:effectRef>
+          <a:fontRef idx="minor">
+            <a:schemeClr val="dk1"/>
+          </a:fontRef>
+        </p:style>
+        <p:txBody>
+          <a:bodyPr lIns="0" tIns="0" rIns="0" bIns="0" rtlCol="0" anchor="ctr" anchorCtr="0"/>
+          <a:lstStyle/>
+          <a:p>
+            <a:endParaRPr lang="es-ES"/>
+          </a:p>
+        </p:txBody>
+      </p:sp>
+      <p:sp>
+        <p:nvSpPr>
+          <p:cNvPr id="41" name="Rectángulo 40">
+            <a:extLst>
+              <a:ext uri="{FF2B5EF4-FFF2-40B4-BE49-F238E27FC236}">
+                <a16:creationId xmlns:a16="http://schemas.microsoft.com/office/drawing/2014/main" id="{CDA89888-7FA8-473C-84B2-CC9F9894292F}"/>
+              </a:ext>
+            </a:extLst>
+          </p:cNvPr>
+          <p:cNvSpPr/>
+          <p:nvPr/>
+        </p:nvSpPr>
+        <p:spPr>
+          <a:xfrm>
+            <a:off x="3045099" y="-717990"/>
+            <a:ext cx="5711211" cy="7849377"/>
+          </a:xfrm>
+          <a:prstGeom prst="rect">
+            <a:avLst/>
+          </a:prstGeom>
+          <a:solidFill>
+            <a:schemeClr val="accent4">
+              <a:lumMod val="20000"/>
+              <a:lumOff val="80000"/>
+            </a:schemeClr>
+          </a:solidFill>
+          <a:ln>
+            <a:solidFill>
+              <a:schemeClr val="accent4">
+                <a:lumMod val="20000"/>
+                <a:lumOff val="80000"/>
+              </a:schemeClr>
+            </a:solidFill>
+          </a:ln>
+        </p:spPr>
+        <p:style>
+          <a:lnRef idx="2">
+            <a:schemeClr val="accent1">
+              <a:shade val="50000"/>
+            </a:schemeClr>
+          </a:lnRef>
+          <a:fillRef idx="1">
+            <a:schemeClr val="accent1"/>
+          </a:fillRef>
+          <a:effectRef idx="0">
+            <a:schemeClr val="accent1"/>
+          </a:effectRef>
+          <a:fontRef idx="minor">
+            <a:schemeClr val="lt1"/>
+          </a:fontRef>
+        </p:style>
+        <p:txBody>
+          <a:bodyPr rtlCol="0" anchor="ctr"/>
+          <a:lstStyle/>
+          <a:p>
+            <a:pPr algn="ctr"/>
+            <a:endParaRPr lang="es-ES"/>
+          </a:p>
+        </p:txBody>
+      </p:sp>
+      <p:sp>
+        <p:nvSpPr>
+          <p:cNvPr id="19" name="Rectángulo 18">
+            <a:extLst>
+              <a:ext uri="{FF2B5EF4-FFF2-40B4-BE49-F238E27FC236}">
+                <a16:creationId xmlns:a16="http://schemas.microsoft.com/office/drawing/2014/main" id="{3DBEC3FA-183B-4A04-BB63-0DFB0DE032D9}"/>
+              </a:ext>
+            </a:extLst>
+          </p:cNvPr>
+          <p:cNvSpPr/>
+          <p:nvPr/>
+        </p:nvSpPr>
+        <p:spPr>
+          <a:xfrm>
+            <a:off x="3433160" y="1106342"/>
+            <a:ext cx="5328791" cy="462282"/>
+          </a:xfrm>
+          <a:prstGeom prst="rect">
+            <a:avLst/>
+          </a:prstGeom>
+          <a:solidFill>
+            <a:schemeClr val="accent6">
+              <a:lumMod val="20000"/>
+              <a:lumOff val="80000"/>
+            </a:schemeClr>
+          </a:solidFill>
+          <a:ln>
+            <a:solidFill>
+              <a:schemeClr val="accent6">
+                <a:lumMod val="20000"/>
+                <a:lumOff val="80000"/>
+              </a:schemeClr>
+            </a:solidFill>
+          </a:ln>
+        </p:spPr>
+        <p:style>
+          <a:lnRef idx="2">
+            <a:schemeClr val="accent1">
+              <a:shade val="50000"/>
+            </a:schemeClr>
+          </a:lnRef>
+          <a:fillRef idx="1">
+            <a:schemeClr val="accent1"/>
+          </a:fillRef>
+          <a:effectRef idx="0">
+            <a:schemeClr val="accent1"/>
+          </a:effectRef>
+          <a:fontRef idx="minor">
+            <a:schemeClr val="lt1"/>
+          </a:fontRef>
+        </p:style>
+        <p:txBody>
+          <a:bodyPr rtlCol="0" anchor="ctr"/>
+          <a:lstStyle/>
+          <a:p>
+            <a:pPr algn="ctr"/>
+            <a:endParaRPr lang="es-ES"/>
+          </a:p>
+        </p:txBody>
+      </p:sp>
+      <p:sp>
+        <p:nvSpPr>
+          <p:cNvPr id="4" name="Rectángulo 3">
+            <a:extLst>
+              <a:ext uri="{FF2B5EF4-FFF2-40B4-BE49-F238E27FC236}">
+                <a16:creationId xmlns:a16="http://schemas.microsoft.com/office/drawing/2014/main" id="{09B9BE70-284C-4F2A-A240-DA850BBBCE0E}"/>
+              </a:ext>
+            </a:extLst>
+          </p:cNvPr>
+          <p:cNvSpPr/>
+          <p:nvPr/>
+        </p:nvSpPr>
+        <p:spPr>
+          <a:xfrm>
+            <a:off x="3050740" y="-717990"/>
+            <a:ext cx="4876800" cy="540000"/>
+          </a:xfrm>
+          <a:prstGeom prst="rect">
+            <a:avLst/>
+          </a:prstGeom>
+          <a:solidFill>
+            <a:schemeClr val="accent4">
+              <a:lumMod val="50000"/>
+            </a:schemeClr>
+          </a:solidFill>
+        </p:spPr>
+        <p:style>
+          <a:lnRef idx="2">
+            <a:schemeClr val="accent1">
+              <a:shade val="50000"/>
+            </a:schemeClr>
+          </a:lnRef>
+          <a:fillRef idx="1">
+            <a:schemeClr val="accent1"/>
+          </a:fillRef>
+          <a:effectRef idx="0">
+            <a:schemeClr val="accent1"/>
+          </a:effectRef>
+          <a:fontRef idx="minor">
+            <a:schemeClr val="lt1"/>
+          </a:fontRef>
+        </p:style>
+        <p:txBody>
+          <a:bodyPr rtlCol="0" anchor="ctr"/>
+          <a:lstStyle/>
+          <a:p>
+            <a:pPr algn="ctr"/>
+            <a:r>
+              <a:rPr lang="es-ES" sz="4000"/>
+              <a:t>HorarisTransportsApp</a:t>
+            </a:r>
+          </a:p>
+        </p:txBody>
+      </p:sp>
+      <p:pic>
+        <p:nvPicPr>
+          <p:cNvPr id="8" name="Imagen 7" descr="Mapa&#10;&#10;Descripción generada automáticamente">
+            <a:extLst>
+              <a:ext uri="{FF2B5EF4-FFF2-40B4-BE49-F238E27FC236}">
+                <a16:creationId xmlns:a16="http://schemas.microsoft.com/office/drawing/2014/main" id="{3F1FBC13-5FFD-4395-8F2B-8343AEC0A28C}"/>
+              </a:ext>
+            </a:extLst>
+          </p:cNvPr>
+          <p:cNvPicPr>
+            <a:picLocks noChangeAspect="1"/>
+          </p:cNvPicPr>
+          <p:nvPr/>
+        </p:nvPicPr>
+        <p:blipFill>
+          <a:blip r:embed="rId2">
+            <a:extLst>
+              <a:ext uri="{28A0092B-C50C-407E-A947-70E740481C1C}">
+                <a14:useLocalDpi xmlns:a14="http://schemas.microsoft.com/office/drawing/2010/main" val="0"/>
+              </a:ext>
+            </a:extLst>
+          </a:blip>
+          <a:stretch>
+            <a:fillRect/>
+          </a:stretch>
+        </p:blipFill>
+        <p:spPr>
+          <a:xfrm>
+            <a:off x="7927545" y="-717990"/>
+            <a:ext cx="834407" cy="540000"/>
+          </a:xfrm>
+          <a:prstGeom prst="rect">
+            <a:avLst/>
+          </a:prstGeom>
+          <a:ln>
+            <a:solidFill>
+              <a:schemeClr val="accent5">
+                <a:lumMod val="50000"/>
+              </a:schemeClr>
+            </a:solidFill>
+          </a:ln>
+        </p:spPr>
+      </p:pic>
+      <p:sp>
+        <p:nvSpPr>
+          <p:cNvPr id="11" name="Rectángulo 10">
+            <a:extLst>
+              <a:ext uri="{FF2B5EF4-FFF2-40B4-BE49-F238E27FC236}">
+                <a16:creationId xmlns:a16="http://schemas.microsoft.com/office/drawing/2014/main" id="{1567785F-0C8C-435E-94B5-4EC3354FEA59}"/>
+              </a:ext>
+            </a:extLst>
+          </p:cNvPr>
+          <p:cNvSpPr/>
+          <p:nvPr/>
+        </p:nvSpPr>
+        <p:spPr>
+          <a:xfrm>
+            <a:off x="3050740" y="-177990"/>
+            <a:ext cx="5711211" cy="540000"/>
+          </a:xfrm>
+          <a:prstGeom prst="rect">
+            <a:avLst/>
+          </a:prstGeom>
+          <a:solidFill>
+            <a:schemeClr val="accent4">
+              <a:lumMod val="75000"/>
+            </a:schemeClr>
+          </a:solidFill>
+          <a:ln>
+            <a:solidFill>
+              <a:schemeClr val="accent4">
+                <a:lumMod val="75000"/>
+              </a:schemeClr>
+            </a:solidFill>
+          </a:ln>
+        </p:spPr>
+        <p:style>
+          <a:lnRef idx="2">
+            <a:schemeClr val="accent1">
+              <a:shade val="50000"/>
+            </a:schemeClr>
+          </a:lnRef>
+          <a:fillRef idx="1">
+            <a:schemeClr val="accent1"/>
+          </a:fillRef>
+          <a:effectRef idx="0">
+            <a:schemeClr val="accent1"/>
+          </a:effectRef>
+          <a:fontRef idx="minor">
+            <a:schemeClr val="lt1"/>
+          </a:fontRef>
+        </p:style>
+        <p:txBody>
+          <a:bodyPr rtlCol="0" anchor="ctr"/>
+          <a:lstStyle/>
+          <a:p>
+            <a:pPr algn="ctr"/>
+            <a:r>
+              <a:rPr lang="es-ES" sz="3200">
+                <a:solidFill>
+                  <a:schemeClr val="accent4">
+                    <a:lumMod val="20000"/>
+                    <a:lumOff val="80000"/>
+                  </a:schemeClr>
+                </a:solidFill>
+              </a:rPr>
+              <a:t>Dimecres, 19/01/2022 - 15:18</a:t>
+            </a:r>
+          </a:p>
+        </p:txBody>
+      </p:sp>
+      <p:sp>
+        <p:nvSpPr>
+          <p:cNvPr id="12" name="Rectángulo: esquinas redondeadas 11">
+            <a:extLst>
+              <a:ext uri="{FF2B5EF4-FFF2-40B4-BE49-F238E27FC236}">
+                <a16:creationId xmlns:a16="http://schemas.microsoft.com/office/drawing/2014/main" id="{C9B5FA10-252A-4DFA-9BA9-9E467FEC46C2}"/>
+              </a:ext>
+            </a:extLst>
+          </p:cNvPr>
+          <p:cNvSpPr/>
+          <p:nvPr/>
+        </p:nvSpPr>
+        <p:spPr>
+          <a:xfrm>
+            <a:off x="3050740" y="362010"/>
+            <a:ext cx="1872000" cy="360000"/>
+          </a:xfrm>
+          <a:prstGeom prst="roundRect">
+            <a:avLst/>
+          </a:prstGeom>
+          <a:solidFill>
+            <a:schemeClr val="bg1">
+              <a:lumMod val="95000"/>
+            </a:schemeClr>
+          </a:solidFill>
+        </p:spPr>
+        <p:style>
+          <a:lnRef idx="2">
+            <a:schemeClr val="accent1">
+              <a:shade val="50000"/>
+            </a:schemeClr>
+          </a:lnRef>
+          <a:fillRef idx="1">
+            <a:schemeClr val="accent1"/>
+          </a:fillRef>
+          <a:effectRef idx="0">
+            <a:schemeClr val="accent1"/>
+          </a:effectRef>
+          <a:fontRef idx="minor">
+            <a:schemeClr val="lt1"/>
+          </a:fontRef>
+        </p:style>
+        <p:txBody>
+          <a:bodyPr rtlCol="0" anchor="ctr"/>
+          <a:lstStyle/>
+          <a:p>
+            <a:pPr algn="ctr"/>
+            <a:r>
+              <a:rPr lang="es-ES">
+                <a:solidFill>
+                  <a:schemeClr val="bg1">
+                    <a:lumMod val="50000"/>
+                  </a:schemeClr>
+                </a:solidFill>
+              </a:rPr>
+              <a:t>FEINER</a:t>
+            </a:r>
+          </a:p>
+        </p:txBody>
+      </p:sp>
+      <p:sp>
+        <p:nvSpPr>
+          <p:cNvPr id="13" name="Rectángulo: esquinas redondeadas 12">
+            <a:extLst>
+              <a:ext uri="{FF2B5EF4-FFF2-40B4-BE49-F238E27FC236}">
+                <a16:creationId xmlns:a16="http://schemas.microsoft.com/office/drawing/2014/main" id="{3B957366-4FCF-4043-85A9-4214FD98E3FA}"/>
+              </a:ext>
+            </a:extLst>
+          </p:cNvPr>
+          <p:cNvSpPr/>
+          <p:nvPr/>
+        </p:nvSpPr>
+        <p:spPr>
+          <a:xfrm>
+            <a:off x="4970347" y="362010"/>
+            <a:ext cx="1872000" cy="360000"/>
+          </a:xfrm>
+          <a:prstGeom prst="roundRect">
+            <a:avLst/>
+          </a:prstGeom>
+          <a:solidFill>
+            <a:schemeClr val="bg1">
+              <a:lumMod val="65000"/>
+            </a:schemeClr>
+          </a:solidFill>
+        </p:spPr>
+        <p:style>
+          <a:lnRef idx="2">
+            <a:schemeClr val="accent1">
+              <a:shade val="50000"/>
+            </a:schemeClr>
+          </a:lnRef>
+          <a:fillRef idx="1">
+            <a:schemeClr val="accent1"/>
+          </a:fillRef>
+          <a:effectRef idx="0">
+            <a:schemeClr val="accent1"/>
+          </a:effectRef>
+          <a:fontRef idx="minor">
+            <a:schemeClr val="lt1"/>
+          </a:fontRef>
+        </p:style>
+        <p:txBody>
+          <a:bodyPr rtlCol="0" anchor="ctr"/>
+          <a:lstStyle/>
+          <a:p>
+            <a:pPr algn="ctr"/>
+            <a:r>
+              <a:rPr lang="es-ES">
+                <a:solidFill>
+                  <a:schemeClr val="bg1">
+                    <a:lumMod val="50000"/>
+                  </a:schemeClr>
+                </a:solidFill>
+              </a:rPr>
+              <a:t>DISSABTE</a:t>
+            </a:r>
+          </a:p>
+        </p:txBody>
+      </p:sp>
+      <p:sp>
+        <p:nvSpPr>
+          <p:cNvPr id="14" name="Rectángulo: esquinas redondeadas 13">
+            <a:extLst>
+              <a:ext uri="{FF2B5EF4-FFF2-40B4-BE49-F238E27FC236}">
+                <a16:creationId xmlns:a16="http://schemas.microsoft.com/office/drawing/2014/main" id="{D31DB85D-4BB5-4046-ACFA-58FF85F951FA}"/>
+              </a:ext>
+            </a:extLst>
+          </p:cNvPr>
+          <p:cNvSpPr/>
+          <p:nvPr/>
+        </p:nvSpPr>
+        <p:spPr>
+          <a:xfrm>
+            <a:off x="6889952" y="362010"/>
+            <a:ext cx="1872000" cy="360000"/>
+          </a:xfrm>
+          <a:prstGeom prst="roundRect">
+            <a:avLst/>
+          </a:prstGeom>
+          <a:solidFill>
+            <a:schemeClr val="bg1">
+              <a:lumMod val="65000"/>
+            </a:schemeClr>
+          </a:solidFill>
+        </p:spPr>
+        <p:style>
+          <a:lnRef idx="2">
+            <a:schemeClr val="accent1">
+              <a:shade val="50000"/>
+            </a:schemeClr>
+          </a:lnRef>
+          <a:fillRef idx="1">
+            <a:schemeClr val="accent1"/>
+          </a:fillRef>
+          <a:effectRef idx="0">
+            <a:schemeClr val="accent1"/>
+          </a:effectRef>
+          <a:fontRef idx="minor">
+            <a:schemeClr val="lt1"/>
+          </a:fontRef>
+        </p:style>
+        <p:txBody>
+          <a:bodyPr rtlCol="0" anchor="ctr"/>
+          <a:lstStyle/>
+          <a:p>
+            <a:pPr algn="ctr"/>
+            <a:r>
+              <a:rPr lang="es-ES">
+                <a:solidFill>
+                  <a:schemeClr val="bg1">
+                    <a:lumMod val="50000"/>
+                  </a:schemeClr>
+                </a:solidFill>
+              </a:rPr>
+              <a:t>FESTIU</a:t>
+            </a:r>
+          </a:p>
+        </p:txBody>
+      </p:sp>
+      <p:sp>
+        <p:nvSpPr>
+          <p:cNvPr id="16" name="Rectángulo 15">
+            <a:extLst>
+              <a:ext uri="{FF2B5EF4-FFF2-40B4-BE49-F238E27FC236}">
+                <a16:creationId xmlns:a16="http://schemas.microsoft.com/office/drawing/2014/main" id="{056D9FAA-CF98-4089-B65E-B051FCB5523B}"/>
+              </a:ext>
+            </a:extLst>
+          </p:cNvPr>
+          <p:cNvSpPr/>
+          <p:nvPr/>
+        </p:nvSpPr>
+        <p:spPr>
+          <a:xfrm>
+            <a:off x="3050740" y="730476"/>
+            <a:ext cx="5711211" cy="360000"/>
+          </a:xfrm>
+          <a:prstGeom prst="rect">
+            <a:avLst/>
+          </a:prstGeom>
+          <a:solidFill>
+            <a:schemeClr val="accent4">
+              <a:lumMod val="60000"/>
+              <a:lumOff val="40000"/>
+            </a:schemeClr>
+          </a:solidFill>
+          <a:ln>
+            <a:solidFill>
+              <a:schemeClr val="accent4">
+                <a:lumMod val="60000"/>
+                <a:lumOff val="40000"/>
+              </a:schemeClr>
+            </a:solidFill>
+          </a:ln>
+        </p:spPr>
+        <p:style>
+          <a:lnRef idx="2">
+            <a:schemeClr val="accent5"/>
+          </a:lnRef>
+          <a:fillRef idx="1">
+            <a:schemeClr val="lt1"/>
+          </a:fillRef>
+          <a:effectRef idx="0">
+            <a:schemeClr val="accent5"/>
+          </a:effectRef>
+          <a:fontRef idx="minor">
+            <a:schemeClr val="dk1"/>
+          </a:fontRef>
+        </p:style>
+        <p:txBody>
+          <a:bodyPr lIns="0" tIns="0" rIns="0" bIns="0" rtlCol="0" anchor="ctr" anchorCtr="0"/>
+          <a:lstStyle/>
+          <a:p>
+            <a:r>
+              <a:rPr lang="es-ES"/>
+              <a:t>        Favorits</a:t>
+            </a:r>
+          </a:p>
+        </p:txBody>
+      </p:sp>
+      <p:pic>
+        <p:nvPicPr>
+          <p:cNvPr id="17" name="Picture 2">
+            <a:extLst>
+              <a:ext uri="{FF2B5EF4-FFF2-40B4-BE49-F238E27FC236}">
+                <a16:creationId xmlns:a16="http://schemas.microsoft.com/office/drawing/2014/main" id="{B2866CB6-6231-40C0-B7F9-E7F382E1329E}"/>
+              </a:ext>
+            </a:extLst>
+          </p:cNvPr>
+          <p:cNvPicPr>
+            <a:picLocks noChangeAspect="1" noChangeArrowheads="1"/>
+          </p:cNvPicPr>
+          <p:nvPr/>
+        </p:nvPicPr>
+        <p:blipFill>
+          <a:blip r:embed="rId3">
+            <a:extLst>
+              <a:ext uri="{28A0092B-C50C-407E-A947-70E740481C1C}">
+                <a14:useLocalDpi xmlns:a14="http://schemas.microsoft.com/office/drawing/2010/main" val="0"/>
+              </a:ext>
+            </a:extLst>
+          </a:blip>
+          <a:srcRect/>
+          <a:stretch>
+            <a:fillRect/>
+          </a:stretch>
+        </p:blipFill>
+        <p:spPr bwMode="auto">
+          <a:xfrm>
+            <a:off x="3109160" y="748476"/>
+            <a:ext cx="324000" cy="324000"/>
+          </a:xfrm>
+          <a:prstGeom prst="rect">
+            <a:avLst/>
+          </a:prstGeom>
+          <a:noFill/>
+          <a:extLst>
+            <a:ext uri="{909E8E84-426E-40DD-AFC4-6F175D3DCCD1}">
+              <a14:hiddenFill xmlns:a14="http://schemas.microsoft.com/office/drawing/2010/main">
+                <a:solidFill>
+                  <a:srgbClr val="FFFFFF"/>
+                </a:solidFill>
+              </a14:hiddenFill>
+            </a:ext>
+          </a:extLst>
+        </p:spPr>
+      </p:pic>
+      <p:sp>
+        <p:nvSpPr>
+          <p:cNvPr id="18" name="Rectángulo 17">
+            <a:extLst>
+              <a:ext uri="{FF2B5EF4-FFF2-40B4-BE49-F238E27FC236}">
+                <a16:creationId xmlns:a16="http://schemas.microsoft.com/office/drawing/2014/main" id="{A07DFC53-9137-4E26-88B2-FE564F1E7CD7}"/>
+              </a:ext>
+            </a:extLst>
+          </p:cNvPr>
+          <p:cNvSpPr/>
+          <p:nvPr/>
+        </p:nvSpPr>
+        <p:spPr>
+          <a:xfrm>
+            <a:off x="3482540" y="1150672"/>
+            <a:ext cx="360000" cy="360000"/>
+          </a:xfrm>
+          <a:prstGeom prst="rect">
+            <a:avLst/>
+          </a:prstGeom>
+          <a:solidFill>
+            <a:srgbClr val="92D050"/>
+          </a:solidFill>
+          <a:ln>
+            <a:solidFill>
+              <a:srgbClr val="92D050"/>
+            </a:solidFill>
+          </a:ln>
+        </p:spPr>
+        <p:style>
+          <a:lnRef idx="2">
+            <a:schemeClr val="accent1">
+              <a:shade val="50000"/>
+            </a:schemeClr>
+          </a:lnRef>
+          <a:fillRef idx="1">
+            <a:schemeClr val="accent1"/>
+          </a:fillRef>
+          <a:effectRef idx="0">
+            <a:schemeClr val="accent1"/>
+          </a:effectRef>
+          <a:fontRef idx="minor">
+            <a:schemeClr val="lt1"/>
+          </a:fontRef>
+        </p:style>
+        <p:txBody>
+          <a:bodyPr lIns="0" tIns="0" rIns="0" bIns="0" rtlCol="0" anchor="ctr"/>
+          <a:lstStyle/>
+          <a:p>
+            <a:pPr algn="ctr"/>
+            <a:r>
+              <a:rPr lang="es-ES" b="1">
+                <a:solidFill>
+                  <a:schemeClr val="bg1"/>
+                </a:solidFill>
+              </a:rPr>
+              <a:t>L5</a:t>
+            </a:r>
+          </a:p>
+        </p:txBody>
+      </p:sp>
+      <p:sp>
+        <p:nvSpPr>
+          <p:cNvPr id="20" name="Rectángulo 19">
+            <a:extLst>
+              <a:ext uri="{FF2B5EF4-FFF2-40B4-BE49-F238E27FC236}">
+                <a16:creationId xmlns:a16="http://schemas.microsoft.com/office/drawing/2014/main" id="{A2389033-05E8-4868-B39A-F4E55FE8674A}"/>
+              </a:ext>
+            </a:extLst>
+          </p:cNvPr>
+          <p:cNvSpPr/>
+          <p:nvPr/>
+        </p:nvSpPr>
+        <p:spPr>
+          <a:xfrm>
+            <a:off x="3880640" y="1342904"/>
+            <a:ext cx="2160000" cy="180000"/>
+          </a:xfrm>
+          <a:prstGeom prst="rect">
+            <a:avLst/>
+          </a:prstGeom>
+          <a:noFill/>
+          <a:ln>
+            <a:noFill/>
+          </a:ln>
+        </p:spPr>
+        <p:style>
+          <a:lnRef idx="2">
+            <a:schemeClr val="accent1">
+              <a:shade val="50000"/>
+            </a:schemeClr>
+          </a:lnRef>
+          <a:fillRef idx="1">
+            <a:schemeClr val="accent1"/>
+          </a:fillRef>
+          <a:effectRef idx="0">
+            <a:schemeClr val="accent1"/>
+          </a:effectRef>
+          <a:fontRef idx="minor">
+            <a:schemeClr val="lt1"/>
+          </a:fontRef>
+        </p:style>
+        <p:txBody>
+          <a:bodyPr lIns="0" tIns="0" rIns="0" bIns="0" rtlCol="0" anchor="ctr"/>
+          <a:lstStyle/>
+          <a:p>
+            <a:r>
+              <a:rPr lang="es-ES" sz="1600">
+                <a:solidFill>
+                  <a:schemeClr val="accent6">
+                    <a:lumMod val="50000"/>
+                  </a:schemeClr>
+                </a:solidFill>
+              </a:rPr>
+              <a:t>Països Catalans</a:t>
+            </a:r>
+          </a:p>
+        </p:txBody>
+      </p:sp>
+      <p:sp>
+        <p:nvSpPr>
+          <p:cNvPr id="22" name="Rectángulo 21">
+            <a:extLst>
+              <a:ext uri="{FF2B5EF4-FFF2-40B4-BE49-F238E27FC236}">
+                <a16:creationId xmlns:a16="http://schemas.microsoft.com/office/drawing/2014/main" id="{5D38C004-B9EC-48FD-852F-90F56923FBD9}"/>
+              </a:ext>
+            </a:extLst>
+          </p:cNvPr>
+          <p:cNvSpPr/>
+          <p:nvPr/>
+        </p:nvSpPr>
+        <p:spPr>
+          <a:xfrm>
+            <a:off x="3880640" y="1150672"/>
+            <a:ext cx="2960996" cy="188466"/>
+          </a:xfrm>
+          <a:prstGeom prst="rect">
+            <a:avLst/>
+          </a:prstGeom>
+          <a:noFill/>
+          <a:ln>
+            <a:noFill/>
+          </a:ln>
+        </p:spPr>
+        <p:style>
+          <a:lnRef idx="2">
+            <a:schemeClr val="accent1">
+              <a:shade val="50000"/>
+            </a:schemeClr>
+          </a:lnRef>
+          <a:fillRef idx="1">
+            <a:schemeClr val="accent1"/>
+          </a:fillRef>
+          <a:effectRef idx="0">
+            <a:schemeClr val="accent1"/>
+          </a:effectRef>
+          <a:fontRef idx="minor">
+            <a:schemeClr val="lt1"/>
+          </a:fontRef>
+        </p:style>
+        <p:txBody>
+          <a:bodyPr lIns="0" tIns="0" rIns="0" bIns="0" rtlCol="0" anchor="ctr"/>
+          <a:lstStyle/>
+          <a:p>
+            <a:r>
+              <a:rPr lang="es-ES">
+                <a:solidFill>
+                  <a:schemeClr val="accent6">
+                    <a:lumMod val="60000"/>
+                    <a:lumOff val="40000"/>
+                  </a:schemeClr>
+                </a:solidFill>
+              </a:rPr>
+              <a:t>ESTACIÓ RUBÍ+D-CAN ROSÉS</a:t>
+            </a:r>
+          </a:p>
+        </p:txBody>
+      </p:sp>
+      <p:sp>
+        <p:nvSpPr>
+          <p:cNvPr id="23" name="Rectángulo 22">
+            <a:extLst>
+              <a:ext uri="{FF2B5EF4-FFF2-40B4-BE49-F238E27FC236}">
+                <a16:creationId xmlns:a16="http://schemas.microsoft.com/office/drawing/2014/main" id="{F8B1EC15-0743-46D3-BA02-A24D7C9D6B47}"/>
+              </a:ext>
+            </a:extLst>
+          </p:cNvPr>
+          <p:cNvSpPr/>
+          <p:nvPr/>
+        </p:nvSpPr>
+        <p:spPr>
+          <a:xfrm>
+            <a:off x="6571471" y="1342904"/>
+            <a:ext cx="2160000" cy="180000"/>
+          </a:xfrm>
+          <a:prstGeom prst="rect">
+            <a:avLst/>
+          </a:prstGeom>
+          <a:noFill/>
+          <a:ln>
+            <a:noFill/>
+          </a:ln>
+        </p:spPr>
+        <p:style>
+          <a:lnRef idx="2">
+            <a:schemeClr val="accent1">
+              <a:shade val="50000"/>
+            </a:schemeClr>
+          </a:lnRef>
+          <a:fillRef idx="1">
+            <a:schemeClr val="accent1"/>
+          </a:fillRef>
+          <a:effectRef idx="0">
+            <a:schemeClr val="accent1"/>
+          </a:effectRef>
+          <a:fontRef idx="minor">
+            <a:schemeClr val="lt1"/>
+          </a:fontRef>
+        </p:style>
+        <p:txBody>
+          <a:bodyPr lIns="0" tIns="0" rIns="0" bIns="0" rtlCol="0" anchor="ctr"/>
+          <a:lstStyle/>
+          <a:p>
+            <a:pPr algn="r"/>
+            <a:r>
+              <a:rPr lang="es-ES" sz="1600" b="1">
+                <a:solidFill>
+                  <a:schemeClr val="accent6">
+                    <a:lumMod val="50000"/>
+                  </a:schemeClr>
+                </a:solidFill>
+              </a:rPr>
+              <a:t>17:50</a:t>
+            </a:r>
+            <a:r>
+              <a:rPr lang="es-ES" sz="1600">
+                <a:solidFill>
+                  <a:schemeClr val="accent6">
+                    <a:lumMod val="50000"/>
+                  </a:schemeClr>
+                </a:solidFill>
+              </a:rPr>
+              <a:t> -  2 min - 15 min</a:t>
+            </a:r>
+          </a:p>
+        </p:txBody>
+      </p:sp>
+      <p:sp>
+        <p:nvSpPr>
+          <p:cNvPr id="28" name="Rectángulo 27">
+            <a:extLst>
+              <a:ext uri="{FF2B5EF4-FFF2-40B4-BE49-F238E27FC236}">
+                <a16:creationId xmlns:a16="http://schemas.microsoft.com/office/drawing/2014/main" id="{957FE918-A71D-438E-BE2B-2C15BB87F2C1}"/>
+              </a:ext>
+            </a:extLst>
+          </p:cNvPr>
+          <p:cNvSpPr/>
+          <p:nvPr/>
+        </p:nvSpPr>
+        <p:spPr>
+          <a:xfrm>
+            <a:off x="3433160" y="1590940"/>
+            <a:ext cx="5328791" cy="462282"/>
+          </a:xfrm>
+          <a:prstGeom prst="rect">
+            <a:avLst/>
+          </a:prstGeom>
+          <a:solidFill>
+            <a:schemeClr val="accent5">
+              <a:lumMod val="20000"/>
+              <a:lumOff val="80000"/>
+            </a:schemeClr>
+          </a:solidFill>
+          <a:ln>
+            <a:solidFill>
+              <a:schemeClr val="accent5">
+                <a:lumMod val="20000"/>
+                <a:lumOff val="80000"/>
+              </a:schemeClr>
+            </a:solidFill>
+          </a:ln>
+        </p:spPr>
+        <p:style>
+          <a:lnRef idx="2">
+            <a:schemeClr val="accent1">
+              <a:shade val="50000"/>
+            </a:schemeClr>
+          </a:lnRef>
+          <a:fillRef idx="1">
+            <a:schemeClr val="accent1"/>
+          </a:fillRef>
+          <a:effectRef idx="0">
+            <a:schemeClr val="accent1"/>
+          </a:effectRef>
+          <a:fontRef idx="minor">
+            <a:schemeClr val="lt1"/>
+          </a:fontRef>
+        </p:style>
+        <p:txBody>
+          <a:bodyPr rtlCol="0" anchor="ctr"/>
+          <a:lstStyle/>
+          <a:p>
+            <a:pPr algn="ctr"/>
+            <a:endParaRPr lang="es-ES"/>
+          </a:p>
+        </p:txBody>
+      </p:sp>
+      <p:sp>
+        <p:nvSpPr>
+          <p:cNvPr id="29" name="Rectángulo 28">
+            <a:extLst>
+              <a:ext uri="{FF2B5EF4-FFF2-40B4-BE49-F238E27FC236}">
+                <a16:creationId xmlns:a16="http://schemas.microsoft.com/office/drawing/2014/main" id="{15C7D97E-F28C-4DB1-A088-55764922DCE8}"/>
+              </a:ext>
+            </a:extLst>
+          </p:cNvPr>
+          <p:cNvSpPr/>
+          <p:nvPr/>
+        </p:nvSpPr>
+        <p:spPr>
+          <a:xfrm>
+            <a:off x="3482540" y="1635270"/>
+            <a:ext cx="360000" cy="360000"/>
+          </a:xfrm>
+          <a:prstGeom prst="rect">
+            <a:avLst/>
+          </a:prstGeom>
+          <a:solidFill>
+            <a:srgbClr val="0070C0"/>
+          </a:solidFill>
+          <a:ln>
+            <a:solidFill>
+              <a:srgbClr val="0070C0"/>
+            </a:solidFill>
+          </a:ln>
+        </p:spPr>
+        <p:style>
+          <a:lnRef idx="2">
+            <a:schemeClr val="accent1">
+              <a:shade val="50000"/>
+            </a:schemeClr>
+          </a:lnRef>
+          <a:fillRef idx="1">
+            <a:schemeClr val="accent1"/>
+          </a:fillRef>
+          <a:effectRef idx="0">
+            <a:schemeClr val="accent1"/>
+          </a:effectRef>
+          <a:fontRef idx="minor">
+            <a:schemeClr val="lt1"/>
+          </a:fontRef>
+        </p:style>
+        <p:txBody>
+          <a:bodyPr lIns="0" tIns="0" rIns="0" bIns="0" rtlCol="0" anchor="ctr"/>
+          <a:lstStyle/>
+          <a:p>
+            <a:pPr algn="ctr"/>
+            <a:r>
+              <a:rPr lang="es-ES" b="1">
+                <a:solidFill>
+                  <a:schemeClr val="bg1"/>
+                </a:solidFill>
+              </a:rPr>
+              <a:t>L4</a:t>
+            </a:r>
+          </a:p>
+        </p:txBody>
+      </p:sp>
+      <p:sp>
+        <p:nvSpPr>
+          <p:cNvPr id="30" name="Rectángulo 29">
+            <a:extLst>
+              <a:ext uri="{FF2B5EF4-FFF2-40B4-BE49-F238E27FC236}">
+                <a16:creationId xmlns:a16="http://schemas.microsoft.com/office/drawing/2014/main" id="{F11A1668-018A-46DF-B55B-AC1B81832215}"/>
+              </a:ext>
+            </a:extLst>
+          </p:cNvPr>
+          <p:cNvSpPr/>
+          <p:nvPr/>
+        </p:nvSpPr>
+        <p:spPr>
+          <a:xfrm>
+            <a:off x="3880640" y="1827502"/>
+            <a:ext cx="2160000" cy="180000"/>
+          </a:xfrm>
+          <a:prstGeom prst="rect">
+            <a:avLst/>
+          </a:prstGeom>
+          <a:noFill/>
+          <a:ln>
+            <a:noFill/>
+          </a:ln>
+        </p:spPr>
+        <p:style>
+          <a:lnRef idx="2">
+            <a:schemeClr val="accent1">
+              <a:shade val="50000"/>
+            </a:schemeClr>
+          </a:lnRef>
+          <a:fillRef idx="1">
+            <a:schemeClr val="accent1"/>
+          </a:fillRef>
+          <a:effectRef idx="0">
+            <a:schemeClr val="accent1"/>
+          </a:effectRef>
+          <a:fontRef idx="minor">
+            <a:schemeClr val="lt1"/>
+          </a:fontRef>
+        </p:style>
+        <p:txBody>
+          <a:bodyPr lIns="0" tIns="0" rIns="0" bIns="0" rtlCol="0" anchor="ctr"/>
+          <a:lstStyle/>
+          <a:p>
+            <a:r>
+              <a:rPr lang="es-ES" sz="1600">
+                <a:solidFill>
+                  <a:schemeClr val="accent5">
+                    <a:lumMod val="50000"/>
+                  </a:schemeClr>
+                </a:solidFill>
+              </a:rPr>
+              <a:t>Can Rosés</a:t>
+            </a:r>
+          </a:p>
+        </p:txBody>
+      </p:sp>
+      <p:sp>
+        <p:nvSpPr>
+          <p:cNvPr id="31" name="Rectángulo 30">
+            <a:extLst>
+              <a:ext uri="{FF2B5EF4-FFF2-40B4-BE49-F238E27FC236}">
+                <a16:creationId xmlns:a16="http://schemas.microsoft.com/office/drawing/2014/main" id="{D36FEFF1-11AA-4774-8C0E-892C4E240F7F}"/>
+              </a:ext>
+            </a:extLst>
+          </p:cNvPr>
+          <p:cNvSpPr/>
+          <p:nvPr/>
+        </p:nvSpPr>
+        <p:spPr>
+          <a:xfrm>
+            <a:off x="3880640" y="1635270"/>
+            <a:ext cx="2960996" cy="188466"/>
+          </a:xfrm>
+          <a:prstGeom prst="rect">
+            <a:avLst/>
+          </a:prstGeom>
+          <a:noFill/>
+          <a:ln>
+            <a:noFill/>
+          </a:ln>
+        </p:spPr>
+        <p:style>
+          <a:lnRef idx="2">
+            <a:schemeClr val="accent1">
+              <a:shade val="50000"/>
+            </a:schemeClr>
+          </a:lnRef>
+          <a:fillRef idx="1">
+            <a:schemeClr val="accent1"/>
+          </a:fillRef>
+          <a:effectRef idx="0">
+            <a:schemeClr val="accent1"/>
+          </a:effectRef>
+          <a:fontRef idx="minor">
+            <a:schemeClr val="lt1"/>
+          </a:fontRef>
+        </p:style>
+        <p:txBody>
+          <a:bodyPr lIns="0" tIns="0" rIns="0" bIns="0" rtlCol="0" anchor="ctr"/>
+          <a:lstStyle/>
+          <a:p>
+            <a:r>
+              <a:rPr lang="es-ES">
+                <a:solidFill>
+                  <a:schemeClr val="accent5">
+                    <a:lumMod val="60000"/>
+                    <a:lumOff val="40000"/>
+                  </a:schemeClr>
+                </a:solidFill>
+              </a:rPr>
+              <a:t>CAN ROSÉS-ESTACIÓ RUBÍ+D</a:t>
+            </a:r>
+          </a:p>
+        </p:txBody>
+      </p:sp>
+      <p:sp>
+        <p:nvSpPr>
+          <p:cNvPr id="32" name="Rectángulo 31">
+            <a:extLst>
+              <a:ext uri="{FF2B5EF4-FFF2-40B4-BE49-F238E27FC236}">
+                <a16:creationId xmlns:a16="http://schemas.microsoft.com/office/drawing/2014/main" id="{43E96BB7-A028-4AAB-88C2-D5807FB86DFA}"/>
+              </a:ext>
+            </a:extLst>
+          </p:cNvPr>
+          <p:cNvSpPr/>
+          <p:nvPr/>
+        </p:nvSpPr>
+        <p:spPr>
+          <a:xfrm>
+            <a:off x="6571471" y="1827502"/>
+            <a:ext cx="2160000" cy="180000"/>
+          </a:xfrm>
+          <a:prstGeom prst="rect">
+            <a:avLst/>
+          </a:prstGeom>
+          <a:noFill/>
+          <a:ln>
+            <a:noFill/>
+          </a:ln>
+        </p:spPr>
+        <p:style>
+          <a:lnRef idx="2">
+            <a:schemeClr val="accent1">
+              <a:shade val="50000"/>
+            </a:schemeClr>
+          </a:lnRef>
+          <a:fillRef idx="1">
+            <a:schemeClr val="accent1"/>
+          </a:fillRef>
+          <a:effectRef idx="0">
+            <a:schemeClr val="accent1"/>
+          </a:effectRef>
+          <a:fontRef idx="minor">
+            <a:schemeClr val="lt1"/>
+          </a:fontRef>
+        </p:style>
+        <p:txBody>
+          <a:bodyPr lIns="0" tIns="0" rIns="0" bIns="0" rtlCol="0" anchor="ctr"/>
+          <a:lstStyle/>
+          <a:p>
+            <a:pPr algn="r"/>
+            <a:r>
+              <a:rPr lang="es-ES" sz="1600" b="1">
+                <a:solidFill>
+                  <a:schemeClr val="accent5">
+                    <a:lumMod val="50000"/>
+                  </a:schemeClr>
+                </a:solidFill>
+              </a:rPr>
+              <a:t>19:55</a:t>
+            </a:r>
+            <a:r>
+              <a:rPr lang="es-ES" sz="1600">
+                <a:solidFill>
+                  <a:schemeClr val="accent5">
+                    <a:lumMod val="50000"/>
+                  </a:schemeClr>
+                </a:solidFill>
+              </a:rPr>
+              <a:t> - 12 min -  5 min</a:t>
+            </a:r>
+          </a:p>
+        </p:txBody>
+      </p:sp>
+      <p:sp>
+        <p:nvSpPr>
+          <p:cNvPr id="33" name="Rectángulo 32">
+            <a:extLst>
+              <a:ext uri="{FF2B5EF4-FFF2-40B4-BE49-F238E27FC236}">
+                <a16:creationId xmlns:a16="http://schemas.microsoft.com/office/drawing/2014/main" id="{8844F464-B8E2-4BFB-BF92-FA0B9F967372}"/>
+              </a:ext>
+            </a:extLst>
+          </p:cNvPr>
+          <p:cNvSpPr/>
+          <p:nvPr/>
+        </p:nvSpPr>
+        <p:spPr>
+          <a:xfrm>
+            <a:off x="3045099" y="2067072"/>
+            <a:ext cx="5711211" cy="360000"/>
+          </a:xfrm>
+          <a:prstGeom prst="rect">
+            <a:avLst/>
+          </a:prstGeom>
+          <a:solidFill>
+            <a:schemeClr val="accent4">
+              <a:lumMod val="60000"/>
+              <a:lumOff val="40000"/>
+            </a:schemeClr>
+          </a:solidFill>
+          <a:ln>
+            <a:solidFill>
+              <a:schemeClr val="accent4">
+                <a:lumMod val="60000"/>
+                <a:lumOff val="40000"/>
+              </a:schemeClr>
+            </a:solidFill>
+          </a:ln>
+        </p:spPr>
+        <p:style>
+          <a:lnRef idx="2">
+            <a:schemeClr val="accent5"/>
+          </a:lnRef>
+          <a:fillRef idx="1">
+            <a:schemeClr val="lt1"/>
+          </a:fillRef>
+          <a:effectRef idx="0">
+            <a:schemeClr val="accent5"/>
+          </a:effectRef>
+          <a:fontRef idx="minor">
+            <a:schemeClr val="dk1"/>
+          </a:fontRef>
+        </p:style>
+        <p:txBody>
+          <a:bodyPr lIns="0" tIns="0" rIns="0" bIns="0" rtlCol="0" anchor="ctr" anchorCtr="0"/>
+          <a:lstStyle/>
+          <a:p>
+            <a:r>
+              <a:rPr lang="es-ES"/>
+              <a:t>        Filtres</a:t>
+            </a:r>
+          </a:p>
+        </p:txBody>
+      </p:sp>
+      <p:pic>
+        <p:nvPicPr>
+          <p:cNvPr id="35" name="Picture 2" descr="93,566 BEST Filter Icon IMAGES, STOCK PHOTOS &amp; VECTORS | Adobe Stock">
+            <a:extLst>
+              <a:ext uri="{FF2B5EF4-FFF2-40B4-BE49-F238E27FC236}">
+                <a16:creationId xmlns:a16="http://schemas.microsoft.com/office/drawing/2014/main" id="{5A75244E-F083-4B59-8561-645DC48DBF2F}"/>
+              </a:ext>
+            </a:extLst>
+          </p:cNvPr>
+          <p:cNvPicPr>
+            <a:picLocks noChangeAspect="1" noChangeArrowheads="1"/>
+          </p:cNvPicPr>
+          <p:nvPr/>
+        </p:nvPicPr>
+        <p:blipFill>
+          <a:blip r:embed="rId4">
+            <a:extLst>
+              <a:ext uri="{28A0092B-C50C-407E-A947-70E740481C1C}">
+                <a14:useLocalDpi xmlns:a14="http://schemas.microsoft.com/office/drawing/2010/main" val="0"/>
+              </a:ext>
+            </a:extLst>
+          </a:blip>
+          <a:stretch>
+            <a:fillRect/>
+          </a:stretch>
+        </p:blipFill>
+        <p:spPr bwMode="auto">
+          <a:xfrm>
+            <a:off x="3109160" y="2085072"/>
+            <a:ext cx="324000" cy="324000"/>
+          </a:xfrm>
+          <a:prstGeom prst="rect">
+            <a:avLst/>
+          </a:prstGeom>
+          <a:noFill/>
+          <a:extLst>
+            <a:ext uri="{909E8E84-426E-40DD-AFC4-6F175D3DCCD1}">
+              <a14:hiddenFill xmlns:a14="http://schemas.microsoft.com/office/drawing/2010/main">
+                <a:solidFill>
+                  <a:srgbClr val="FFFFFF"/>
+                </a:solidFill>
+              </a14:hiddenFill>
+            </a:ext>
+          </a:extLst>
+        </p:spPr>
+      </p:pic>
+      <p:sp>
+        <p:nvSpPr>
+          <p:cNvPr id="38" name="CuadroTexto 37">
+            <a:extLst>
+              <a:ext uri="{FF2B5EF4-FFF2-40B4-BE49-F238E27FC236}">
+                <a16:creationId xmlns:a16="http://schemas.microsoft.com/office/drawing/2014/main" id="{F030E760-FCFD-41D3-90AF-A8755BC62986}"/>
+              </a:ext>
+            </a:extLst>
+          </p:cNvPr>
+          <p:cNvSpPr txBox="1"/>
+          <p:nvPr/>
+        </p:nvSpPr>
+        <p:spPr>
+          <a:xfrm>
+            <a:off x="3467100" y="2627138"/>
+            <a:ext cx="2628900" cy="2677656"/>
+          </a:xfrm>
+          <a:prstGeom prst="rect">
+            <a:avLst/>
+          </a:prstGeom>
+          <a:noFill/>
+        </p:spPr>
+        <p:txBody>
+          <a:bodyPr wrap="square">
+            <a:spAutoFit/>
+          </a:bodyPr>
+          <a:lstStyle/>
+          <a:p>
+            <a:r>
+              <a:rPr lang="es-ES" sz="1200">
+                <a:solidFill>
+                  <a:schemeClr val="bg1"/>
+                </a:solidFill>
+                <a:highlight>
+                  <a:srgbClr val="FF0000"/>
+                </a:highlight>
+              </a:rPr>
+              <a:t>L1 - Can Serrafossà-El Pinar</a:t>
+            </a:r>
+          </a:p>
+          <a:p>
+            <a:r>
+              <a:rPr lang="es-ES" sz="1200">
+                <a:solidFill>
+                  <a:schemeClr val="bg1"/>
+                </a:solidFill>
+                <a:highlight>
+                  <a:srgbClr val="FF0000"/>
+                </a:highlight>
+              </a:rPr>
+              <a:t>L1 - El Pinar-Can Serrafossà</a:t>
+            </a:r>
+          </a:p>
+          <a:p>
+            <a:r>
+              <a:rPr lang="es-ES" sz="1200">
+                <a:highlight>
+                  <a:srgbClr val="FFFF00"/>
+                </a:highlight>
+              </a:rPr>
+              <a:t>L2 - El Pinar/Can Rosés-Can Vallhonrat</a:t>
+            </a:r>
+          </a:p>
+          <a:p>
+            <a:r>
+              <a:rPr lang="es-ES" sz="1200">
+                <a:highlight>
+                  <a:srgbClr val="FFFF00"/>
+                </a:highlight>
+              </a:rPr>
+              <a:t>L2 - Can Vallhonrat-El Pinar/Can Rosés</a:t>
+            </a:r>
+          </a:p>
+          <a:p>
+            <a:r>
+              <a:rPr lang="es-ES" sz="1200">
+                <a:solidFill>
+                  <a:schemeClr val="bg1"/>
+                </a:solidFill>
+                <a:highlight>
+                  <a:srgbClr val="FF9900"/>
+                </a:highlight>
+              </a:rPr>
+              <a:t>L3 - Estació RubÍ+D-Castellnou</a:t>
+            </a:r>
+          </a:p>
+          <a:p>
+            <a:r>
+              <a:rPr lang="es-ES" sz="1200">
+                <a:solidFill>
+                  <a:schemeClr val="bg1"/>
+                </a:solidFill>
+                <a:highlight>
+                  <a:srgbClr val="FF9900"/>
+                </a:highlight>
+              </a:rPr>
+              <a:t>L3 - Castellnou-Estació RubÍ+D</a:t>
+            </a:r>
+          </a:p>
+          <a:p>
+            <a:r>
+              <a:rPr lang="es-ES" sz="1200">
+                <a:solidFill>
+                  <a:schemeClr val="bg1"/>
+                </a:solidFill>
+                <a:highlight>
+                  <a:srgbClr val="000080"/>
+                </a:highlight>
+              </a:rPr>
+              <a:t>L4 - Can Rosés-Estació RubÍ+D</a:t>
+            </a:r>
+          </a:p>
+          <a:p>
+            <a:r>
+              <a:rPr lang="es-ES" sz="1200">
+                <a:solidFill>
+                  <a:schemeClr val="bg1"/>
+                </a:solidFill>
+                <a:highlight>
+                  <a:srgbClr val="000080"/>
+                </a:highlight>
+              </a:rPr>
+              <a:t>L4 - Estació RubÍ+D-Can Rosés</a:t>
+            </a:r>
+          </a:p>
+          <a:p>
+            <a:r>
+              <a:rPr lang="es-ES" sz="1200">
+                <a:solidFill>
+                  <a:srgbClr val="FFFF00"/>
+                </a:solidFill>
+                <a:highlight>
+                  <a:srgbClr val="008080"/>
+                </a:highlight>
+              </a:rPr>
+              <a:t>L5 - Estació RubÍ+D-Can Rosés</a:t>
+            </a:r>
+          </a:p>
+          <a:p>
+            <a:r>
+              <a:rPr lang="es-ES" sz="1200">
+                <a:solidFill>
+                  <a:schemeClr val="bg1"/>
+                </a:solidFill>
+                <a:highlight>
+                  <a:srgbClr val="008080"/>
+                </a:highlight>
+              </a:rPr>
+              <a:t>L5 - Can Rosés-Estació RubÍ+D</a:t>
+            </a:r>
+          </a:p>
+          <a:p>
+            <a:r>
+              <a:rPr lang="es-ES" sz="1200">
+                <a:solidFill>
+                  <a:schemeClr val="bg1"/>
+                </a:solidFill>
+                <a:highlight>
+                  <a:srgbClr val="FF9900"/>
+                </a:highlight>
+              </a:rPr>
+              <a:t>L6 - Pol. La Bastida-Pol. Rubí Sud</a:t>
+            </a:r>
+          </a:p>
+          <a:p>
+            <a:r>
+              <a:rPr lang="es-ES" sz="1200">
+                <a:solidFill>
+                  <a:schemeClr val="bg1"/>
+                </a:solidFill>
+                <a:highlight>
+                  <a:srgbClr val="FF9900"/>
+                </a:highlight>
+              </a:rPr>
+              <a:t>L6 - Pol. Rubí Sud-Pol. La Bastida</a:t>
+            </a:r>
+          </a:p>
+          <a:p>
+            <a:r>
+              <a:rPr lang="es-ES" sz="1200">
+                <a:solidFill>
+                  <a:schemeClr val="bg1"/>
+                </a:solidFill>
+                <a:highlight>
+                  <a:srgbClr val="CC00CC"/>
+                </a:highlight>
+              </a:rPr>
+              <a:t>L7 - Sant Muç-Estació RubÍ+D</a:t>
+            </a:r>
+          </a:p>
+          <a:p>
+            <a:r>
+              <a:rPr lang="es-ES" sz="1200">
+                <a:solidFill>
+                  <a:schemeClr val="bg1"/>
+                </a:solidFill>
+                <a:highlight>
+                  <a:srgbClr val="CC00CC"/>
+                </a:highlight>
+              </a:rPr>
+              <a:t>L7 - Estació RubÍ+D-Sant Muç</a:t>
+            </a:r>
+          </a:p>
+        </p:txBody>
+      </p:sp>
+      <p:sp>
+        <p:nvSpPr>
+          <p:cNvPr id="40" name="CuadroTexto 39">
+            <a:extLst>
+              <a:ext uri="{FF2B5EF4-FFF2-40B4-BE49-F238E27FC236}">
+                <a16:creationId xmlns:a16="http://schemas.microsoft.com/office/drawing/2014/main" id="{5EB5D320-A963-4F91-A0DA-6F6C4AD372AE}"/>
+              </a:ext>
+            </a:extLst>
+          </p:cNvPr>
+          <p:cNvSpPr txBox="1"/>
+          <p:nvPr/>
+        </p:nvSpPr>
+        <p:spPr>
+          <a:xfrm>
+            <a:off x="6106306" y="2607072"/>
+            <a:ext cx="2683943" cy="4524315"/>
+          </a:xfrm>
+          <a:prstGeom prst="rect">
+            <a:avLst/>
+          </a:prstGeom>
+          <a:noFill/>
+        </p:spPr>
+        <p:txBody>
+          <a:bodyPr wrap="square">
+            <a:spAutoFit/>
+          </a:bodyPr>
+          <a:lstStyle/>
+          <a:p>
+            <a:r>
+              <a:rPr lang="es-ES" sz="1200"/>
+              <a:t>Antoni Sedó</a:t>
+            </a:r>
+          </a:p>
+          <a:p>
+            <a:r>
+              <a:rPr lang="es-ES" sz="1200"/>
+              <a:t>Estació RubÍ+D</a:t>
+            </a:r>
+          </a:p>
+          <a:p>
+            <a:r>
+              <a:rPr lang="es-ES" sz="1200"/>
+              <a:t>Joan Puig</a:t>
+            </a:r>
+          </a:p>
+          <a:p>
+            <a:r>
+              <a:rPr lang="es-ES" sz="1200"/>
+              <a:t>Servet</a:t>
+            </a:r>
+          </a:p>
+          <a:p>
+            <a:r>
+              <a:rPr lang="es-ES" sz="1200"/>
+              <a:t>Doctor Ferran	</a:t>
+            </a:r>
+          </a:p>
+          <a:p>
+            <a:r>
+              <a:rPr lang="es-ES" sz="1200">
+                <a:solidFill>
+                  <a:srgbClr val="00B050"/>
+                </a:solidFill>
+              </a:rPr>
+              <a:t>Països Catalans            </a:t>
+            </a:r>
+            <a:r>
+              <a:rPr lang="es-ES" sz="1200" b="1">
+                <a:solidFill>
+                  <a:srgbClr val="00B050"/>
+                </a:solidFill>
+              </a:rPr>
+              <a:t>17:50</a:t>
+            </a:r>
+            <a:r>
+              <a:rPr lang="es-ES" sz="1200">
+                <a:solidFill>
+                  <a:srgbClr val="00B050"/>
+                </a:solidFill>
+              </a:rPr>
+              <a:t> – 2m – 15m</a:t>
+            </a:r>
+            <a:endParaRPr lang="es-ES" sz="1200"/>
+          </a:p>
+          <a:p>
+            <a:r>
+              <a:rPr lang="es-ES" sz="1200"/>
+              <a:t>Anton de Borja</a:t>
+            </a:r>
+          </a:p>
+          <a:p>
+            <a:r>
+              <a:rPr lang="es-ES" sz="1200"/>
+              <a:t>25 de Setembre</a:t>
+            </a:r>
+          </a:p>
+          <a:p>
+            <a:r>
+              <a:rPr lang="es-ES" sz="1200"/>
+              <a:t>Plana de Can Bertran</a:t>
+            </a:r>
+          </a:p>
+          <a:p>
+            <a:r>
+              <a:rPr lang="es-ES" sz="1200"/>
+              <a:t>Lourdes</a:t>
+            </a:r>
+          </a:p>
+          <a:p>
+            <a:r>
+              <a:rPr lang="es-ES" sz="1200"/>
+              <a:t>Ca nOriol</a:t>
+            </a:r>
+          </a:p>
+          <a:p>
+            <a:r>
+              <a:rPr lang="es-ES" sz="1200"/>
+              <a:t>Segòvia</a:t>
+            </a:r>
+          </a:p>
+          <a:p>
+            <a:r>
+              <a:rPr lang="es-ES" sz="1200"/>
+              <a:t>Mallorca</a:t>
+            </a:r>
+          </a:p>
+          <a:p>
+            <a:r>
+              <a:rPr lang="es-ES" sz="1200"/>
+              <a:t>Font del Ferro</a:t>
+            </a:r>
+          </a:p>
+          <a:p>
+            <a:r>
+              <a:rPr lang="es-ES" sz="1200"/>
+              <a:t>El Ferrol</a:t>
+            </a:r>
+          </a:p>
+          <a:p>
+            <a:r>
+              <a:rPr lang="es-ES" sz="1200"/>
+              <a:t>Els Nius</a:t>
+            </a:r>
+          </a:p>
+          <a:p>
+            <a:r>
+              <a:rPr lang="es-ES" sz="1200"/>
+              <a:t>Olimpíades</a:t>
+            </a:r>
+          </a:p>
+          <a:p>
+            <a:r>
+              <a:rPr lang="es-ES" sz="1200"/>
+              <a:t>Can Rosés</a:t>
+            </a:r>
+          </a:p>
+          <a:p>
+            <a:r>
+              <a:rPr lang="es-ES" sz="1200"/>
+              <a:t>Antoni Sedó Mercadal</a:t>
+            </a:r>
+          </a:p>
+          <a:p>
+            <a:r>
+              <a:rPr lang="es-ES" sz="1200"/>
+              <a:t>Sant Cugat</a:t>
+            </a:r>
+          </a:p>
+          <a:p>
+            <a:r>
+              <a:rPr lang="es-ES" sz="1200"/>
+              <a:t>Cervantes</a:t>
+            </a:r>
+          </a:p>
+          <a:p>
+            <a:r>
+              <a:rPr lang="es-ES" sz="1200"/>
+              <a:t>Mercat</a:t>
+            </a:r>
+          </a:p>
+          <a:p>
+            <a:r>
+              <a:rPr lang="es-ES" sz="1200"/>
+              <a:t>Magí Ramentol</a:t>
+            </a:r>
+          </a:p>
+          <a:p>
+            <a:r>
+              <a:rPr lang="es-ES" sz="1200"/>
+              <a:t>Biblioteca</a:t>
+            </a:r>
+          </a:p>
+        </p:txBody>
+      </p:sp>
+      <p:sp>
+        <p:nvSpPr>
+          <p:cNvPr id="39" name="Rectángulo 38">
+            <a:extLst>
+              <a:ext uri="{FF2B5EF4-FFF2-40B4-BE49-F238E27FC236}">
+                <a16:creationId xmlns:a16="http://schemas.microsoft.com/office/drawing/2014/main" id="{CA4DA6EA-F3BE-4F2C-8453-D539D3B0DA65}"/>
+              </a:ext>
+            </a:extLst>
+          </p:cNvPr>
+          <p:cNvSpPr/>
+          <p:nvPr/>
+        </p:nvSpPr>
+        <p:spPr>
+          <a:xfrm>
+            <a:off x="3307080" y="2447613"/>
+            <a:ext cx="5392080" cy="212286"/>
+          </a:xfrm>
+          <a:prstGeom prst="rect">
+            <a:avLst/>
+          </a:prstGeom>
+          <a:noFill/>
+          <a:ln>
+            <a:noFill/>
+          </a:ln>
+        </p:spPr>
+        <p:style>
+          <a:lnRef idx="2">
+            <a:schemeClr val="accent1">
+              <a:shade val="50000"/>
+            </a:schemeClr>
+          </a:lnRef>
+          <a:fillRef idx="1">
+            <a:schemeClr val="accent1"/>
+          </a:fillRef>
+          <a:effectRef idx="0">
+            <a:schemeClr val="accent1"/>
+          </a:effectRef>
+          <a:fontRef idx="minor">
+            <a:schemeClr val="lt1"/>
+          </a:fontRef>
+        </p:style>
+        <p:txBody>
+          <a:bodyPr rtlCol="0" anchor="ctr"/>
+          <a:lstStyle/>
+          <a:p>
+            <a:r>
+              <a:rPr lang="es-ES" sz="1600" b="1">
+                <a:solidFill>
+                  <a:schemeClr val="tx1"/>
+                </a:solidFill>
+              </a:rPr>
+              <a:t>Linies i sentits:                                Parades:</a:t>
+            </a:r>
+          </a:p>
+        </p:txBody>
+      </p:sp>
+      <p:pic>
+        <p:nvPicPr>
+          <p:cNvPr id="43" name="Picture 6" descr="Add To Favorites Icon Royalty Free Cliparts, Vectors, And Stock  Illustration. Image 34126262.">
+            <a:extLst>
+              <a:ext uri="{FF2B5EF4-FFF2-40B4-BE49-F238E27FC236}">
+                <a16:creationId xmlns:a16="http://schemas.microsoft.com/office/drawing/2014/main" id="{2F510ABE-0505-48C3-AB0B-98B18462490C}"/>
+              </a:ext>
+            </a:extLst>
+          </p:cNvPr>
+          <p:cNvPicPr>
+            <a:picLocks noChangeAspect="1" noChangeArrowheads="1"/>
+          </p:cNvPicPr>
+          <p:nvPr/>
+        </p:nvPicPr>
+        <p:blipFill>
+          <a:blip r:embed="rId5">
+            <a:extLst>
+              <a:ext uri="{28A0092B-C50C-407E-A947-70E740481C1C}">
+                <a14:useLocalDpi xmlns:a14="http://schemas.microsoft.com/office/drawing/2010/main" val="0"/>
+              </a:ext>
+            </a:extLst>
+          </a:blip>
+          <a:srcRect/>
+          <a:stretch>
+            <a:fillRect/>
+          </a:stretch>
+        </p:blipFill>
+        <p:spPr bwMode="auto">
+          <a:xfrm>
+            <a:off x="8378077" y="2085212"/>
+            <a:ext cx="329850" cy="324000"/>
+          </a:xfrm>
+          <a:prstGeom prst="rect">
+            <a:avLst/>
+          </a:prstGeom>
+          <a:noFill/>
+          <a:extLst>
+            <a:ext uri="{909E8E84-426E-40DD-AFC4-6F175D3DCCD1}">
+              <a14:hiddenFill xmlns:a14="http://schemas.microsoft.com/office/drawing/2010/main">
+                <a:solidFill>
+                  <a:srgbClr val="FFFFFF"/>
+                </a:solidFill>
+              </a14:hiddenFill>
+            </a:ext>
+          </a:extLst>
+        </p:spPr>
+      </p:pic>
+      <p:pic>
+        <p:nvPicPr>
+          <p:cNvPr id="44" name="Imagen 43" descr="Mapa&#10;&#10;Descripción generada automáticamente">
+            <a:extLst>
+              <a:ext uri="{FF2B5EF4-FFF2-40B4-BE49-F238E27FC236}">
+                <a16:creationId xmlns:a16="http://schemas.microsoft.com/office/drawing/2014/main" id="{C401C91C-6CA9-4B2A-B576-4013D27504CB}"/>
+              </a:ext>
+            </a:extLst>
+          </p:cNvPr>
+          <p:cNvPicPr>
+            <a:picLocks noChangeAspect="1"/>
+          </p:cNvPicPr>
+          <p:nvPr/>
+        </p:nvPicPr>
+        <p:blipFill>
+          <a:blip r:embed="rId2">
+            <a:extLst>
+              <a:ext uri="{28A0092B-C50C-407E-A947-70E740481C1C}">
+                <a14:useLocalDpi xmlns:a14="http://schemas.microsoft.com/office/drawing/2010/main" val="0"/>
+              </a:ext>
+            </a:extLst>
+          </a:blip>
+          <a:stretch>
+            <a:fillRect/>
+          </a:stretch>
+        </p:blipFill>
+        <p:spPr>
+          <a:xfrm>
+            <a:off x="3090253" y="7206174"/>
+            <a:ext cx="556271" cy="360000"/>
+          </a:xfrm>
+          <a:prstGeom prst="rect">
+            <a:avLst/>
+          </a:prstGeom>
+          <a:ln>
+            <a:noFill/>
+          </a:ln>
+        </p:spPr>
+      </p:pic>
+      <p:pic>
+        <p:nvPicPr>
+          <p:cNvPr id="45" name="Imagen 44">
+            <a:extLst>
+              <a:ext uri="{FF2B5EF4-FFF2-40B4-BE49-F238E27FC236}">
+                <a16:creationId xmlns:a16="http://schemas.microsoft.com/office/drawing/2014/main" id="{A2EB9F9B-F956-408E-A23F-0A4BAC1DFFC4}"/>
+              </a:ext>
+            </a:extLst>
+          </p:cNvPr>
+          <p:cNvPicPr>
+            <a:picLocks noChangeAspect="1"/>
+          </p:cNvPicPr>
+          <p:nvPr/>
+        </p:nvPicPr>
+        <p:blipFill>
+          <a:blip r:embed="rId6">
+            <a:extLst>
+              <a:ext uri="{28A0092B-C50C-407E-A947-70E740481C1C}">
+                <a14:useLocalDpi xmlns:a14="http://schemas.microsoft.com/office/drawing/2010/main" val="0"/>
+              </a:ext>
+            </a:extLst>
+          </a:blip>
+          <a:stretch>
+            <a:fillRect/>
+          </a:stretch>
+        </p:blipFill>
+        <p:spPr>
+          <a:xfrm>
+            <a:off x="6698200" y="7206174"/>
+            <a:ext cx="507729" cy="360000"/>
+          </a:xfrm>
+          <a:prstGeom prst="rect">
+            <a:avLst/>
+          </a:prstGeom>
+        </p:spPr>
+      </p:pic>
+      <p:pic>
+        <p:nvPicPr>
+          <p:cNvPr id="46" name="Imagen 45" descr="Icono&#10;&#10;Descripción generada automáticamente">
+            <a:extLst>
+              <a:ext uri="{FF2B5EF4-FFF2-40B4-BE49-F238E27FC236}">
+                <a16:creationId xmlns:a16="http://schemas.microsoft.com/office/drawing/2014/main" id="{EF7069D1-8C26-46FF-8708-BAFD10D7C6ED}"/>
+              </a:ext>
+            </a:extLst>
+          </p:cNvPr>
+          <p:cNvPicPr>
+            <a:picLocks noChangeAspect="1"/>
+          </p:cNvPicPr>
+          <p:nvPr/>
+        </p:nvPicPr>
+        <p:blipFill>
+          <a:blip r:embed="rId7">
+            <a:extLst>
+              <a:ext uri="{28A0092B-C50C-407E-A947-70E740481C1C}">
+                <a14:useLocalDpi xmlns:a14="http://schemas.microsoft.com/office/drawing/2010/main" val="0"/>
+              </a:ext>
+            </a:extLst>
+          </a:blip>
+          <a:stretch>
+            <a:fillRect/>
+          </a:stretch>
+        </p:blipFill>
+        <p:spPr>
+          <a:xfrm>
+            <a:off x="7249668" y="7206174"/>
+            <a:ext cx="360000" cy="360000"/>
+          </a:xfrm>
+          <a:prstGeom prst="rect">
+            <a:avLst/>
+          </a:prstGeom>
+        </p:spPr>
+      </p:pic>
+      <p:pic>
+        <p:nvPicPr>
+          <p:cNvPr id="47" name="Imagen 46" descr="Icono&#10;&#10;Descripción generada automáticamente">
+            <a:extLst>
+              <a:ext uri="{FF2B5EF4-FFF2-40B4-BE49-F238E27FC236}">
+                <a16:creationId xmlns:a16="http://schemas.microsoft.com/office/drawing/2014/main" id="{B15FBDCF-2777-4DEC-A8FF-A12CF5EDF6CB}"/>
+              </a:ext>
+            </a:extLst>
+          </p:cNvPr>
+          <p:cNvPicPr>
+            <a:picLocks noChangeAspect="1"/>
+          </p:cNvPicPr>
+          <p:nvPr/>
+        </p:nvPicPr>
+        <p:blipFill>
+          <a:blip r:embed="rId8">
+            <a:extLst>
+              <a:ext uri="{28A0092B-C50C-407E-A947-70E740481C1C}">
+                <a14:useLocalDpi xmlns:a14="http://schemas.microsoft.com/office/drawing/2010/main" val="0"/>
+              </a:ext>
+            </a:extLst>
+          </a:blip>
+          <a:stretch>
+            <a:fillRect/>
+          </a:stretch>
+        </p:blipFill>
+        <p:spPr>
+          <a:xfrm>
+            <a:off x="7646353" y="7206174"/>
+            <a:ext cx="360000" cy="360000"/>
+          </a:xfrm>
+          <a:prstGeom prst="rect">
+            <a:avLst/>
+          </a:prstGeom>
+        </p:spPr>
+      </p:pic>
+      <p:pic>
+        <p:nvPicPr>
+          <p:cNvPr id="48" name="Imagen 47" descr="Icono&#10;&#10;Descripción generada automáticamente">
+            <a:extLst>
+              <a:ext uri="{FF2B5EF4-FFF2-40B4-BE49-F238E27FC236}">
+                <a16:creationId xmlns:a16="http://schemas.microsoft.com/office/drawing/2014/main" id="{01C06931-A982-4298-A42B-9B96BA275D9F}"/>
+              </a:ext>
+            </a:extLst>
+          </p:cNvPr>
+          <p:cNvPicPr>
+            <a:picLocks noChangeAspect="1"/>
+          </p:cNvPicPr>
+          <p:nvPr/>
+        </p:nvPicPr>
+        <p:blipFill>
+          <a:blip r:embed="rId9">
+            <a:extLst>
+              <a:ext uri="{28A0092B-C50C-407E-A947-70E740481C1C}">
+                <a14:useLocalDpi xmlns:a14="http://schemas.microsoft.com/office/drawing/2010/main" val="0"/>
+              </a:ext>
+            </a:extLst>
+          </a:blip>
+          <a:stretch>
+            <a:fillRect/>
+          </a:stretch>
+        </p:blipFill>
+        <p:spPr>
+          <a:xfrm>
+            <a:off x="8054325" y="7206174"/>
+            <a:ext cx="654009" cy="360000"/>
+          </a:xfrm>
+          <a:prstGeom prst="rect">
+            <a:avLst/>
+          </a:prstGeom>
+        </p:spPr>
+      </p:pic>
+      <p:pic>
+        <p:nvPicPr>
+          <p:cNvPr id="55" name="Imagen 54">
+            <a:extLst>
+              <a:ext uri="{FF2B5EF4-FFF2-40B4-BE49-F238E27FC236}">
+                <a16:creationId xmlns:a16="http://schemas.microsoft.com/office/drawing/2014/main" id="{834F7102-6DE2-43E5-BDD2-FD819128EE85}"/>
+              </a:ext>
+            </a:extLst>
+          </p:cNvPr>
+          <p:cNvPicPr>
+            <a:picLocks noChangeAspect="1"/>
+          </p:cNvPicPr>
+          <p:nvPr/>
+        </p:nvPicPr>
+        <p:blipFill>
+          <a:blip r:embed="rId10"/>
+          <a:stretch>
+            <a:fillRect/>
+          </a:stretch>
+        </p:blipFill>
+        <p:spPr>
+          <a:xfrm>
+            <a:off x="3376655" y="4132134"/>
+            <a:ext cx="180891" cy="180000"/>
+          </a:xfrm>
+          <a:prstGeom prst="rect">
+            <a:avLst/>
+          </a:prstGeom>
+        </p:spPr>
+      </p:pic>
+      <p:pic>
+        <p:nvPicPr>
+          <p:cNvPr id="58" name="Imagen 57">
+            <a:extLst>
+              <a:ext uri="{FF2B5EF4-FFF2-40B4-BE49-F238E27FC236}">
+                <a16:creationId xmlns:a16="http://schemas.microsoft.com/office/drawing/2014/main" id="{D83BA2F7-CE6A-4DF7-85D2-268BAFFBD354}"/>
+              </a:ext>
+            </a:extLst>
+          </p:cNvPr>
+          <p:cNvPicPr>
+            <a:picLocks noChangeAspect="1"/>
+          </p:cNvPicPr>
+          <p:nvPr/>
+        </p:nvPicPr>
+        <p:blipFill>
+          <a:blip r:embed="rId10"/>
+          <a:stretch>
+            <a:fillRect/>
+          </a:stretch>
+        </p:blipFill>
+        <p:spPr>
+          <a:xfrm>
+            <a:off x="6025695" y="3567021"/>
+            <a:ext cx="180891" cy="180000"/>
+          </a:xfrm>
+          <a:prstGeom prst="rect">
+            <a:avLst/>
+          </a:prstGeom>
+        </p:spPr>
+      </p:pic>
+    </p:spTree>
+    <p:extLst>
+      <p:ext uri="{BB962C8B-B14F-4D97-AF65-F5344CB8AC3E}">
+        <p14:creationId xmlns:p14="http://schemas.microsoft.com/office/powerpoint/2010/main" val="33842947"/>
+      </p:ext>
+    </p:extLst>
+  </p:cSld>
+  <p:clrMapOvr>
+    <a:masterClrMapping/>
+  </p:clrMapOvr>
+</p:sld>
+</file>
+
+<file path=ppt/slides/slide6.xml><?xml version="1.0" encoding="utf-8"?>
+<p:sld xmlns:a="http://schemas.openxmlformats.org/drawingml/2006/main" xmlns:r="http://schemas.openxmlformats.org/officeDocument/2006/relationships" xmlns:p="http://schemas.openxmlformats.org/presentationml/2006/main">
+  <p:cSld>
+    <p:bg>
+      <p:bgPr>
+        <a:solidFill>
+          <a:schemeClr val="bg1"/>
+        </a:solidFill>
+        <a:effectLst/>
+      </p:bgPr>
+    </p:bg>
+    <p:spTree>
+      <p:nvGrpSpPr>
+        <p:cNvPr id="1" name=""/>
+        <p:cNvGrpSpPr/>
+        <p:nvPr/>
+      </p:nvGrpSpPr>
+      <p:grpSpPr>
+        <a:xfrm>
+          <a:off x="0" y="0"/>
+          <a:ext cx="0" cy="0"/>
+          <a:chOff x="0" y="0"/>
+          <a:chExt cx="0" cy="0"/>
+        </a:xfrm>
+      </p:grpSpPr>
+      <p:sp>
+        <p:nvSpPr>
+          <p:cNvPr id="192" name="Freeform: Shape 191">
+            <a:extLst>
+              <a:ext uri="{FF2B5EF4-FFF2-40B4-BE49-F238E27FC236}">
+                <a16:creationId xmlns:a16="http://schemas.microsoft.com/office/drawing/2014/main" id="{CA815F2C-4E80-4019-8E59-FAD3F7F8473D}"/>
+              </a:ext>
+              <a:ext uri="{C183D7F6-B498-43B3-948B-1728B52AA6E4}">
+                <adec:decorative xmlns:adec="http://schemas.microsoft.com/office/drawing/2017/decorative" val="1"/>
+              </a:ext>
+            </a:extLst>
+          </p:cNvPr>
+          <p:cNvSpPr>
+            <a:spLocks noGrp="1" noRot="1" noChangeAspect="1" noMove="1" noResize="1" noEditPoints="1" noAdjustHandles="1" noChangeArrowheads="1" noChangeShapeType="1" noTextEdit="1"/>
+          </p:cNvSpPr>
+          <p:nvPr>
+            <p:extLst>
+              <p:ext uri="{386F3935-93C4-4BCD-93E2-E3B085C9AB24}">
+                <p16:designElem xmlns:p16="http://schemas.microsoft.com/office/powerpoint/2015/main" val="1"/>
+              </p:ext>
+            </p:extLst>
+          </p:nvPr>
+        </p:nvSpPr>
+        <p:spPr>
+          <a:xfrm>
+            <a:off x="0" y="0"/>
+            <a:ext cx="12009304" cy="6858000"/>
+          </a:xfrm>
+          <a:custGeom>
+            <a:avLst/>
+            <a:gdLst>
+              <a:gd name="connsiteX0" fmla="*/ 8239723 w 12009304"/>
+              <a:gd name="connsiteY0" fmla="*/ 5083103 h 6858000"/>
+              <a:gd name="connsiteX1" fmla="*/ 9505105 w 12009304"/>
+              <a:gd name="connsiteY1" fmla="*/ 5083103 h 6858000"/>
+              <a:gd name="connsiteX2" fmla="*/ 9564676 w 12009304"/>
+              <a:gd name="connsiteY2" fmla="*/ 5091016 h 6858000"/>
+              <a:gd name="connsiteX3" fmla="*/ 9605648 w 12009304"/>
+              <a:gd name="connsiteY3" fmla="*/ 5108194 h 6858000"/>
+              <a:gd name="connsiteX4" fmla="*/ 9580608 w 12009304"/>
+              <a:gd name="connsiteY4" fmla="*/ 5151499 h 6858000"/>
+              <a:gd name="connsiteX5" fmla="*/ 8693486 w 12009304"/>
+              <a:gd name="connsiteY5" fmla="*/ 6685800 h 6858000"/>
+              <a:gd name="connsiteX6" fmla="*/ 8595419 w 12009304"/>
+              <a:gd name="connsiteY6" fmla="*/ 6814017 h 6858000"/>
+              <a:gd name="connsiteX7" fmla="*/ 8545620 w 12009304"/>
+              <a:gd name="connsiteY7" fmla="*/ 6858000 h 6858000"/>
+              <a:gd name="connsiteX8" fmla="*/ 7612173 w 12009304"/>
+              <a:gd name="connsiteY8" fmla="*/ 6858000 h 6858000"/>
+              <a:gd name="connsiteX9" fmla="*/ 7591825 w 12009304"/>
+              <a:gd name="connsiteY9" fmla="*/ 6822959 h 6858000"/>
+              <a:gd name="connsiteX10" fmla="*/ 7411622 w 12009304"/>
+              <a:gd name="connsiteY10" fmla="*/ 6512633 h 6858000"/>
+              <a:gd name="connsiteX11" fmla="*/ 7411622 w 12009304"/>
+              <a:gd name="connsiteY11" fmla="*/ 6289354 h 6858000"/>
+              <a:gd name="connsiteX12" fmla="*/ 8045680 w 12009304"/>
+              <a:gd name="connsiteY12" fmla="*/ 5197465 h 6858000"/>
+              <a:gd name="connsiteX13" fmla="*/ 8239723 w 12009304"/>
+              <a:gd name="connsiteY13" fmla="*/ 5083103 h 6858000"/>
+              <a:gd name="connsiteX14" fmla="*/ 10622296 w 12009304"/>
+              <a:gd name="connsiteY14" fmla="*/ 1326563 h 6858000"/>
+              <a:gd name="connsiteX15" fmla="*/ 11448522 w 12009304"/>
+              <a:gd name="connsiteY15" fmla="*/ 1326563 h 6858000"/>
+              <a:gd name="connsiteX16" fmla="*/ 11577006 w 12009304"/>
+              <a:gd name="connsiteY16" fmla="*/ 1401233 h 6858000"/>
+              <a:gd name="connsiteX17" fmla="*/ 11989228 w 12009304"/>
+              <a:gd name="connsiteY17" fmla="*/ 2114179 h 6858000"/>
+              <a:gd name="connsiteX18" fmla="*/ 11989228 w 12009304"/>
+              <a:gd name="connsiteY18" fmla="*/ 2259969 h 6858000"/>
+              <a:gd name="connsiteX19" fmla="*/ 11577006 w 12009304"/>
+              <a:gd name="connsiteY19" fmla="*/ 2972914 h 6858000"/>
+              <a:gd name="connsiteX20" fmla="*/ 11448522 w 12009304"/>
+              <a:gd name="connsiteY20" fmla="*/ 3047587 h 6858000"/>
+              <a:gd name="connsiteX21" fmla="*/ 10622296 w 12009304"/>
+              <a:gd name="connsiteY21" fmla="*/ 3047587 h 6858000"/>
+              <a:gd name="connsiteX22" fmla="*/ 10495594 w 12009304"/>
+              <a:gd name="connsiteY22" fmla="*/ 2972914 h 6858000"/>
+              <a:gd name="connsiteX23" fmla="*/ 10081589 w 12009304"/>
+              <a:gd name="connsiteY23" fmla="*/ 2259969 h 6858000"/>
+              <a:gd name="connsiteX24" fmla="*/ 10081589 w 12009304"/>
+              <a:gd name="connsiteY24" fmla="*/ 2114179 h 6858000"/>
+              <a:gd name="connsiteX25" fmla="*/ 10495594 w 12009304"/>
+              <a:gd name="connsiteY25" fmla="*/ 1401233 h 6858000"/>
+              <a:gd name="connsiteX26" fmla="*/ 10622296 w 12009304"/>
+              <a:gd name="connsiteY26" fmla="*/ 1326563 h 6858000"/>
+              <a:gd name="connsiteX27" fmla="*/ 0 w 12009304"/>
+              <a:gd name="connsiteY27" fmla="*/ 0 h 6858000"/>
+              <a:gd name="connsiteX28" fmla="*/ 4457990 w 12009304"/>
+              <a:gd name="connsiteY28" fmla="*/ 0 h 6858000"/>
+              <a:gd name="connsiteX29" fmla="*/ 5902610 w 12009304"/>
+              <a:gd name="connsiteY29" fmla="*/ 0 h 6858000"/>
+              <a:gd name="connsiteX30" fmla="*/ 8476869 w 12009304"/>
+              <a:gd name="connsiteY30" fmla="*/ 0 h 6858000"/>
+              <a:gd name="connsiteX31" fmla="*/ 8535933 w 12009304"/>
+              <a:gd name="connsiteY31" fmla="*/ 39849 h 6858000"/>
+              <a:gd name="connsiteX32" fmla="*/ 8693486 w 12009304"/>
+              <a:gd name="connsiteY32" fmla="*/ 220603 h 6858000"/>
+              <a:gd name="connsiteX33" fmla="*/ 10389180 w 12009304"/>
+              <a:gd name="connsiteY33" fmla="*/ 3153347 h 6858000"/>
+              <a:gd name="connsiteX34" fmla="*/ 10389180 w 12009304"/>
+              <a:gd name="connsiteY34" fmla="*/ 3753061 h 6858000"/>
+              <a:gd name="connsiteX35" fmla="*/ 9759557 w 12009304"/>
+              <a:gd name="connsiteY35" fmla="*/ 4842009 h 6858000"/>
+              <a:gd name="connsiteX36" fmla="*/ 9706493 w 12009304"/>
+              <a:gd name="connsiteY36" fmla="*/ 4933778 h 6858000"/>
+              <a:gd name="connsiteX37" fmla="*/ 9708360 w 12009304"/>
+              <a:gd name="connsiteY37" fmla="*/ 4934561 h 6858000"/>
+              <a:gd name="connsiteX38" fmla="*/ 9802002 w 12009304"/>
+              <a:gd name="connsiteY38" fmla="*/ 5029008 h 6858000"/>
+              <a:gd name="connsiteX39" fmla="*/ 10514131 w 12009304"/>
+              <a:gd name="connsiteY39" fmla="*/ 6260653 h 6858000"/>
+              <a:gd name="connsiteX40" fmla="*/ 10514131 w 12009304"/>
+              <a:gd name="connsiteY40" fmla="*/ 6512512 h 6858000"/>
+              <a:gd name="connsiteX41" fmla="*/ 10340271 w 12009304"/>
+              <a:gd name="connsiteY41" fmla="*/ 6813206 h 6858000"/>
+              <a:gd name="connsiteX42" fmla="*/ 10314372 w 12009304"/>
+              <a:gd name="connsiteY42" fmla="*/ 6858000 h 6858000"/>
+              <a:gd name="connsiteX43" fmla="*/ 10119136 w 12009304"/>
+              <a:gd name="connsiteY43" fmla="*/ 6858000 h 6858000"/>
+              <a:gd name="connsiteX44" fmla="*/ 10122008 w 12009304"/>
+              <a:gd name="connsiteY44" fmla="*/ 6853033 h 6858000"/>
+              <a:gd name="connsiteX45" fmla="*/ 10327158 w 12009304"/>
+              <a:gd name="connsiteY45" fmla="*/ 6498223 h 6858000"/>
+              <a:gd name="connsiteX46" fmla="*/ 10327158 w 12009304"/>
+              <a:gd name="connsiteY46" fmla="*/ 6274942 h 6858000"/>
+              <a:gd name="connsiteX47" fmla="*/ 9695832 w 12009304"/>
+              <a:gd name="connsiteY47" fmla="*/ 5183053 h 6858000"/>
+              <a:gd name="connsiteX48" fmla="*/ 9612819 w 12009304"/>
+              <a:gd name="connsiteY48" fmla="*/ 5099323 h 6858000"/>
+              <a:gd name="connsiteX49" fmla="*/ 9603213 w 12009304"/>
+              <a:gd name="connsiteY49" fmla="*/ 5095298 h 6858000"/>
+              <a:gd name="connsiteX50" fmla="*/ 9654707 w 12009304"/>
+              <a:gd name="connsiteY50" fmla="*/ 5006238 h 6858000"/>
+              <a:gd name="connsiteX51" fmla="*/ 9693004 w 12009304"/>
+              <a:gd name="connsiteY51" fmla="*/ 4940002 h 6858000"/>
+              <a:gd name="connsiteX52" fmla="*/ 9653283 w 12009304"/>
+              <a:gd name="connsiteY52" fmla="*/ 4923348 h 6858000"/>
+              <a:gd name="connsiteX53" fmla="*/ 9586087 w 12009304"/>
+              <a:gd name="connsiteY53" fmla="*/ 4914420 h 6858000"/>
+              <a:gd name="connsiteX54" fmla="*/ 8158743 w 12009304"/>
+              <a:gd name="connsiteY54" fmla="*/ 4914420 h 6858000"/>
+              <a:gd name="connsiteX55" fmla="*/ 7939863 w 12009304"/>
+              <a:gd name="connsiteY55" fmla="*/ 5043420 h 6858000"/>
+              <a:gd name="connsiteX56" fmla="*/ 7224650 w 12009304"/>
+              <a:gd name="connsiteY56" fmla="*/ 6275065 h 6858000"/>
+              <a:gd name="connsiteX57" fmla="*/ 7224650 w 12009304"/>
+              <a:gd name="connsiteY57" fmla="*/ 6526922 h 6858000"/>
+              <a:gd name="connsiteX58" fmla="*/ 7350544 w 12009304"/>
+              <a:gd name="connsiteY58" fmla="*/ 6743723 h 6858000"/>
+              <a:gd name="connsiteX59" fmla="*/ 7416905 w 12009304"/>
+              <a:gd name="connsiteY59" fmla="*/ 6858000 h 6858000"/>
+              <a:gd name="connsiteX60" fmla="*/ 5902610 w 12009304"/>
+              <a:gd name="connsiteY60" fmla="*/ 6858000 h 6858000"/>
+              <a:gd name="connsiteX61" fmla="*/ 4389357 w 12009304"/>
+              <a:gd name="connsiteY61" fmla="*/ 6858000 h 6858000"/>
+              <a:gd name="connsiteX62" fmla="*/ 0 w 12009304"/>
+              <a:gd name="connsiteY62" fmla="*/ 6858000 h 6858000"/>
+            </a:gdLst>
+            <a:ahLst/>
+            <a:cxnLst>
+              <a:cxn ang="0">
+                <a:pos x="connsiteX0" y="connsiteY0"/>
+              </a:cxn>
+              <a:cxn ang="0">
+                <a:pos x="connsiteX1" y="connsiteY1"/>
+              </a:cxn>
+              <a:cxn ang="0">
+                <a:pos x="connsiteX2" y="connsiteY2"/>
+              </a:cxn>
+              <a:cxn ang="0">
+                <a:pos x="connsiteX3" y="connsiteY3"/>
+              </a:cxn>
+              <a:cxn ang="0">
+                <a:pos x="connsiteX4" y="connsiteY4"/>
+              </a:cxn>
+              <a:cxn ang="0">
+                <a:pos x="connsiteX5" y="connsiteY5"/>
+              </a:cxn>
+              <a:cxn ang="0">
+                <a:pos x="connsiteX6" y="connsiteY6"/>
+              </a:cxn>
+              <a:cxn ang="0">
+                <a:pos x="connsiteX7" y="connsiteY7"/>
+              </a:cxn>
+              <a:cxn ang="0">
+                <a:pos x="connsiteX8" y="connsiteY8"/>
+              </a:cxn>
+              <a:cxn ang="0">
+                <a:pos x="connsiteX9" y="connsiteY9"/>
+              </a:cxn>
+              <a:cxn ang="0">
+                <a:pos x="connsiteX10" y="connsiteY10"/>
+              </a:cxn>
+              <a:cxn ang="0">
+                <a:pos x="connsiteX11" y="connsiteY11"/>
+              </a:cxn>
+              <a:cxn ang="0">
+                <a:pos x="connsiteX12" y="connsiteY12"/>
+              </a:cxn>
+              <a:cxn ang="0">
+                <a:pos x="connsiteX13" y="connsiteY13"/>
+              </a:cxn>
+              <a:cxn ang="0">
+                <a:pos x="connsiteX14" y="connsiteY14"/>
+              </a:cxn>
+              <a:cxn ang="0">
+                <a:pos x="connsiteX15" y="connsiteY15"/>
+              </a:cxn>
+              <a:cxn ang="0">
+                <a:pos x="connsiteX16" y="connsiteY16"/>
+              </a:cxn>
+              <a:cxn ang="0">
+                <a:pos x="connsiteX17" y="connsiteY17"/>
+              </a:cxn>
+              <a:cxn ang="0">
+                <a:pos x="connsiteX18" y="connsiteY18"/>
+              </a:cxn>
+              <a:cxn ang="0">
+                <a:pos x="connsiteX19" y="connsiteY19"/>
+              </a:cxn>
+              <a:cxn ang="0">
+                <a:pos x="connsiteX20" y="connsiteY20"/>
+              </a:cxn>
+              <a:cxn ang="0">
+                <a:pos x="connsiteX21" y="connsiteY21"/>
+              </a:cxn>
+              <a:cxn ang="0">
+                <a:pos x="connsiteX22" y="connsiteY22"/>
+              </a:cxn>
+              <a:cxn ang="0">
+                <a:pos x="connsiteX23" y="connsiteY23"/>
+              </a:cxn>
+              <a:cxn ang="0">
+                <a:pos x="connsiteX24" y="connsiteY24"/>
+              </a:cxn>
+              <a:cxn ang="0">
+                <a:pos x="connsiteX25" y="connsiteY25"/>
+              </a:cxn>
+              <a:cxn ang="0">
+                <a:pos x="connsiteX26" y="connsiteY26"/>
+              </a:cxn>
+              <a:cxn ang="0">
+                <a:pos x="connsiteX27" y="connsiteY27"/>
+              </a:cxn>
+              <a:cxn ang="0">
+                <a:pos x="connsiteX28" y="connsiteY28"/>
+              </a:cxn>
+              <a:cxn ang="0">
+                <a:pos x="connsiteX29" y="connsiteY29"/>
+              </a:cxn>
+              <a:cxn ang="0">
+                <a:pos x="connsiteX30" y="connsiteY30"/>
+              </a:cxn>
+              <a:cxn ang="0">
+                <a:pos x="connsiteX31" y="connsiteY31"/>
+              </a:cxn>
+              <a:cxn ang="0">
+                <a:pos x="connsiteX32" y="connsiteY32"/>
+              </a:cxn>
+              <a:cxn ang="0">
+                <a:pos x="connsiteX33" y="connsiteY33"/>
+              </a:cxn>
+              <a:cxn ang="0">
+                <a:pos x="connsiteX34" y="connsiteY34"/>
+              </a:cxn>
+              <a:cxn ang="0">
+                <a:pos x="connsiteX35" y="connsiteY35"/>
+              </a:cxn>
+              <a:cxn ang="0">
+                <a:pos x="connsiteX36" y="connsiteY36"/>
+              </a:cxn>
+              <a:cxn ang="0">
+                <a:pos x="connsiteX37" y="connsiteY37"/>
+              </a:cxn>
+              <a:cxn ang="0">
+                <a:pos x="connsiteX38" y="connsiteY38"/>
+              </a:cxn>
+              <a:cxn ang="0">
+                <a:pos x="connsiteX39" y="connsiteY39"/>
+              </a:cxn>
+              <a:cxn ang="0">
+                <a:pos x="connsiteX40" y="connsiteY40"/>
+              </a:cxn>
+              <a:cxn ang="0">
+                <a:pos x="connsiteX41" y="connsiteY41"/>
+              </a:cxn>
+              <a:cxn ang="0">
+                <a:pos x="connsiteX42" y="connsiteY42"/>
+              </a:cxn>
+              <a:cxn ang="0">
+                <a:pos x="connsiteX43" y="connsiteY43"/>
+              </a:cxn>
+              <a:cxn ang="0">
+                <a:pos x="connsiteX44" y="connsiteY44"/>
+              </a:cxn>
+              <a:cxn ang="0">
+                <a:pos x="connsiteX45" y="connsiteY45"/>
+              </a:cxn>
+              <a:cxn ang="0">
+                <a:pos x="connsiteX46" y="connsiteY46"/>
+              </a:cxn>
+              <a:cxn ang="0">
+                <a:pos x="connsiteX47" y="connsiteY47"/>
+              </a:cxn>
+              <a:cxn ang="0">
+                <a:pos x="connsiteX48" y="connsiteY48"/>
+              </a:cxn>
+              <a:cxn ang="0">
+                <a:pos x="connsiteX49" y="connsiteY49"/>
+              </a:cxn>
+              <a:cxn ang="0">
+                <a:pos x="connsiteX50" y="connsiteY50"/>
+              </a:cxn>
+              <a:cxn ang="0">
+                <a:pos x="connsiteX51" y="connsiteY51"/>
+              </a:cxn>
+              <a:cxn ang="0">
+                <a:pos x="connsiteX52" y="connsiteY52"/>
+              </a:cxn>
+              <a:cxn ang="0">
+                <a:pos x="connsiteX53" y="connsiteY53"/>
+              </a:cxn>
+              <a:cxn ang="0">
+                <a:pos x="connsiteX54" y="connsiteY54"/>
+              </a:cxn>
+              <a:cxn ang="0">
+                <a:pos x="connsiteX55" y="connsiteY55"/>
+              </a:cxn>
+              <a:cxn ang="0">
+                <a:pos x="connsiteX56" y="connsiteY56"/>
+              </a:cxn>
+              <a:cxn ang="0">
+                <a:pos x="connsiteX57" y="connsiteY57"/>
+              </a:cxn>
+              <a:cxn ang="0">
+                <a:pos x="connsiteX58" y="connsiteY58"/>
+              </a:cxn>
+              <a:cxn ang="0">
+                <a:pos x="connsiteX59" y="connsiteY59"/>
+              </a:cxn>
+              <a:cxn ang="0">
+                <a:pos x="connsiteX60" y="connsiteY60"/>
+              </a:cxn>
+              <a:cxn ang="0">
+                <a:pos x="connsiteX61" y="connsiteY61"/>
+              </a:cxn>
+              <a:cxn ang="0">
+                <a:pos x="connsiteX62" y="connsiteY62"/>
+              </a:cxn>
+            </a:cxnLst>
+            <a:rect l="l" t="t" r="r" b="b"/>
+            <a:pathLst>
+              <a:path w="12009304" h="6858000">
+                <a:moveTo>
+                  <a:pt x="8239723" y="5083103"/>
+                </a:moveTo>
+                <a:cubicBezTo>
+                  <a:pt x="8239723" y="5083103"/>
+                  <a:pt x="8239723" y="5083103"/>
+                  <a:pt x="9505105" y="5083103"/>
+                </a:cubicBezTo>
+                <a:cubicBezTo>
+                  <a:pt x="9525601" y="5083103"/>
+                  <a:pt x="9545588" y="5085825"/>
+                  <a:pt x="9564676" y="5091016"/>
+                </a:cubicBezTo>
+                <a:lnTo>
+                  <a:pt x="9605648" y="5108194"/>
+                </a:lnTo>
+                <a:lnTo>
+                  <a:pt x="9580608" y="5151499"/>
+                </a:lnTo>
+                <a:cubicBezTo>
+                  <a:pt x="9354208" y="5543062"/>
+                  <a:pt x="9064418" y="6044264"/>
+                  <a:pt x="8693486" y="6685800"/>
+                </a:cubicBezTo>
+                <a:cubicBezTo>
+                  <a:pt x="8665958" y="6733339"/>
+                  <a:pt x="8632925" y="6776306"/>
+                  <a:pt x="8595419" y="6814017"/>
+                </a:cubicBezTo>
+                <a:lnTo>
+                  <a:pt x="8545620" y="6858000"/>
+                </a:lnTo>
+                <a:lnTo>
+                  <a:pt x="7612173" y="6858000"/>
+                </a:lnTo>
+                <a:lnTo>
+                  <a:pt x="7591825" y="6822959"/>
+                </a:lnTo>
+                <a:cubicBezTo>
+                  <a:pt x="7538315" y="6730809"/>
+                  <a:pt x="7478495" y="6627794"/>
+                  <a:pt x="7411622" y="6512633"/>
+                </a:cubicBezTo>
+                <a:cubicBezTo>
+                  <a:pt x="7370628" y="6444560"/>
+                  <a:pt x="7370628" y="6357427"/>
+                  <a:pt x="7411622" y="6289354"/>
+                </a:cubicBezTo>
+                <a:cubicBezTo>
+                  <a:pt x="7411622" y="6289354"/>
+                  <a:pt x="7411622" y="6289354"/>
+                  <a:pt x="8045680" y="5197465"/>
+                </a:cubicBezTo>
+                <a:cubicBezTo>
+                  <a:pt x="8083943" y="5126669"/>
+                  <a:pt x="8160465" y="5083103"/>
+                  <a:pt x="8239723" y="5083103"/>
+                </a:cubicBezTo>
+                <a:close/>
+                <a:moveTo>
+                  <a:pt x="10622296" y="1326563"/>
+                </a:moveTo>
+                <a:cubicBezTo>
+                  <a:pt x="10622296" y="1326563"/>
+                  <a:pt x="10622296" y="1326563"/>
+                  <a:pt x="11448522" y="1326563"/>
+                </a:cubicBezTo>
+                <a:cubicBezTo>
+                  <a:pt x="11502058" y="1326563"/>
+                  <a:pt x="11550238" y="1355009"/>
+                  <a:pt x="11577006" y="1401233"/>
+                </a:cubicBezTo>
+                <a:cubicBezTo>
+                  <a:pt x="11577006" y="1401233"/>
+                  <a:pt x="11577006" y="1401233"/>
+                  <a:pt x="11989228" y="2114179"/>
+                </a:cubicBezTo>
+                <a:cubicBezTo>
+                  <a:pt x="12015996" y="2158629"/>
+                  <a:pt x="12015996" y="2215522"/>
+                  <a:pt x="11989228" y="2259969"/>
+                </a:cubicBezTo>
+                <a:cubicBezTo>
+                  <a:pt x="11989228" y="2259969"/>
+                  <a:pt x="11989228" y="2259969"/>
+                  <a:pt x="11577006" y="2972914"/>
+                </a:cubicBezTo>
+                <a:cubicBezTo>
+                  <a:pt x="11550238" y="3019141"/>
+                  <a:pt x="11502058" y="3047587"/>
+                  <a:pt x="11448522" y="3047587"/>
+                </a:cubicBezTo>
+                <a:cubicBezTo>
+                  <a:pt x="11448522" y="3047587"/>
+                  <a:pt x="11448522" y="3047587"/>
+                  <a:pt x="10622296" y="3047587"/>
+                </a:cubicBezTo>
+                <a:cubicBezTo>
+                  <a:pt x="10570544" y="3047587"/>
+                  <a:pt x="10520578" y="3019141"/>
+                  <a:pt x="10495594" y="2972914"/>
+                </a:cubicBezTo>
+                <a:cubicBezTo>
+                  <a:pt x="10495594" y="2972914"/>
+                  <a:pt x="10495594" y="2972914"/>
+                  <a:pt x="10081589" y="2259969"/>
+                </a:cubicBezTo>
+                <a:cubicBezTo>
+                  <a:pt x="10054821" y="2215522"/>
+                  <a:pt x="10054821" y="2158629"/>
+                  <a:pt x="10081589" y="2114179"/>
+                </a:cubicBezTo>
+                <a:cubicBezTo>
+                  <a:pt x="10081589" y="2114179"/>
+                  <a:pt x="10081589" y="2114179"/>
+                  <a:pt x="10495594" y="1401233"/>
+                </a:cubicBezTo>
+                <a:cubicBezTo>
+                  <a:pt x="10520578" y="1355009"/>
+                  <a:pt x="10570544" y="1326563"/>
+                  <a:pt x="10622296" y="1326563"/>
+                </a:cubicBezTo>
+                <a:close/>
+                <a:moveTo>
+                  <a:pt x="0" y="0"/>
+                </a:moveTo>
+                <a:lnTo>
+                  <a:pt x="4457990" y="0"/>
+                </a:lnTo>
+                <a:lnTo>
+                  <a:pt x="5902610" y="0"/>
+                </a:lnTo>
+                <a:lnTo>
+                  <a:pt x="8476869" y="0"/>
+                </a:lnTo>
+                <a:lnTo>
+                  <a:pt x="8535933" y="39849"/>
+                </a:lnTo>
+                <a:cubicBezTo>
+                  <a:pt x="8598516" y="88273"/>
+                  <a:pt x="8652195" y="149296"/>
+                  <a:pt x="8693486" y="220603"/>
+                </a:cubicBezTo>
+                <a:cubicBezTo>
+                  <a:pt x="8693486" y="220603"/>
+                  <a:pt x="8693486" y="220603"/>
+                  <a:pt x="10389180" y="3153347"/>
+                </a:cubicBezTo>
+                <a:cubicBezTo>
+                  <a:pt x="10499291" y="3336185"/>
+                  <a:pt x="10499291" y="3570221"/>
+                  <a:pt x="10389180" y="3753061"/>
+                </a:cubicBezTo>
+                <a:cubicBezTo>
+                  <a:pt x="10389180" y="3753061"/>
+                  <a:pt x="10389180" y="3753061"/>
+                  <a:pt x="9759557" y="4842009"/>
+                </a:cubicBezTo>
+                <a:lnTo>
+                  <a:pt x="9706493" y="4933778"/>
+                </a:lnTo>
+                <a:lnTo>
+                  <a:pt x="9708360" y="4934561"/>
+                </a:lnTo>
+                <a:cubicBezTo>
+                  <a:pt x="9746510" y="4956830"/>
+                  <a:pt x="9778880" y="4989078"/>
+                  <a:pt x="9802002" y="5029008"/>
+                </a:cubicBezTo>
+                <a:cubicBezTo>
+                  <a:pt x="9802002" y="5029008"/>
+                  <a:pt x="9802002" y="5029008"/>
+                  <a:pt x="10514131" y="6260653"/>
+                </a:cubicBezTo>
+                <a:cubicBezTo>
+                  <a:pt x="10560376" y="6337439"/>
+                  <a:pt x="10560376" y="6435725"/>
+                  <a:pt x="10514131" y="6512512"/>
+                </a:cubicBezTo>
+                <a:cubicBezTo>
+                  <a:pt x="10514131" y="6512512"/>
+                  <a:pt x="10514131" y="6512512"/>
+                  <a:pt x="10340271" y="6813206"/>
+                </a:cubicBezTo>
+                <a:lnTo>
+                  <a:pt x="10314372" y="6858000"/>
+                </a:lnTo>
+                <a:lnTo>
+                  <a:pt x="10119136" y="6858000"/>
+                </a:lnTo>
+                <a:lnTo>
+                  <a:pt x="10122008" y="6853033"/>
+                </a:lnTo>
+                <a:cubicBezTo>
+                  <a:pt x="10327158" y="6498223"/>
+                  <a:pt x="10327158" y="6498223"/>
+                  <a:pt x="10327158" y="6498223"/>
+                </a:cubicBezTo>
+                <a:cubicBezTo>
+                  <a:pt x="10368154" y="6430148"/>
+                  <a:pt x="10368154" y="6343015"/>
+                  <a:pt x="10327158" y="6274942"/>
+                </a:cubicBezTo>
+                <a:cubicBezTo>
+                  <a:pt x="9695832" y="5183053"/>
+                  <a:pt x="9695832" y="5183053"/>
+                  <a:pt x="9695832" y="5183053"/>
+                </a:cubicBezTo>
+                <a:cubicBezTo>
+                  <a:pt x="9675334" y="5147654"/>
+                  <a:pt x="9646640" y="5119063"/>
+                  <a:pt x="9612819" y="5099323"/>
+                </a:cubicBezTo>
+                <a:lnTo>
+                  <a:pt x="9603213" y="5095298"/>
+                </a:lnTo>
+                <a:lnTo>
+                  <a:pt x="9654707" y="5006238"/>
+                </a:lnTo>
+                <a:lnTo>
+                  <a:pt x="9693004" y="4940002"/>
+                </a:lnTo>
+                <a:lnTo>
+                  <a:pt x="9653283" y="4923348"/>
+                </a:lnTo>
+                <a:cubicBezTo>
+                  <a:pt x="9631750" y="4917491"/>
+                  <a:pt x="9609208" y="4914420"/>
+                  <a:pt x="9586087" y="4914420"/>
+                </a:cubicBezTo>
+                <a:cubicBezTo>
+                  <a:pt x="8158743" y="4914420"/>
+                  <a:pt x="8158743" y="4914420"/>
+                  <a:pt x="8158743" y="4914420"/>
+                </a:cubicBezTo>
+                <a:cubicBezTo>
+                  <a:pt x="8069341" y="4914420"/>
+                  <a:pt x="7983024" y="4963563"/>
+                  <a:pt x="7939863" y="5043420"/>
+                </a:cubicBezTo>
+                <a:cubicBezTo>
+                  <a:pt x="7224650" y="6275065"/>
+                  <a:pt x="7224650" y="6275065"/>
+                  <a:pt x="7224650" y="6275065"/>
+                </a:cubicBezTo>
+                <a:cubicBezTo>
+                  <a:pt x="7178407" y="6351849"/>
+                  <a:pt x="7178407" y="6450135"/>
+                  <a:pt x="7224650" y="6526922"/>
+                </a:cubicBezTo>
+                <a:cubicBezTo>
+                  <a:pt x="7269350" y="6603900"/>
+                  <a:pt x="7311257" y="6676067"/>
+                  <a:pt x="7350544" y="6743723"/>
+                </a:cubicBezTo>
+                <a:lnTo>
+                  <a:pt x="7416905" y="6858000"/>
+                </a:lnTo>
+                <a:lnTo>
+                  <a:pt x="5902610" y="6858000"/>
+                </a:lnTo>
+                <a:lnTo>
+                  <a:pt x="4389357" y="6858000"/>
+                </a:lnTo>
+                <a:lnTo>
+                  <a:pt x="0" y="6858000"/>
+                </a:lnTo>
+                <a:close/>
+              </a:path>
+            </a:pathLst>
+          </a:custGeom>
+          <a:solidFill>
+            <a:schemeClr val="tx1">
+              <a:lumMod val="50000"/>
+              <a:lumOff val="50000"/>
+              <a:alpha val="15000"/>
+            </a:schemeClr>
+          </a:solidFill>
+          <a:ln>
+            <a:noFill/>
+          </a:ln>
+        </p:spPr>
+        <p:style>
+          <a:lnRef idx="2">
+            <a:schemeClr val="accent1">
+              <a:shade val="50000"/>
+            </a:schemeClr>
+          </a:lnRef>
+          <a:fillRef idx="1">
+            <a:schemeClr val="accent1"/>
+          </a:fillRef>
+          <a:effectRef idx="0">
+            <a:schemeClr val="accent1"/>
+          </a:effectRef>
+          <a:fontRef idx="minor">
+            <a:schemeClr val="lt1"/>
+          </a:fontRef>
+        </p:style>
+        <p:txBody>
+          <a:bodyPr wrap="square" rtlCol="0" anchor="ctr">
+            <a:noAutofit/>
+          </a:bodyPr>
+          <a:lstStyle/>
+          <a:p>
+            <a:pPr algn="ctr"/>
+            <a:endParaRPr lang="en-US"/>
+          </a:p>
+        </p:txBody>
+      </p:sp>
+      <p:pic>
+        <p:nvPicPr>
+          <p:cNvPr id="2054" name="Picture 6" descr="Add To Favorites Icon Royalty Free Cliparts, Vectors, And Stock  Illustration. Image 34126262.">
+            <a:extLst>
+              <a:ext uri="{FF2B5EF4-FFF2-40B4-BE49-F238E27FC236}">
+                <a16:creationId xmlns:a16="http://schemas.microsoft.com/office/drawing/2014/main" id="{CA942316-E01D-4B30-A415-CFF5801FC77D}"/>
+              </a:ext>
+            </a:extLst>
+          </p:cNvPr>
+          <p:cNvPicPr>
+            <a:picLocks noChangeAspect="1" noChangeArrowheads="1"/>
+          </p:cNvPicPr>
+          <p:nvPr/>
+        </p:nvPicPr>
+        <p:blipFill>
+          <a:blip r:embed="rId2">
+            <a:extLst>
+              <a:ext uri="{28A0092B-C50C-407E-A947-70E740481C1C}">
+                <a14:useLocalDpi xmlns:a14="http://schemas.microsoft.com/office/drawing/2010/main" val="0"/>
+              </a:ext>
+            </a:extLst>
+          </a:blip>
+          <a:srcRect/>
+          <a:stretch>
+            <a:fillRect/>
+          </a:stretch>
+        </p:blipFill>
+        <p:spPr bwMode="auto">
+          <a:xfrm>
+            <a:off x="1041400" y="965200"/>
+            <a:ext cx="1552575" cy="1520825"/>
+          </a:xfrm>
+          <a:prstGeom prst="rect">
+            <a:avLst/>
+          </a:prstGeom>
+          <a:extLst>
+            <a:ext uri="{909E8E84-426E-40DD-AFC4-6F175D3DCCD1}">
+              <a14:hiddenFill xmlns:a14="http://schemas.microsoft.com/office/drawing/2010/main">
+                <a:solidFill>
+                  <a:srgbClr val="FFFFFF"/>
+                </a:solidFill>
+              </a14:hiddenFill>
+            </a:ext>
+          </a:extLst>
+        </p:spPr>
+      </p:pic>
+      <p:pic>
+        <p:nvPicPr>
+          <p:cNvPr id="2056" name="Picture 8" descr="Icono De Desplazamiento, Flecha, A La Derecha Gratis De Entypo Icons -  Flecha PNG – Stunning free transparent png clipart images free download">
+            <a:extLst>
+              <a:ext uri="{FF2B5EF4-FFF2-40B4-BE49-F238E27FC236}">
+                <a16:creationId xmlns:a16="http://schemas.microsoft.com/office/drawing/2014/main" id="{CFCE50BE-B9EC-4C2A-B013-61FFA566F7C5}"/>
+              </a:ext>
+            </a:extLst>
+          </p:cNvPr>
+          <p:cNvPicPr>
+            <a:picLocks noChangeAspect="1" noChangeArrowheads="1"/>
+          </p:cNvPicPr>
+          <p:nvPr/>
+        </p:nvPicPr>
+        <p:blipFill>
+          <a:blip r:embed="rId3">
+            <a:extLst>
+              <a:ext uri="{28A0092B-C50C-407E-A947-70E740481C1C}">
+                <a14:useLocalDpi xmlns:a14="http://schemas.microsoft.com/office/drawing/2010/main" val="0"/>
+              </a:ext>
+            </a:extLst>
+          </a:blip>
+          <a:srcRect/>
+          <a:stretch>
+            <a:fillRect/>
+          </a:stretch>
+        </p:blipFill>
+        <p:spPr bwMode="auto">
+          <a:xfrm>
+            <a:off x="2652713" y="965200"/>
+            <a:ext cx="2316163" cy="1520825"/>
+          </a:xfrm>
+          <a:prstGeom prst="rect">
+            <a:avLst/>
+          </a:prstGeom>
+          <a:extLst>
+            <a:ext uri="{909E8E84-426E-40DD-AFC4-6F175D3DCCD1}">
+              <a14:hiddenFill xmlns:a14="http://schemas.microsoft.com/office/drawing/2010/main">
+                <a:solidFill>
+                  <a:srgbClr val="FFFFFF"/>
+                </a:solidFill>
+              </a14:hiddenFill>
+            </a:ext>
+          </a:extLst>
+        </p:spPr>
+      </p:pic>
+      <p:pic>
+        <p:nvPicPr>
+          <p:cNvPr id="8" name="Imagen 7">
+            <a:extLst>
+              <a:ext uri="{FF2B5EF4-FFF2-40B4-BE49-F238E27FC236}">
+                <a16:creationId xmlns:a16="http://schemas.microsoft.com/office/drawing/2014/main" id="{FBA4504D-06A8-44EC-8CE9-F087882F15DB}"/>
+              </a:ext>
+            </a:extLst>
+          </p:cNvPr>
+          <p:cNvPicPr>
+            <a:picLocks noChangeAspect="1"/>
+          </p:cNvPicPr>
+          <p:nvPr/>
+        </p:nvPicPr>
+        <p:blipFill>
+          <a:blip r:embed="rId4">
+            <a:extLst>
+              <a:ext uri="{28A0092B-C50C-407E-A947-70E740481C1C}">
+                <a14:useLocalDpi xmlns:a14="http://schemas.microsoft.com/office/drawing/2010/main" val="0"/>
+              </a:ext>
+            </a:extLst>
+          </a:blip>
+          <a:stretch>
+            <a:fillRect/>
+          </a:stretch>
+        </p:blipFill>
+        <p:spPr>
+          <a:xfrm>
+            <a:off x="5026025" y="965200"/>
+            <a:ext cx="2219325" cy="1520825"/>
+          </a:xfrm>
+          <a:prstGeom prst="rect">
+            <a:avLst/>
+          </a:prstGeom>
+        </p:spPr>
+      </p:pic>
+      <p:pic>
+        <p:nvPicPr>
+          <p:cNvPr id="12" name="Imagen 11" descr="Icono&#10;&#10;Descripción generada automáticamente">
+            <a:extLst>
+              <a:ext uri="{FF2B5EF4-FFF2-40B4-BE49-F238E27FC236}">
+                <a16:creationId xmlns:a16="http://schemas.microsoft.com/office/drawing/2014/main" id="{C4D69899-A00D-4E53-9484-FB1C962328AB}"/>
+              </a:ext>
+            </a:extLst>
+          </p:cNvPr>
+          <p:cNvPicPr>
+            <a:picLocks noChangeAspect="1"/>
+          </p:cNvPicPr>
+          <p:nvPr/>
+        </p:nvPicPr>
+        <p:blipFill>
+          <a:blip r:embed="rId5">
+            <a:extLst>
+              <a:ext uri="{28A0092B-C50C-407E-A947-70E740481C1C}">
+                <a14:useLocalDpi xmlns:a14="http://schemas.microsoft.com/office/drawing/2010/main" val="0"/>
+              </a:ext>
+            </a:extLst>
+          </a:blip>
+          <a:stretch>
+            <a:fillRect/>
+          </a:stretch>
+        </p:blipFill>
+        <p:spPr>
+          <a:xfrm>
+            <a:off x="1041400" y="2543175"/>
+            <a:ext cx="1506538" cy="1506538"/>
+          </a:xfrm>
+          <a:prstGeom prst="rect">
+            <a:avLst/>
+          </a:prstGeom>
+        </p:spPr>
+      </p:pic>
+      <p:pic>
+        <p:nvPicPr>
+          <p:cNvPr id="2050" name="Picture 2" descr="93,566 BEST Filter Icon IMAGES, STOCK PHOTOS &amp; VECTORS | Adobe Stock">
+            <a:extLst>
+              <a:ext uri="{FF2B5EF4-FFF2-40B4-BE49-F238E27FC236}">
+                <a16:creationId xmlns:a16="http://schemas.microsoft.com/office/drawing/2014/main" id="{6F2644DB-1E94-4F02-AC70-7223A124CF12}"/>
+              </a:ext>
+            </a:extLst>
+          </p:cNvPr>
+          <p:cNvPicPr>
+            <a:picLocks noChangeAspect="1" noChangeArrowheads="1"/>
+          </p:cNvPicPr>
+          <p:nvPr/>
+        </p:nvPicPr>
+        <p:blipFill rotWithShape="1">
+          <a:blip r:embed="rId6">
+            <a:extLst>
+              <a:ext uri="{28A0092B-C50C-407E-A947-70E740481C1C}">
+                <a14:useLocalDpi xmlns:a14="http://schemas.microsoft.com/office/drawing/2010/main" val="0"/>
+              </a:ext>
+            </a:extLst>
+          </a:blip>
+          <a:srcRect r="1" b="1"/>
+          <a:stretch/>
+        </p:blipFill>
+        <p:spPr bwMode="auto">
+          <a:xfrm>
+            <a:off x="2606675" y="2543175"/>
+            <a:ext cx="1504950" cy="1506538"/>
+          </a:xfrm>
+          <a:custGeom>
+            <a:avLst/>
+            <a:gdLst/>
+            <a:ahLst/>
+            <a:cxnLst/>
+            <a:rect l="l" t="t" r="r" b="b"/>
+            <a:pathLst>
+              <a:path w="2849586" h="2849586">
+                <a:moveTo>
+                  <a:pt x="1424793" y="0"/>
+                </a:moveTo>
+                <a:cubicBezTo>
+                  <a:pt x="2211684" y="0"/>
+                  <a:pt x="2849586" y="637902"/>
+                  <a:pt x="2849586" y="1424793"/>
+                </a:cubicBezTo>
+                <a:cubicBezTo>
+                  <a:pt x="2849586" y="2211684"/>
+                  <a:pt x="2211684" y="2849586"/>
+                  <a:pt x="1424793" y="2849586"/>
+                </a:cubicBezTo>
+                <a:cubicBezTo>
+                  <a:pt x="637902" y="2849586"/>
+                  <a:pt x="0" y="2211684"/>
+                  <a:pt x="0" y="1424793"/>
+                </a:cubicBezTo>
+                <a:cubicBezTo>
+                  <a:pt x="0" y="637902"/>
+                  <a:pt x="637902" y="0"/>
+                  <a:pt x="1424793" y="0"/>
+                </a:cubicBezTo>
+                <a:close/>
+              </a:path>
+            </a:pathLst>
+          </a:custGeom>
+          <a:extLst>
+            <a:ext uri="{909E8E84-426E-40DD-AFC4-6F175D3DCCD1}">
+              <a14:hiddenFill xmlns:a14="http://schemas.microsoft.com/office/drawing/2010/main">
+                <a:solidFill>
+                  <a:srgbClr val="FFFFFF"/>
+                </a:solidFill>
+              </a14:hiddenFill>
+            </a:ext>
+          </a:extLst>
+        </p:spPr>
+      </p:pic>
+      <p:pic>
+        <p:nvPicPr>
+          <p:cNvPr id="14" name="Imagen 13">
+            <a:extLst>
+              <a:ext uri="{FF2B5EF4-FFF2-40B4-BE49-F238E27FC236}">
+                <a16:creationId xmlns:a16="http://schemas.microsoft.com/office/drawing/2014/main" id="{571A16B7-412A-4920-B240-99E453DB17BA}"/>
+              </a:ext>
+            </a:extLst>
+          </p:cNvPr>
+          <p:cNvPicPr>
+            <a:picLocks noChangeAspect="1"/>
+          </p:cNvPicPr>
+          <p:nvPr/>
+        </p:nvPicPr>
+        <p:blipFill>
+          <a:blip r:embed="rId7"/>
+          <a:stretch>
+            <a:fillRect/>
+          </a:stretch>
+        </p:blipFill>
+        <p:spPr>
+          <a:xfrm>
+            <a:off x="4168775" y="2543175"/>
+            <a:ext cx="1512888" cy="1506538"/>
+          </a:xfrm>
+          <a:prstGeom prst="rect">
+            <a:avLst/>
+          </a:prstGeom>
+        </p:spPr>
+      </p:pic>
+      <p:pic>
+        <p:nvPicPr>
+          <p:cNvPr id="6" name="Imagen 5" descr="Icono&#10;&#10;Descripción generada automáticamente">
+            <a:extLst>
+              <a:ext uri="{FF2B5EF4-FFF2-40B4-BE49-F238E27FC236}">
+                <a16:creationId xmlns:a16="http://schemas.microsoft.com/office/drawing/2014/main" id="{9F44B2CF-6D74-4660-9CE0-A4B785A11533}"/>
+              </a:ext>
+            </a:extLst>
+          </p:cNvPr>
+          <p:cNvPicPr>
+            <a:picLocks noChangeAspect="1"/>
+          </p:cNvPicPr>
+          <p:nvPr/>
+        </p:nvPicPr>
+        <p:blipFill>
+          <a:blip r:embed="rId8">
+            <a:extLst>
+              <a:ext uri="{28A0092B-C50C-407E-A947-70E740481C1C}">
+                <a14:useLocalDpi xmlns:a14="http://schemas.microsoft.com/office/drawing/2010/main" val="0"/>
+              </a:ext>
+            </a:extLst>
+          </a:blip>
+          <a:stretch>
+            <a:fillRect/>
+          </a:stretch>
+        </p:blipFill>
+        <p:spPr>
+          <a:xfrm>
+            <a:off x="5740400" y="2543175"/>
+            <a:ext cx="1504950" cy="1506538"/>
+          </a:xfrm>
+          <a:prstGeom prst="rect">
+            <a:avLst/>
+          </a:prstGeom>
+        </p:spPr>
+      </p:pic>
+      <p:pic>
+        <p:nvPicPr>
+          <p:cNvPr id="4" name="Picture 2">
+            <a:extLst>
+              <a:ext uri="{FF2B5EF4-FFF2-40B4-BE49-F238E27FC236}">
+                <a16:creationId xmlns:a16="http://schemas.microsoft.com/office/drawing/2014/main" id="{C241BA9F-DF2C-413D-B236-7BAC0E6FFCCF}"/>
+              </a:ext>
+            </a:extLst>
+          </p:cNvPr>
+          <p:cNvPicPr>
+            <a:picLocks noChangeAspect="1" noChangeArrowheads="1"/>
+          </p:cNvPicPr>
+          <p:nvPr/>
+        </p:nvPicPr>
+        <p:blipFill rotWithShape="1">
+          <a:blip r:embed="rId9">
+            <a:extLst>
+              <a:ext uri="{28A0092B-C50C-407E-A947-70E740481C1C}">
+                <a14:useLocalDpi xmlns:a14="http://schemas.microsoft.com/office/drawing/2010/main" val="0"/>
+              </a:ext>
+            </a:extLst>
+          </a:blip>
+          <a:srcRect r="1" b="1"/>
+          <a:stretch/>
+        </p:blipFill>
+        <p:spPr bwMode="auto">
+          <a:xfrm>
+            <a:off x="1041400" y="4108450"/>
+            <a:ext cx="1552575" cy="1552575"/>
+          </a:xfrm>
+          <a:custGeom>
+            <a:avLst/>
+            <a:gdLst/>
+            <a:ahLst/>
+            <a:cxnLst/>
+            <a:rect l="l" t="t" r="r" b="b"/>
+            <a:pathLst>
+              <a:path w="2849586" h="2849586">
+                <a:moveTo>
+                  <a:pt x="1424793" y="0"/>
+                </a:moveTo>
+                <a:cubicBezTo>
+                  <a:pt x="2211684" y="0"/>
+                  <a:pt x="2849586" y="637902"/>
+                  <a:pt x="2849586" y="1424793"/>
+                </a:cubicBezTo>
+                <a:cubicBezTo>
+                  <a:pt x="2849586" y="2211684"/>
+                  <a:pt x="2211684" y="2849586"/>
+                  <a:pt x="1424793" y="2849586"/>
+                </a:cubicBezTo>
+                <a:cubicBezTo>
+                  <a:pt x="637902" y="2849586"/>
+                  <a:pt x="0" y="2211684"/>
+                  <a:pt x="0" y="1424793"/>
+                </a:cubicBezTo>
+                <a:cubicBezTo>
+                  <a:pt x="0" y="637902"/>
+                  <a:pt x="637902" y="0"/>
+                  <a:pt x="1424793" y="0"/>
+                </a:cubicBezTo>
+                <a:close/>
+              </a:path>
+            </a:pathLst>
+          </a:custGeom>
+          <a:extLst>
+            <a:ext uri="{909E8E84-426E-40DD-AFC4-6F175D3DCCD1}">
+              <a14:hiddenFill xmlns:a14="http://schemas.microsoft.com/office/drawing/2010/main">
+                <a:solidFill>
+                  <a:srgbClr val="FFFFFF"/>
+                </a:solidFill>
+              </a14:hiddenFill>
+            </a:ext>
+          </a:extLst>
+        </p:spPr>
+      </p:pic>
+      <p:pic>
+        <p:nvPicPr>
+          <p:cNvPr id="10" name="Imagen 9" descr="Icono&#10;&#10;Descripción generada automáticamente">
+            <a:extLst>
+              <a:ext uri="{FF2B5EF4-FFF2-40B4-BE49-F238E27FC236}">
+                <a16:creationId xmlns:a16="http://schemas.microsoft.com/office/drawing/2014/main" id="{FE9949E0-DF5A-465F-8138-83FBABA440E0}"/>
+              </a:ext>
+            </a:extLst>
+          </p:cNvPr>
+          <p:cNvPicPr>
+            <a:picLocks noChangeAspect="1"/>
+          </p:cNvPicPr>
+          <p:nvPr/>
+        </p:nvPicPr>
+        <p:blipFill>
+          <a:blip r:embed="rId10">
+            <a:extLst>
+              <a:ext uri="{28A0092B-C50C-407E-A947-70E740481C1C}">
+                <a14:useLocalDpi xmlns:a14="http://schemas.microsoft.com/office/drawing/2010/main" val="0"/>
+              </a:ext>
+            </a:extLst>
+          </a:blip>
+          <a:stretch>
+            <a:fillRect/>
+          </a:stretch>
+        </p:blipFill>
+        <p:spPr>
+          <a:xfrm>
+            <a:off x="2651125" y="4108450"/>
+            <a:ext cx="2982913" cy="1552575"/>
+          </a:xfrm>
+          <a:prstGeom prst="rect">
+            <a:avLst/>
+          </a:prstGeom>
+        </p:spPr>
+      </p:pic>
+      <p:pic>
+        <p:nvPicPr>
+          <p:cNvPr id="2058" name="Picture 10" descr="Iconos de Flechas gratis - Flecha hacia la izquierda | Disenos de unas,  Flechas, Iconos">
+            <a:extLst>
+              <a:ext uri="{FF2B5EF4-FFF2-40B4-BE49-F238E27FC236}">
+                <a16:creationId xmlns:a16="http://schemas.microsoft.com/office/drawing/2014/main" id="{6D5F1E61-B712-4966-AE69-BA9EED4C6AD7}"/>
+              </a:ext>
+            </a:extLst>
+          </p:cNvPr>
+          <p:cNvPicPr>
+            <a:picLocks noChangeAspect="1" noChangeArrowheads="1"/>
+          </p:cNvPicPr>
+          <p:nvPr/>
+        </p:nvPicPr>
+        <p:blipFill>
+          <a:blip r:embed="rId11">
+            <a:extLst>
+              <a:ext uri="{28A0092B-C50C-407E-A947-70E740481C1C}">
+                <a14:useLocalDpi xmlns:a14="http://schemas.microsoft.com/office/drawing/2010/main" val="0"/>
+              </a:ext>
+            </a:extLst>
+          </a:blip>
+          <a:srcRect/>
+          <a:stretch>
+            <a:fillRect/>
+          </a:stretch>
+        </p:blipFill>
+        <p:spPr bwMode="auto">
+          <a:xfrm rot="10800000">
+            <a:off x="5472113" y="3887788"/>
+            <a:ext cx="1987550" cy="1987550"/>
+          </a:xfrm>
+          <a:prstGeom prst="rect">
+            <a:avLst/>
+          </a:prstGeom>
+          <a:extLst>
+            <a:ext uri="{909E8E84-426E-40DD-AFC4-6F175D3DCCD1}">
+              <a14:hiddenFill xmlns:a14="http://schemas.microsoft.com/office/drawing/2010/main">
+                <a:solidFill>
+                  <a:srgbClr val="FFFFFF"/>
+                </a:solidFill>
+              </a14:hiddenFill>
+            </a:ext>
+          </a:extLst>
+        </p:spPr>
+      </p:pic>
+    </p:spTree>
+    <p:extLst>
+      <p:ext uri="{BB962C8B-B14F-4D97-AF65-F5344CB8AC3E}">
+        <p14:creationId xmlns:p14="http://schemas.microsoft.com/office/powerpoint/2010/main" val="307085951"/>
+      </p:ext>
+    </p:extLst>
+  </p:cSld>
+  <p:clrMapOvr>
+    <a:masterClrMapping/>
+  </p:clrMapOvr>
+</p:sld>
+</file>
+
 <file path=ppt/theme/theme1.xml><?xml version="1.0" encoding="utf-8"?>
 <a:theme xmlns:a="http://schemas.openxmlformats.org/drawingml/2006/main" name="Tema de Office">
   <a:themeElements>
